--- a/PatchMatch.pptx
+++ b/PatchMatch.pptx
@@ -11,6 +11,9 @@
     <p:sldId id="260" r:id="rId5"/>
     <p:sldId id="262" r:id="rId6"/>
     <p:sldId id="261" r:id="rId7"/>
+    <p:sldId id="263" r:id="rId8"/>
+    <p:sldId id="264" r:id="rId9"/>
+    <p:sldId id="265" r:id="rId10"/>
   </p:sldIdLst>
   <p:sldSz cx="12192000" cy="6858000"/>
   <p:notesSz cx="6858000" cy="9144000"/>
@@ -7205,6 +7208,1003 @@
 </p:sld>
 </file>
 
+<file path=ppt/slides/slide7.xml><?xml version="1.0" encoding="utf-8"?>
+<p:sld xmlns:a="http://schemas.openxmlformats.org/drawingml/2006/main" xmlns:r="http://schemas.openxmlformats.org/officeDocument/2006/relationships" xmlns:p="http://schemas.openxmlformats.org/presentationml/2006/main">
+  <p:cSld>
+    <p:spTree>
+      <p:nvGrpSpPr>
+        <p:cNvPr id="1" name=""/>
+        <p:cNvGrpSpPr/>
+        <p:nvPr/>
+      </p:nvGrpSpPr>
+      <p:grpSpPr>
+        <a:xfrm>
+          <a:off x="0" y="0"/>
+          <a:ext cx="0" cy="0"/>
+          <a:chOff x="0" y="0"/>
+          <a:chExt cx="0" cy="0"/>
+        </a:xfrm>
+      </p:grpSpPr>
+      <p:sp>
+        <p:nvSpPr>
+          <p:cNvPr id="2" name="Title 1"/>
+          <p:cNvSpPr>
+            <a:spLocks noGrp="1"/>
+          </p:cNvSpPr>
+          <p:nvPr>
+            <p:ph type="title"/>
+          </p:nvPr>
+        </p:nvSpPr>
+        <p:spPr/>
+        <p:txBody>
+          <a:bodyPr/>
+          <a:lstStyle/>
+          <a:p>
+            <a:r>
+              <a:rPr lang="en-US" dirty="0" smtClean="0"/>
+              <a:t>retargeting</a:t>
+            </a:r>
+            <a:endParaRPr lang="en-US" dirty="0"/>
+          </a:p>
+        </p:txBody>
+      </p:sp>
+      <p:pic>
+        <p:nvPicPr>
+          <p:cNvPr id="15" name="Picture 14"/>
+          <p:cNvPicPr>
+            <a:picLocks noChangeAspect="1"/>
+          </p:cNvPicPr>
+          <p:nvPr/>
+        </p:nvPicPr>
+        <p:blipFill>
+          <a:blip r:embed="rId2"/>
+          <a:stretch>
+            <a:fillRect/>
+          </a:stretch>
+        </p:blipFill>
+        <p:spPr>
+          <a:xfrm>
+            <a:off x="956649" y="2402018"/>
+            <a:ext cx="3884204" cy="2913153"/>
+          </a:xfrm>
+          <a:prstGeom prst="rect">
+            <a:avLst/>
+          </a:prstGeom>
+        </p:spPr>
+      </p:pic>
+      <p:pic>
+        <p:nvPicPr>
+          <p:cNvPr id="18" name="Picture 17"/>
+          <p:cNvPicPr>
+            <a:picLocks noChangeAspect="1"/>
+          </p:cNvPicPr>
+          <p:nvPr/>
+        </p:nvPicPr>
+        <p:blipFill>
+          <a:blip r:embed="rId3"/>
+          <a:stretch>
+            <a:fillRect/>
+          </a:stretch>
+        </p:blipFill>
+        <p:spPr>
+          <a:xfrm>
+            <a:off x="7032836" y="3248038"/>
+            <a:ext cx="2226312" cy="1657892"/>
+          </a:xfrm>
+          <a:prstGeom prst="rect">
+            <a:avLst/>
+          </a:prstGeom>
+        </p:spPr>
+      </p:pic>
+      <p:sp>
+        <p:nvSpPr>
+          <p:cNvPr id="19" name="Content Placeholder 18"/>
+          <p:cNvSpPr>
+            <a:spLocks noGrp="1"/>
+          </p:cNvSpPr>
+          <p:nvPr>
+            <p:ph idx="1"/>
+          </p:nvPr>
+        </p:nvSpPr>
+        <p:spPr>
+          <a:xfrm>
+            <a:off x="653369" y="5969923"/>
+            <a:ext cx="8596668" cy="3880773"/>
+          </a:xfrm>
+        </p:spPr>
+        <p:txBody>
+          <a:bodyPr/>
+          <a:lstStyle/>
+          <a:p>
+            <a:endParaRPr lang="en-US" dirty="0"/>
+          </a:p>
+        </p:txBody>
+      </p:sp>
+      <p:cxnSp>
+        <p:nvCxnSpPr>
+          <p:cNvPr id="21" name="Straight Arrow Connector 20"/>
+          <p:cNvCxnSpPr/>
+          <p:nvPr/>
+        </p:nvCxnSpPr>
+        <p:spPr>
+          <a:xfrm>
+            <a:off x="5329941" y="4079680"/>
+            <a:ext cx="1173742" cy="0"/>
+          </a:xfrm>
+          <a:prstGeom prst="straightConnector1">
+            <a:avLst/>
+          </a:prstGeom>
+          <a:ln>
+            <a:tailEnd type="arrow"/>
+          </a:ln>
+        </p:spPr>
+        <p:style>
+          <a:lnRef idx="2">
+            <a:schemeClr val="accent1"/>
+          </a:lnRef>
+          <a:fillRef idx="0">
+            <a:schemeClr val="accent1"/>
+          </a:fillRef>
+          <a:effectRef idx="1">
+            <a:schemeClr val="accent1"/>
+          </a:effectRef>
+          <a:fontRef idx="minor">
+            <a:schemeClr val="tx1"/>
+          </a:fontRef>
+        </p:style>
+      </p:cxnSp>
+      <p:sp>
+        <p:nvSpPr>
+          <p:cNvPr id="22" name="Frame 21"/>
+          <p:cNvSpPr/>
+          <p:nvPr/>
+        </p:nvSpPr>
+        <p:spPr>
+          <a:xfrm>
+            <a:off x="4213925" y="3098247"/>
+            <a:ext cx="461799" cy="519582"/>
+          </a:xfrm>
+          <a:prstGeom prst="frame">
+            <a:avLst/>
+          </a:prstGeom>
+          <a:solidFill>
+            <a:srgbClr val="3366FF"/>
+          </a:solidFill>
+          <a:ln>
+            <a:solidFill>
+              <a:srgbClr val="3366FF"/>
+            </a:solidFill>
+          </a:ln>
+        </p:spPr>
+        <p:style>
+          <a:lnRef idx="1">
+            <a:schemeClr val="accent1"/>
+          </a:lnRef>
+          <a:fillRef idx="3">
+            <a:schemeClr val="accent1"/>
+          </a:fillRef>
+          <a:effectRef idx="2">
+            <a:schemeClr val="accent1"/>
+          </a:effectRef>
+          <a:fontRef idx="minor">
+            <a:schemeClr val="lt1"/>
+          </a:fontRef>
+        </p:style>
+        <p:txBody>
+          <a:bodyPr rtlCol="0" anchor="ctr"/>
+          <a:lstStyle/>
+          <a:p>
+            <a:pPr algn="ctr"/>
+            <a:endParaRPr lang="en-US">
+              <a:solidFill>
+                <a:schemeClr val="tx1"/>
+              </a:solidFill>
+            </a:endParaRPr>
+          </a:p>
+        </p:txBody>
+      </p:sp>
+      <p:sp>
+        <p:nvSpPr>
+          <p:cNvPr id="24" name="Frame 23"/>
+          <p:cNvSpPr/>
+          <p:nvPr/>
+        </p:nvSpPr>
+        <p:spPr>
+          <a:xfrm>
+            <a:off x="8637974" y="3462328"/>
+            <a:ext cx="461799" cy="519582"/>
+          </a:xfrm>
+          <a:prstGeom prst="frame">
+            <a:avLst/>
+          </a:prstGeom>
+          <a:solidFill>
+            <a:srgbClr val="3366FF"/>
+          </a:solidFill>
+          <a:ln>
+            <a:solidFill>
+              <a:srgbClr val="3366FF"/>
+            </a:solidFill>
+          </a:ln>
+        </p:spPr>
+        <p:style>
+          <a:lnRef idx="1">
+            <a:schemeClr val="accent1"/>
+          </a:lnRef>
+          <a:fillRef idx="3">
+            <a:schemeClr val="accent1"/>
+          </a:fillRef>
+          <a:effectRef idx="2">
+            <a:schemeClr val="accent1"/>
+          </a:effectRef>
+          <a:fontRef idx="minor">
+            <a:schemeClr val="lt1"/>
+          </a:fontRef>
+        </p:style>
+        <p:txBody>
+          <a:bodyPr rtlCol="0" anchor="ctr"/>
+          <a:lstStyle/>
+          <a:p>
+            <a:pPr algn="ctr"/>
+            <a:endParaRPr lang="en-US">
+              <a:solidFill>
+                <a:schemeClr val="tx1"/>
+              </a:solidFill>
+            </a:endParaRPr>
+          </a:p>
+        </p:txBody>
+      </p:sp>
+      <p:sp>
+        <p:nvSpPr>
+          <p:cNvPr id="25" name="Frame 24"/>
+          <p:cNvSpPr/>
+          <p:nvPr/>
+        </p:nvSpPr>
+        <p:spPr>
+          <a:xfrm>
+            <a:off x="2307466" y="4655442"/>
+            <a:ext cx="461799" cy="519582"/>
+          </a:xfrm>
+          <a:prstGeom prst="frame">
+            <a:avLst/>
+          </a:prstGeom>
+          <a:solidFill>
+            <a:srgbClr val="FFFF00"/>
+          </a:solidFill>
+          <a:ln>
+            <a:solidFill>
+              <a:srgbClr val="FFFF00"/>
+            </a:solidFill>
+          </a:ln>
+        </p:spPr>
+        <p:style>
+          <a:lnRef idx="1">
+            <a:schemeClr val="accent1"/>
+          </a:lnRef>
+          <a:fillRef idx="3">
+            <a:schemeClr val="accent1"/>
+          </a:fillRef>
+          <a:effectRef idx="2">
+            <a:schemeClr val="accent1"/>
+          </a:effectRef>
+          <a:fontRef idx="minor">
+            <a:schemeClr val="lt1"/>
+          </a:fontRef>
+        </p:style>
+        <p:txBody>
+          <a:bodyPr rtlCol="0" anchor="ctr"/>
+          <a:lstStyle/>
+          <a:p>
+            <a:pPr algn="ctr"/>
+            <a:endParaRPr lang="en-US">
+              <a:solidFill>
+                <a:schemeClr val="tx1"/>
+              </a:solidFill>
+            </a:endParaRPr>
+          </a:p>
+        </p:txBody>
+      </p:sp>
+      <p:sp>
+        <p:nvSpPr>
+          <p:cNvPr id="26" name="Frame 25"/>
+          <p:cNvSpPr/>
+          <p:nvPr/>
+        </p:nvSpPr>
+        <p:spPr>
+          <a:xfrm>
+            <a:off x="3171808" y="4269016"/>
+            <a:ext cx="461799" cy="519582"/>
+          </a:xfrm>
+          <a:prstGeom prst="frame">
+            <a:avLst/>
+          </a:prstGeom>
+          <a:solidFill>
+            <a:srgbClr val="FFFF00"/>
+          </a:solidFill>
+          <a:ln>
+            <a:solidFill>
+              <a:srgbClr val="FFFF00"/>
+            </a:solidFill>
+          </a:ln>
+        </p:spPr>
+        <p:style>
+          <a:lnRef idx="1">
+            <a:schemeClr val="accent1"/>
+          </a:lnRef>
+          <a:fillRef idx="3">
+            <a:schemeClr val="accent1"/>
+          </a:fillRef>
+          <a:effectRef idx="2">
+            <a:schemeClr val="accent1"/>
+          </a:effectRef>
+          <a:fontRef idx="minor">
+            <a:schemeClr val="lt1"/>
+          </a:fontRef>
+        </p:style>
+        <p:txBody>
+          <a:bodyPr rtlCol="0" anchor="ctr"/>
+          <a:lstStyle/>
+          <a:p>
+            <a:pPr algn="ctr"/>
+            <a:endParaRPr lang="en-US">
+              <a:solidFill>
+                <a:schemeClr val="tx1"/>
+              </a:solidFill>
+            </a:endParaRPr>
+          </a:p>
+        </p:txBody>
+      </p:sp>
+      <p:sp>
+        <p:nvSpPr>
+          <p:cNvPr id="27" name="Frame 26"/>
+          <p:cNvSpPr/>
+          <p:nvPr/>
+        </p:nvSpPr>
+        <p:spPr>
+          <a:xfrm>
+            <a:off x="7809049" y="4345992"/>
+            <a:ext cx="461799" cy="519582"/>
+          </a:xfrm>
+          <a:prstGeom prst="frame">
+            <a:avLst/>
+          </a:prstGeom>
+          <a:solidFill>
+            <a:srgbClr val="FFFF00"/>
+          </a:solidFill>
+          <a:ln>
+            <a:solidFill>
+              <a:srgbClr val="FFFF00"/>
+            </a:solidFill>
+          </a:ln>
+        </p:spPr>
+        <p:style>
+          <a:lnRef idx="1">
+            <a:schemeClr val="accent1"/>
+          </a:lnRef>
+          <a:fillRef idx="3">
+            <a:schemeClr val="accent1"/>
+          </a:fillRef>
+          <a:effectRef idx="2">
+            <a:schemeClr val="accent1"/>
+          </a:effectRef>
+          <a:fontRef idx="minor">
+            <a:schemeClr val="lt1"/>
+          </a:fontRef>
+        </p:style>
+        <p:txBody>
+          <a:bodyPr rtlCol="0" anchor="ctr"/>
+          <a:lstStyle/>
+          <a:p>
+            <a:pPr algn="ctr"/>
+            <a:endParaRPr lang="en-US">
+              <a:solidFill>
+                <a:schemeClr val="tx1"/>
+              </a:solidFill>
+            </a:endParaRPr>
+          </a:p>
+        </p:txBody>
+      </p:sp>
+      <p:cxnSp>
+        <p:nvCxnSpPr>
+          <p:cNvPr id="29" name="Straight Arrow Connector 28"/>
+          <p:cNvCxnSpPr/>
+          <p:nvPr/>
+        </p:nvCxnSpPr>
+        <p:spPr>
+          <a:xfrm flipV="1">
+            <a:off x="2847766" y="4714726"/>
+            <a:ext cx="4714208" cy="269411"/>
+          </a:xfrm>
+          <a:prstGeom prst="straightConnector1">
+            <a:avLst/>
+          </a:prstGeom>
+          <a:ln>
+            <a:solidFill>
+              <a:srgbClr val="FFFF00"/>
+            </a:solidFill>
+            <a:tailEnd type="arrow"/>
+          </a:ln>
+        </p:spPr>
+        <p:style>
+          <a:lnRef idx="2">
+            <a:schemeClr val="accent1"/>
+          </a:lnRef>
+          <a:fillRef idx="0">
+            <a:schemeClr val="accent1"/>
+          </a:fillRef>
+          <a:effectRef idx="1">
+            <a:schemeClr val="accent1"/>
+          </a:effectRef>
+          <a:fontRef idx="minor">
+            <a:schemeClr val="tx1"/>
+          </a:fontRef>
+        </p:style>
+      </p:cxnSp>
+      <p:cxnSp>
+        <p:nvCxnSpPr>
+          <p:cNvPr id="31" name="Straight Arrow Connector 30"/>
+          <p:cNvCxnSpPr/>
+          <p:nvPr/>
+        </p:nvCxnSpPr>
+        <p:spPr>
+          <a:xfrm flipV="1">
+            <a:off x="3654383" y="4503043"/>
+            <a:ext cx="3946075" cy="36937"/>
+          </a:xfrm>
+          <a:prstGeom prst="straightConnector1">
+            <a:avLst/>
+          </a:prstGeom>
+          <a:ln>
+            <a:solidFill>
+              <a:srgbClr val="FFFF00"/>
+            </a:solidFill>
+            <a:tailEnd type="arrow"/>
+          </a:ln>
+        </p:spPr>
+        <p:style>
+          <a:lnRef idx="2">
+            <a:schemeClr val="accent1"/>
+          </a:lnRef>
+          <a:fillRef idx="0">
+            <a:schemeClr val="accent1"/>
+          </a:fillRef>
+          <a:effectRef idx="1">
+            <a:schemeClr val="accent1"/>
+          </a:effectRef>
+          <a:fontRef idx="minor">
+            <a:schemeClr val="tx1"/>
+          </a:fontRef>
+        </p:style>
+      </p:cxnSp>
+      <p:cxnSp>
+        <p:nvCxnSpPr>
+          <p:cNvPr id="35" name="Straight Arrow Connector 34"/>
+          <p:cNvCxnSpPr/>
+          <p:nvPr/>
+        </p:nvCxnSpPr>
+        <p:spPr>
+          <a:xfrm>
+            <a:off x="4714208" y="3386904"/>
+            <a:ext cx="3771366" cy="269413"/>
+          </a:xfrm>
+          <a:prstGeom prst="straightConnector1">
+            <a:avLst/>
+          </a:prstGeom>
+          <a:ln>
+            <a:solidFill>
+              <a:srgbClr val="3366FF"/>
+            </a:solidFill>
+            <a:tailEnd type="arrow"/>
+          </a:ln>
+        </p:spPr>
+        <p:style>
+          <a:lnRef idx="2">
+            <a:schemeClr val="accent1"/>
+          </a:lnRef>
+          <a:fillRef idx="0">
+            <a:schemeClr val="accent1"/>
+          </a:fillRef>
+          <a:effectRef idx="1">
+            <a:schemeClr val="accent1"/>
+          </a:effectRef>
+          <a:fontRef idx="minor">
+            <a:schemeClr val="tx1"/>
+          </a:fontRef>
+        </p:style>
+      </p:cxnSp>
+    </p:spTree>
+    <p:extLst>
+      <p:ext uri="{BB962C8B-B14F-4D97-AF65-F5344CB8AC3E}">
+        <p14:creationId xmlns:p14="http://schemas.microsoft.com/office/powerpoint/2010/main" val="314311795"/>
+      </p:ext>
+    </p:extLst>
+  </p:cSld>
+  <p:clrMapOvr>
+    <a:masterClrMapping/>
+  </p:clrMapOvr>
+  <p:timing>
+    <p:tnLst>
+      <p:par>
+        <p:cTn xmlns:p14="http://schemas.microsoft.com/office/powerpoint/2010/main" id="1" dur="indefinite" restart="never" nodeType="tmRoot">
+          <p:childTnLst>
+            <p:seq concurrent="1" nextAc="seek">
+              <p:cTn id="2" dur="indefinite" nodeType="mainSeq">
+                <p:childTnLst>
+                  <p:par>
+                    <p:cTn id="3" fill="hold">
+                      <p:stCondLst>
+                        <p:cond delay="indefinite"/>
+                      </p:stCondLst>
+                      <p:childTnLst>
+                        <p:par>
+                          <p:cTn id="4" fill="hold">
+                            <p:stCondLst>
+                              <p:cond delay="0"/>
+                            </p:stCondLst>
+                            <p:childTnLst>
+                              <p:par>
+                                <p:cTn id="5" presetID="1" presetClass="entr" presetSubtype="0" fill="hold" grpId="0" nodeType="clickEffect">
+                                  <p:stCondLst>
+                                    <p:cond delay="0"/>
+                                  </p:stCondLst>
+                                  <p:childTnLst>
+                                    <p:set>
+                                      <p:cBhvr>
+                                        <p:cTn id="6" dur="1" fill="hold">
+                                          <p:stCondLst>
+                                            <p:cond delay="0"/>
+                                          </p:stCondLst>
+                                        </p:cTn>
+                                        <p:tgtEl>
+                                          <p:spTgt spid="24"/>
+                                        </p:tgtEl>
+                                        <p:attrNameLst>
+                                          <p:attrName>style.visibility</p:attrName>
+                                        </p:attrNameLst>
+                                      </p:cBhvr>
+                                      <p:to>
+                                        <p:strVal val="visible"/>
+                                      </p:to>
+                                    </p:set>
+                                  </p:childTnLst>
+                                </p:cTn>
+                              </p:par>
+                              <p:par>
+                                <p:cTn id="7" presetID="1" presetClass="entr" presetSubtype="0" fill="hold" nodeType="withEffect">
+                                  <p:stCondLst>
+                                    <p:cond delay="0"/>
+                                  </p:stCondLst>
+                                  <p:childTnLst>
+                                    <p:set>
+                                      <p:cBhvr>
+                                        <p:cTn id="8" dur="1" fill="hold">
+                                          <p:stCondLst>
+                                            <p:cond delay="0"/>
+                                          </p:stCondLst>
+                                        </p:cTn>
+                                        <p:tgtEl>
+                                          <p:spTgt spid="35"/>
+                                        </p:tgtEl>
+                                        <p:attrNameLst>
+                                          <p:attrName>style.visibility</p:attrName>
+                                        </p:attrNameLst>
+                                      </p:cBhvr>
+                                      <p:to>
+                                        <p:strVal val="visible"/>
+                                      </p:to>
+                                    </p:set>
+                                  </p:childTnLst>
+                                </p:cTn>
+                              </p:par>
+                              <p:par>
+                                <p:cTn id="9" presetID="1" presetClass="entr" presetSubtype="0" fill="hold" grpId="0" nodeType="withEffect">
+                                  <p:stCondLst>
+                                    <p:cond delay="0"/>
+                                  </p:stCondLst>
+                                  <p:childTnLst>
+                                    <p:set>
+                                      <p:cBhvr>
+                                        <p:cTn id="10" dur="1" fill="hold">
+                                          <p:stCondLst>
+                                            <p:cond delay="0"/>
+                                          </p:stCondLst>
+                                        </p:cTn>
+                                        <p:tgtEl>
+                                          <p:spTgt spid="22"/>
+                                        </p:tgtEl>
+                                        <p:attrNameLst>
+                                          <p:attrName>style.visibility</p:attrName>
+                                        </p:attrNameLst>
+                                      </p:cBhvr>
+                                      <p:to>
+                                        <p:strVal val="visible"/>
+                                      </p:to>
+                                    </p:set>
+                                  </p:childTnLst>
+                                </p:cTn>
+                              </p:par>
+                              <p:par>
+                                <p:cTn id="11" presetID="1" presetClass="entr" presetSubtype="0" fill="hold" nodeType="withEffect">
+                                  <p:stCondLst>
+                                    <p:cond delay="0"/>
+                                  </p:stCondLst>
+                                  <p:childTnLst>
+                                    <p:set>
+                                      <p:cBhvr>
+                                        <p:cTn id="12" dur="1" fill="hold">
+                                          <p:stCondLst>
+                                            <p:cond delay="0"/>
+                                          </p:stCondLst>
+                                        </p:cTn>
+                                        <p:tgtEl>
+                                          <p:spTgt spid="31"/>
+                                        </p:tgtEl>
+                                        <p:attrNameLst>
+                                          <p:attrName>style.visibility</p:attrName>
+                                        </p:attrNameLst>
+                                      </p:cBhvr>
+                                      <p:to>
+                                        <p:strVal val="visible"/>
+                                      </p:to>
+                                    </p:set>
+                                  </p:childTnLst>
+                                </p:cTn>
+                              </p:par>
+                              <p:par>
+                                <p:cTn id="13" presetID="1" presetClass="entr" presetSubtype="0" fill="hold" grpId="0" nodeType="withEffect">
+                                  <p:stCondLst>
+                                    <p:cond delay="0"/>
+                                  </p:stCondLst>
+                                  <p:childTnLst>
+                                    <p:set>
+                                      <p:cBhvr>
+                                        <p:cTn id="14" dur="1" fill="hold">
+                                          <p:stCondLst>
+                                            <p:cond delay="0"/>
+                                          </p:stCondLst>
+                                        </p:cTn>
+                                        <p:tgtEl>
+                                          <p:spTgt spid="26"/>
+                                        </p:tgtEl>
+                                        <p:attrNameLst>
+                                          <p:attrName>style.visibility</p:attrName>
+                                        </p:attrNameLst>
+                                      </p:cBhvr>
+                                      <p:to>
+                                        <p:strVal val="visible"/>
+                                      </p:to>
+                                    </p:set>
+                                  </p:childTnLst>
+                                </p:cTn>
+                              </p:par>
+                              <p:par>
+                                <p:cTn id="15" presetID="1" presetClass="entr" presetSubtype="0" fill="hold" nodeType="withEffect">
+                                  <p:stCondLst>
+                                    <p:cond delay="0"/>
+                                  </p:stCondLst>
+                                  <p:childTnLst>
+                                    <p:set>
+                                      <p:cBhvr>
+                                        <p:cTn id="16" dur="1" fill="hold">
+                                          <p:stCondLst>
+                                            <p:cond delay="0"/>
+                                          </p:stCondLst>
+                                        </p:cTn>
+                                        <p:tgtEl>
+                                          <p:spTgt spid="29"/>
+                                        </p:tgtEl>
+                                        <p:attrNameLst>
+                                          <p:attrName>style.visibility</p:attrName>
+                                        </p:attrNameLst>
+                                      </p:cBhvr>
+                                      <p:to>
+                                        <p:strVal val="visible"/>
+                                      </p:to>
+                                    </p:set>
+                                  </p:childTnLst>
+                                </p:cTn>
+                              </p:par>
+                              <p:par>
+                                <p:cTn id="17" presetID="1" presetClass="entr" presetSubtype="0" fill="hold" grpId="0" nodeType="withEffect">
+                                  <p:stCondLst>
+                                    <p:cond delay="0"/>
+                                  </p:stCondLst>
+                                  <p:childTnLst>
+                                    <p:set>
+                                      <p:cBhvr>
+                                        <p:cTn id="18" dur="1" fill="hold">
+                                          <p:stCondLst>
+                                            <p:cond delay="0"/>
+                                          </p:stCondLst>
+                                        </p:cTn>
+                                        <p:tgtEl>
+                                          <p:spTgt spid="25"/>
+                                        </p:tgtEl>
+                                        <p:attrNameLst>
+                                          <p:attrName>style.visibility</p:attrName>
+                                        </p:attrNameLst>
+                                      </p:cBhvr>
+                                      <p:to>
+                                        <p:strVal val="visible"/>
+                                      </p:to>
+                                    </p:set>
+                                  </p:childTnLst>
+                                </p:cTn>
+                              </p:par>
+                              <p:par>
+                                <p:cTn id="19" presetID="1" presetClass="entr" presetSubtype="0" fill="hold" grpId="0" nodeType="withEffect">
+                                  <p:stCondLst>
+                                    <p:cond delay="0"/>
+                                  </p:stCondLst>
+                                  <p:childTnLst>
+                                    <p:set>
+                                      <p:cBhvr>
+                                        <p:cTn id="20" dur="1" fill="hold">
+                                          <p:stCondLst>
+                                            <p:cond delay="0"/>
+                                          </p:stCondLst>
+                                        </p:cTn>
+                                        <p:tgtEl>
+                                          <p:spTgt spid="27"/>
+                                        </p:tgtEl>
+                                        <p:attrNameLst>
+                                          <p:attrName>style.visibility</p:attrName>
+                                        </p:attrNameLst>
+                                      </p:cBhvr>
+                                      <p:to>
+                                        <p:strVal val="visible"/>
+                                      </p:to>
+                                    </p:set>
+                                  </p:childTnLst>
+                                </p:cTn>
+                              </p:par>
+                            </p:childTnLst>
+                          </p:cTn>
+                        </p:par>
+                      </p:childTnLst>
+                    </p:cTn>
+                  </p:par>
+                </p:childTnLst>
+              </p:cTn>
+              <p:prevCondLst>
+                <p:cond evt="onPrev" delay="0">
+                  <p:tgtEl>
+                    <p:sldTgt/>
+                  </p:tgtEl>
+                </p:cond>
+              </p:prevCondLst>
+              <p:nextCondLst>
+                <p:cond evt="onNext" delay="0">
+                  <p:tgtEl>
+                    <p:sldTgt/>
+                  </p:tgtEl>
+                </p:cond>
+              </p:nextCondLst>
+            </p:seq>
+          </p:childTnLst>
+        </p:cTn>
+      </p:par>
+    </p:tnLst>
+    <p:bldLst>
+      <p:bldP spid="22" grpId="0" animBg="1"/>
+      <p:bldP spid="24" grpId="0" animBg="1"/>
+      <p:bldP spid="25" grpId="0" animBg="1"/>
+      <p:bldP spid="26" grpId="0" animBg="1"/>
+      <p:bldP spid="27" grpId="0" animBg="1"/>
+    </p:bldLst>
+  </p:timing>
+</p:sld>
+</file>
+
+<file path=ppt/slides/slide8.xml><?xml version="1.0" encoding="utf-8"?>
+<p:sld xmlns:a="http://schemas.openxmlformats.org/drawingml/2006/main" xmlns:r="http://schemas.openxmlformats.org/officeDocument/2006/relationships" xmlns:p="http://schemas.openxmlformats.org/presentationml/2006/main">
+  <p:cSld>
+    <p:spTree>
+      <p:nvGrpSpPr>
+        <p:cNvPr id="1" name=""/>
+        <p:cNvGrpSpPr/>
+        <p:nvPr/>
+      </p:nvGrpSpPr>
+      <p:grpSpPr>
+        <a:xfrm>
+          <a:off x="0" y="0"/>
+          <a:ext cx="0" cy="0"/>
+          <a:chOff x="0" y="0"/>
+          <a:chExt cx="0" cy="0"/>
+        </a:xfrm>
+      </p:grpSpPr>
+      <p:sp>
+        <p:nvSpPr>
+          <p:cNvPr id="2" name="Title 1"/>
+          <p:cNvSpPr>
+            <a:spLocks noGrp="1"/>
+          </p:cNvSpPr>
+          <p:nvPr>
+            <p:ph type="title"/>
+          </p:nvPr>
+        </p:nvSpPr>
+        <p:spPr/>
+        <p:txBody>
+          <a:bodyPr/>
+          <a:lstStyle/>
+          <a:p>
+            <a:r>
+              <a:rPr lang="en-US" dirty="0" smtClean="0"/>
+              <a:t>Bidirectional similarity</a:t>
+            </a:r>
+            <a:endParaRPr lang="en-US" dirty="0"/>
+          </a:p>
+        </p:txBody>
+      </p:sp>
+      <p:sp>
+        <p:nvSpPr>
+          <p:cNvPr id="3" name="Content Placeholder 2"/>
+          <p:cNvSpPr>
+            <a:spLocks noGrp="1"/>
+          </p:cNvSpPr>
+          <p:nvPr>
+            <p:ph idx="1"/>
+          </p:nvPr>
+        </p:nvSpPr>
+        <p:spPr/>
+        <p:txBody>
+          <a:bodyPr/>
+          <a:lstStyle/>
+          <a:p>
+            <a:r>
+              <a:rPr lang="en-US" dirty="0" smtClean="0"/>
+              <a:t>Use bidirectional similarity to find matching patch</a:t>
+            </a:r>
+          </a:p>
+          <a:p>
+            <a:r>
+              <a:rPr lang="en-US" dirty="0" smtClean="0"/>
+              <a:t>Use NNF to find maximal similarity (minimal distance)</a:t>
+            </a:r>
+            <a:endParaRPr lang="en-US" dirty="0"/>
+          </a:p>
+        </p:txBody>
+      </p:sp>
+      <p:pic>
+        <p:nvPicPr>
+          <p:cNvPr id="4" name="Picture 3"/>
+          <p:cNvPicPr>
+            <a:picLocks noChangeAspect="1"/>
+          </p:cNvPicPr>
+          <p:nvPr/>
+        </p:nvPicPr>
+        <p:blipFill>
+          <a:blip r:embed="rId2"/>
+          <a:stretch>
+            <a:fillRect/>
+          </a:stretch>
+        </p:blipFill>
+        <p:spPr>
+          <a:xfrm>
+            <a:off x="1479103" y="3575291"/>
+            <a:ext cx="6223000" cy="1231900"/>
+          </a:xfrm>
+          <a:prstGeom prst="rect">
+            <a:avLst/>
+          </a:prstGeom>
+        </p:spPr>
+      </p:pic>
+    </p:spTree>
+    <p:extLst>
+      <p:ext uri="{BB962C8B-B14F-4D97-AF65-F5344CB8AC3E}">
+        <p14:creationId xmlns:p14="http://schemas.microsoft.com/office/powerpoint/2010/main" val="4016517156"/>
+      </p:ext>
+    </p:extLst>
+  </p:cSld>
+  <p:clrMapOvr>
+    <a:masterClrMapping/>
+  </p:clrMapOvr>
+  <p:timing>
+    <p:tnLst>
+      <p:par>
+        <p:cTn xmlns:p14="http://schemas.microsoft.com/office/powerpoint/2010/main" id="1" dur="indefinite" restart="never" nodeType="tmRoot"/>
+      </p:par>
+    </p:tnLst>
+  </p:timing>
+</p:sld>
+</file>
+
+<file path=ppt/slides/slide9.xml><?xml version="1.0" encoding="utf-8"?>
+<p:sld xmlns:a="http://schemas.openxmlformats.org/drawingml/2006/main" xmlns:r="http://schemas.openxmlformats.org/officeDocument/2006/relationships" xmlns:p="http://schemas.openxmlformats.org/presentationml/2006/main">
+  <p:cSld>
+    <p:spTree>
+      <p:nvGrpSpPr>
+        <p:cNvPr id="1" name=""/>
+        <p:cNvGrpSpPr/>
+        <p:nvPr/>
+      </p:nvGrpSpPr>
+      <p:grpSpPr>
+        <a:xfrm>
+          <a:off x="0" y="0"/>
+          <a:ext cx="0" cy="0"/>
+          <a:chOff x="0" y="0"/>
+          <a:chExt cx="0" cy="0"/>
+        </a:xfrm>
+      </p:grpSpPr>
+      <p:sp>
+        <p:nvSpPr>
+          <p:cNvPr id="2" name="Title 1"/>
+          <p:cNvSpPr>
+            <a:spLocks noGrp="1"/>
+          </p:cNvSpPr>
+          <p:nvPr>
+            <p:ph type="title"/>
+          </p:nvPr>
+        </p:nvSpPr>
+        <p:spPr/>
+        <p:txBody>
+          <a:bodyPr/>
+          <a:lstStyle/>
+          <a:p>
+            <a:endParaRPr lang="en-US"/>
+          </a:p>
+        </p:txBody>
+      </p:sp>
+      <p:pic>
+        <p:nvPicPr>
+          <p:cNvPr id="5" name="Picture 4"/>
+          <p:cNvPicPr>
+            <a:picLocks noChangeAspect="1"/>
+          </p:cNvPicPr>
+          <p:nvPr/>
+        </p:nvPicPr>
+        <p:blipFill>
+          <a:blip r:embed="rId2"/>
+          <a:stretch>
+            <a:fillRect/>
+          </a:stretch>
+        </p:blipFill>
+        <p:spPr>
+          <a:xfrm>
+            <a:off x="2169808" y="1986194"/>
+            <a:ext cx="6184900" cy="4737100"/>
+          </a:xfrm>
+          <a:prstGeom prst="rect">
+            <a:avLst/>
+          </a:prstGeom>
+        </p:spPr>
+      </p:pic>
+      <p:sp>
+        <p:nvSpPr>
+          <p:cNvPr id="6" name="Content Placeholder 5"/>
+          <p:cNvSpPr>
+            <a:spLocks noGrp="1"/>
+          </p:cNvSpPr>
+          <p:nvPr>
+            <p:ph idx="1"/>
+          </p:nvPr>
+        </p:nvSpPr>
+        <p:spPr>
+          <a:xfrm>
+            <a:off x="735059" y="4142698"/>
+            <a:ext cx="8596668" cy="3880773"/>
+          </a:xfrm>
+        </p:spPr>
+        <p:txBody>
+          <a:bodyPr/>
+          <a:lstStyle/>
+          <a:p>
+            <a:endParaRPr lang="en-US" dirty="0"/>
+          </a:p>
+        </p:txBody>
+      </p:sp>
+    </p:spTree>
+    <p:extLst>
+      <p:ext uri="{BB962C8B-B14F-4D97-AF65-F5344CB8AC3E}">
+        <p14:creationId xmlns:p14="http://schemas.microsoft.com/office/powerpoint/2010/main" val="1609509183"/>
+      </p:ext>
+    </p:extLst>
+  </p:cSld>
+  <p:clrMapOvr>
+    <a:masterClrMapping/>
+  </p:clrMapOvr>
+</p:sld>
+</file>
+
 <file path=ppt/theme/theme1.xml><?xml version="1.0" encoding="utf-8"?>
 <a:theme xmlns:a="http://schemas.openxmlformats.org/drawingml/2006/main" name="Facet">
   <a:themeElements>
@@ -7248,7 +8248,7 @@
     </a:clrScheme>
     <a:fontScheme name="Facet">
       <a:majorFont>
-        <a:latin typeface="Trebuchet MS" panose="020B0603020202020204"/>
+        <a:latin typeface="Trebuchet MS"/>
         <a:ea typeface=""/>
         <a:cs typeface=""/>
         <a:font script="Jpan" typeface="メイリオ"/>
@@ -7283,7 +8283,7 @@
         <a:font script="Geor" typeface="Sylfaen"/>
       </a:majorFont>
       <a:minorFont>
-        <a:latin typeface="Trebuchet MS" panose="020B0603020202020204"/>
+        <a:latin typeface="Trebuchet MS"/>
         <a:ea typeface=""/>
         <a:cs typeface=""/>
         <a:font script="Jpan" typeface="メイリオ"/>
@@ -7456,7 +8456,7 @@
   <a:extraClrSchemeLst/>
   <a:extLst>
     <a:ext uri="{05A4C25C-085E-4340-85A3-A5531E510DB2}">
-      <thm15:themeFamily xmlns:thm15="http://schemas.microsoft.com/office/thememl/2012/main" name="Facet" id="{C0C680CD-088A-49FC-A102-D699147F32B2}" vid="{CFBC31BA-B70F-4F30-BCAA-4F3011E16C4D}"/>
+      <thm15:themeFamily xmlns:thm15="http://schemas.microsoft.com/office/thememl/2012/main" xmlns="" name="Facet" id="{C0C680CD-088A-49FC-A102-D699147F32B2}" vid="{CFBC31BA-B70F-4F30-BCAA-4F3011E16C4D}"/>
     </a:ext>
   </a:extLst>
 </a:theme>

--- a/PatchMatch.pptx
+++ b/PatchMatch.pptx
@@ -11,9 +11,10 @@
     <p:sldId id="260" r:id="rId5"/>
     <p:sldId id="262" r:id="rId6"/>
     <p:sldId id="261" r:id="rId7"/>
-    <p:sldId id="263" r:id="rId8"/>
-    <p:sldId id="264" r:id="rId9"/>
-    <p:sldId id="265" r:id="rId10"/>
+    <p:sldId id="266" r:id="rId8"/>
+    <p:sldId id="263" r:id="rId9"/>
+    <p:sldId id="264" r:id="rId10"/>
+    <p:sldId id="265" r:id="rId11"/>
   </p:sldIdLst>
   <p:sldSz cx="12192000" cy="6858000"/>
   <p:notesSz cx="6858000" cy="9144000"/>
@@ -112,6 +113,22 @@
       </a:defRPr>
     </a:lvl9pPr>
   </p:defaultTextStyle>
+  <p:extLst>
+    <p:ext uri="{EFAFB233-063F-42B5-8137-9DF3F51BA10A}">
+      <p15:sldGuideLst xmlns:p15="http://schemas.microsoft.com/office/powerpoint/2012/main">
+        <p15:guide id="1" orient="horz" pos="2160">
+          <p15:clr>
+            <a:srgbClr val="A4A3A4"/>
+          </p15:clr>
+        </p15:guide>
+        <p15:guide id="2" pos="3840">
+          <p15:clr>
+            <a:srgbClr val="A4A3A4"/>
+          </p15:clr>
+        </p15:guide>
+      </p15:sldGuideLst>
+    </p:ext>
+  </p:extLst>
 </p:presentation>
 </file>
 
@@ -5887,6 +5904,103 @@
 </p:sld>
 </file>
 
+<file path=ppt/slides/slide10.xml><?xml version="1.0" encoding="utf-8"?>
+<p:sld xmlns:a="http://schemas.openxmlformats.org/drawingml/2006/main" xmlns:r="http://schemas.openxmlformats.org/officeDocument/2006/relationships" xmlns:p="http://schemas.openxmlformats.org/presentationml/2006/main">
+  <p:cSld>
+    <p:spTree>
+      <p:nvGrpSpPr>
+        <p:cNvPr id="1" name=""/>
+        <p:cNvGrpSpPr/>
+        <p:nvPr/>
+      </p:nvGrpSpPr>
+      <p:grpSpPr>
+        <a:xfrm>
+          <a:off x="0" y="0"/>
+          <a:ext cx="0" cy="0"/>
+          <a:chOff x="0" y="0"/>
+          <a:chExt cx="0" cy="0"/>
+        </a:xfrm>
+      </p:grpSpPr>
+      <p:sp>
+        <p:nvSpPr>
+          <p:cNvPr id="2" name="Title 1"/>
+          <p:cNvSpPr>
+            <a:spLocks noGrp="1"/>
+          </p:cNvSpPr>
+          <p:nvPr>
+            <p:ph type="title"/>
+          </p:nvPr>
+        </p:nvSpPr>
+        <p:spPr/>
+        <p:txBody>
+          <a:bodyPr/>
+          <a:lstStyle/>
+          <a:p>
+            <a:endParaRPr lang="en-US"/>
+          </a:p>
+        </p:txBody>
+      </p:sp>
+      <p:pic>
+        <p:nvPicPr>
+          <p:cNvPr id="5" name="Picture 4"/>
+          <p:cNvPicPr>
+            <a:picLocks noChangeAspect="1"/>
+          </p:cNvPicPr>
+          <p:nvPr/>
+        </p:nvPicPr>
+        <p:blipFill>
+          <a:blip r:embed="rId2"/>
+          <a:stretch>
+            <a:fillRect/>
+          </a:stretch>
+        </p:blipFill>
+        <p:spPr>
+          <a:xfrm>
+            <a:off x="2169808" y="1986194"/>
+            <a:ext cx="6184900" cy="4737100"/>
+          </a:xfrm>
+          <a:prstGeom prst="rect">
+            <a:avLst/>
+          </a:prstGeom>
+        </p:spPr>
+      </p:pic>
+      <p:sp>
+        <p:nvSpPr>
+          <p:cNvPr id="6" name="Content Placeholder 5"/>
+          <p:cNvSpPr>
+            <a:spLocks noGrp="1"/>
+          </p:cNvSpPr>
+          <p:nvPr>
+            <p:ph idx="1"/>
+          </p:nvPr>
+        </p:nvSpPr>
+        <p:spPr>
+          <a:xfrm>
+            <a:off x="735059" y="4142698"/>
+            <a:ext cx="8596668" cy="3880773"/>
+          </a:xfrm>
+        </p:spPr>
+        <p:txBody>
+          <a:bodyPr/>
+          <a:lstStyle/>
+          <a:p>
+            <a:endParaRPr lang="en-US" dirty="0"/>
+          </a:p>
+        </p:txBody>
+      </p:sp>
+    </p:spTree>
+    <p:extLst>
+      <p:ext uri="{BB962C8B-B14F-4D97-AF65-F5344CB8AC3E}">
+        <p14:creationId xmlns:p14="http://schemas.microsoft.com/office/powerpoint/2010/main" val="1609509183"/>
+      </p:ext>
+    </p:extLst>
+  </p:cSld>
+  <p:clrMapOvr>
+    <a:masterClrMapping/>
+  </p:clrMapOvr>
+</p:sld>
+</file>
+
 <file path=ppt/slides/slide2.xml><?xml version="1.0" encoding="utf-8"?>
 <p:sld xmlns:a="http://schemas.openxmlformats.org/drawingml/2006/main" xmlns:r="http://schemas.openxmlformats.org/officeDocument/2006/relationships" xmlns:p="http://schemas.openxmlformats.org/presentationml/2006/main">
   <p:cSld>
@@ -7241,6 +7355,618 @@
           <a:lstStyle/>
           <a:p>
             <a:r>
+              <a:rPr lang="en-US" altLang="zh-TW" dirty="0" err="1" smtClean="0"/>
+              <a:t>Inpainting</a:t>
+            </a:r>
+            <a:endParaRPr lang="en-US" dirty="0"/>
+          </a:p>
+        </p:txBody>
+      </p:sp>
+      <mc:AlternateContent xmlns:mc="http://schemas.openxmlformats.org/markup-compatibility/2006">
+        <mc:Choice xmlns:a14="http://schemas.microsoft.com/office/drawing/2010/main" Requires="a14">
+          <p:sp>
+            <p:nvSpPr>
+              <p:cNvPr id="3" name="Content Placeholder 2"/>
+              <p:cNvSpPr>
+                <a:spLocks noGrp="1"/>
+              </p:cNvSpPr>
+              <p:nvPr>
+                <p:ph idx="1"/>
+              </p:nvPr>
+            </p:nvSpPr>
+            <p:spPr/>
+            <p:txBody>
+              <a:bodyPr>
+                <a:normAutofit fontScale="85000" lnSpcReduction="10000"/>
+              </a:bodyPr>
+              <a:lstStyle/>
+              <a:p>
+                <a:r>
+                  <a:rPr lang="en-US" dirty="0" smtClean="0"/>
+                  <a:t>Use bidirectional similarity to find matching patch</a:t>
+                </a:r>
+              </a:p>
+              <a:p>
+                <a:r>
+                  <a:rPr lang="en-US" dirty="0" smtClean="0"/>
+                  <a:t>If similarity is the same, then use nearest patch.</a:t>
+                </a:r>
+                <a:endParaRPr lang="en-US" dirty="0"/>
+              </a:p>
+              <a:p>
+                <a:r>
+                  <a:rPr lang="en-US" dirty="0"/>
+                  <a:t>Use NNF to find maximal similarity (minimal distance</a:t>
+                </a:r>
+                <a:r>
+                  <a:rPr lang="en-US" dirty="0" smtClean="0"/>
+                  <a:t>)</a:t>
+                </a:r>
+              </a:p>
+              <a:p>
+                <a:pPr marL="0" indent="0">
+                  <a:buNone/>
+                </a:pPr>
+                <a:endParaRPr lang="en-US" dirty="0" smtClean="0"/>
+              </a:p>
+              <a:p>
+                <a:pPr marL="0" indent="0">
+                  <a:buNone/>
+                </a:pPr>
+                <a14:m>
+                  <m:oMathPara xmlns:m="http://schemas.openxmlformats.org/officeDocument/2006/math">
+                    <m:oMathParaPr>
+                      <m:jc m:val="centerGroup"/>
+                    </m:oMathParaPr>
+                    <m:oMath xmlns:m="http://schemas.openxmlformats.org/officeDocument/2006/math">
+                      <m:eqArr>
+                        <m:eqArrPr>
+                          <m:ctrlPr>
+                            <a:rPr lang="en-US" sz="2600" b="0" i="1" smtClean="0">
+                              <a:latin typeface="Cambria Math" panose="02040503050406030204" pitchFamily="18" charset="0"/>
+                            </a:rPr>
+                          </m:ctrlPr>
+                        </m:eqArrPr>
+                        <m:e>
+                          <m:r>
+                            <a:rPr lang="en-US" sz="2600" b="0" i="1" smtClean="0">
+                              <a:latin typeface="Cambria Math" panose="02040503050406030204" pitchFamily="18" charset="0"/>
+                            </a:rPr>
+                            <m:t>𝑀𝑆𝐸</m:t>
+                          </m:r>
+                          <m:r>
+                            <a:rPr lang="en-US" sz="2600" b="0" i="1" smtClean="0">
+                              <a:latin typeface="Cambria Math" panose="02040503050406030204" pitchFamily="18" charset="0"/>
+                            </a:rPr>
+                            <m:t>&amp;=</m:t>
+                          </m:r>
+                          <m:f>
+                            <m:fPr>
+                              <m:ctrlPr>
+                                <a:rPr lang="en-US" sz="2600" b="0" i="1" smtClean="0">
+                                  <a:latin typeface="Cambria Math" panose="02040503050406030204" pitchFamily="18" charset="0"/>
+                                </a:rPr>
+                              </m:ctrlPr>
+                            </m:fPr>
+                            <m:num>
+                              <m:r>
+                                <a:rPr lang="en-US" sz="2600" b="0" i="1" smtClean="0">
+                                  <a:latin typeface="Cambria Math" panose="02040503050406030204" pitchFamily="18" charset="0"/>
+                                </a:rPr>
+                                <m:t>1</m:t>
+                              </m:r>
+                            </m:num>
+                            <m:den>
+                              <m:r>
+                                <a:rPr lang="en-US" sz="2600" b="0" i="1" smtClean="0">
+                                  <a:latin typeface="Cambria Math" panose="02040503050406030204" pitchFamily="18" charset="0"/>
+                                </a:rPr>
+                                <m:t>𝑁𝑏𝑟</m:t>
+                              </m:r>
+                            </m:den>
+                          </m:f>
+                          <m:sSubSup>
+                            <m:sSubSupPr>
+                              <m:ctrlPr>
+                                <a:rPr lang="en-US" sz="2600" b="0" i="1" smtClean="0">
+                                  <a:latin typeface="Cambria Math" panose="02040503050406030204" pitchFamily="18" charset="0"/>
+                                </a:rPr>
+                              </m:ctrlPr>
+                            </m:sSubSupPr>
+                            <m:e>
+                              <m:r>
+                                <m:rPr>
+                                  <m:sty m:val="p"/>
+                                </m:rPr>
+                                <a:rPr lang="en-US" sz="2600" b="0" i="0" smtClean="0">
+                                  <a:latin typeface="Cambria Math" panose="02040503050406030204" pitchFamily="18" charset="0"/>
+                                </a:rPr>
+                                <m:t>Σ</m:t>
+                              </m:r>
+                            </m:e>
+                            <m:sub>
+                              <m:r>
+                                <a:rPr lang="en-US" sz="2600" b="0" i="1" smtClean="0">
+                                  <a:latin typeface="Cambria Math" panose="02040503050406030204" pitchFamily="18" charset="0"/>
+                                </a:rPr>
+                                <m:t>𝑚</m:t>
+                              </m:r>
+                              <m:r>
+                                <a:rPr lang="en-US" sz="2600" b="0" i="1" smtClean="0">
+                                  <a:latin typeface="Cambria Math" panose="02040503050406030204" pitchFamily="18" charset="0"/>
+                                </a:rPr>
+                                <m:t>=0</m:t>
+                              </m:r>
+                            </m:sub>
+                            <m:sup>
+                              <m:r>
+                                <a:rPr lang="en-US" sz="2600" b="0" i="1" smtClean="0">
+                                  <a:latin typeface="Cambria Math" panose="02040503050406030204" pitchFamily="18" charset="0"/>
+                                </a:rPr>
+                                <m:t>𝑚</m:t>
+                              </m:r>
+                              <m:r>
+                                <a:rPr lang="en-US" sz="2600" b="0" i="1" smtClean="0">
+                                  <a:latin typeface="Cambria Math" panose="02040503050406030204" pitchFamily="18" charset="0"/>
+                                </a:rPr>
+                                <m:t>−1</m:t>
+                              </m:r>
+                            </m:sup>
+                          </m:sSubSup>
+                          <m:sSubSup>
+                            <m:sSubSupPr>
+                              <m:ctrlPr>
+                                <a:rPr lang="en-US" sz="2600" b="0" i="1" smtClean="0">
+                                  <a:latin typeface="Cambria Math" panose="02040503050406030204" pitchFamily="18" charset="0"/>
+                                </a:rPr>
+                              </m:ctrlPr>
+                            </m:sSubSupPr>
+                            <m:e>
+                              <m:r>
+                                <m:rPr>
+                                  <m:sty m:val="p"/>
+                                </m:rPr>
+                                <a:rPr lang="en-US" sz="2600" b="0" i="0" smtClean="0">
+                                  <a:latin typeface="Cambria Math" panose="02040503050406030204" pitchFamily="18" charset="0"/>
+                                </a:rPr>
+                                <m:t>Σ</m:t>
+                              </m:r>
+                            </m:e>
+                            <m:sub>
+                              <m:r>
+                                <a:rPr lang="en-US" sz="2600" b="0" i="1" smtClean="0">
+                                  <a:latin typeface="Cambria Math" panose="02040503050406030204" pitchFamily="18" charset="0"/>
+                                </a:rPr>
+                                <m:t>𝑛</m:t>
+                              </m:r>
+                              <m:r>
+                                <a:rPr lang="en-US" sz="2600" b="0" i="1" smtClean="0">
+                                  <a:latin typeface="Cambria Math" panose="02040503050406030204" pitchFamily="18" charset="0"/>
+                                </a:rPr>
+                                <m:t>=0</m:t>
+                              </m:r>
+                            </m:sub>
+                            <m:sup>
+                              <m:r>
+                                <a:rPr lang="en-US" sz="2600" b="0" i="1" smtClean="0">
+                                  <a:latin typeface="Cambria Math" panose="02040503050406030204" pitchFamily="18" charset="0"/>
+                                </a:rPr>
+                                <m:t>𝑀</m:t>
+                              </m:r>
+                              <m:r>
+                                <a:rPr lang="en-US" sz="2600" b="0" i="1" smtClean="0">
+                                  <a:latin typeface="Cambria Math" panose="02040503050406030204" pitchFamily="18" charset="0"/>
+                                </a:rPr>
+                                <m:t>−1</m:t>
+                              </m:r>
+                            </m:sup>
+                          </m:sSubSup>
+                          <m:d>
+                            <m:dPr>
+                              <m:ctrlPr>
+                                <a:rPr lang="en-US" sz="2600" b="0" i="1" smtClean="0">
+                                  <a:latin typeface="Cambria Math" panose="02040503050406030204" pitchFamily="18" charset="0"/>
+                                </a:rPr>
+                              </m:ctrlPr>
+                            </m:dPr>
+                            <m:e>
+                              <m:r>
+                                <a:rPr lang="en-US" sz="2600" b="0" i="1" smtClean="0">
+                                  <a:latin typeface="Cambria Math" panose="02040503050406030204" pitchFamily="18" charset="0"/>
+                                </a:rPr>
+                                <m:t>1−</m:t>
+                              </m:r>
+                              <m:r>
+                                <a:rPr lang="en-US" sz="2600" b="0" i="1" smtClean="0">
+                                  <a:latin typeface="Cambria Math" panose="02040503050406030204" pitchFamily="18" charset="0"/>
+                                </a:rPr>
+                                <m:t>𝑓</m:t>
+                              </m:r>
+                              <m:d>
+                                <m:dPr>
+                                  <m:ctrlPr>
+                                    <a:rPr lang="en-US" sz="2600" b="0" i="1" smtClean="0">
+                                      <a:latin typeface="Cambria Math" panose="02040503050406030204" pitchFamily="18" charset="0"/>
+                                    </a:rPr>
+                                  </m:ctrlPr>
+                                </m:dPr>
+                                <m:e>
+                                  <m:r>
+                                    <a:rPr lang="en-US" sz="2600" b="0" i="1" smtClean="0">
+                                      <a:latin typeface="Cambria Math" panose="02040503050406030204" pitchFamily="18" charset="0"/>
+                                    </a:rPr>
+                                    <m:t>𝑢</m:t>
+                                  </m:r>
+                                  <m:r>
+                                    <a:rPr lang="en-US" sz="2600" b="0" i="1" smtClean="0">
+                                      <a:latin typeface="Cambria Math" panose="02040503050406030204" pitchFamily="18" charset="0"/>
+                                    </a:rPr>
+                                    <m:t>+</m:t>
+                                  </m:r>
+                                  <m:r>
+                                    <a:rPr lang="en-US" sz="2600" b="0" i="1" smtClean="0">
+                                      <a:latin typeface="Cambria Math" panose="02040503050406030204" pitchFamily="18" charset="0"/>
+                                    </a:rPr>
+                                    <m:t>𝑚</m:t>
+                                  </m:r>
+                                  <m:r>
+                                    <a:rPr lang="en-US" sz="2600" b="0" i="1" smtClean="0">
+                                      <a:latin typeface="Cambria Math" panose="02040503050406030204" pitchFamily="18" charset="0"/>
+                                    </a:rPr>
+                                    <m:t>,</m:t>
+                                  </m:r>
+                                  <m:r>
+                                    <a:rPr lang="en-US" sz="2600" b="0" i="1" smtClean="0">
+                                      <a:latin typeface="Cambria Math" panose="02040503050406030204" pitchFamily="18" charset="0"/>
+                                    </a:rPr>
+                                    <m:t>𝑣</m:t>
+                                  </m:r>
+                                  <m:r>
+                                    <a:rPr lang="en-US" sz="2600" b="0" i="1" smtClean="0">
+                                      <a:latin typeface="Cambria Math" panose="02040503050406030204" pitchFamily="18" charset="0"/>
+                                    </a:rPr>
+                                    <m:t>+</m:t>
+                                  </m:r>
+                                  <m:r>
+                                    <a:rPr lang="en-US" sz="2600" b="0" i="1" smtClean="0">
+                                      <a:latin typeface="Cambria Math" panose="02040503050406030204" pitchFamily="18" charset="0"/>
+                                    </a:rPr>
+                                    <m:t>𝑛</m:t>
+                                  </m:r>
+                                </m:e>
+                              </m:d>
+                            </m:e>
+                          </m:d>
+                          <m:d>
+                            <m:dPr>
+                              <m:ctrlPr>
+                                <a:rPr lang="en-US" sz="2600" b="0" i="1" smtClean="0">
+                                  <a:latin typeface="Cambria Math" panose="02040503050406030204" pitchFamily="18" charset="0"/>
+                                </a:rPr>
+                              </m:ctrlPr>
+                            </m:dPr>
+                            <m:e>
+                              <m:r>
+                                <a:rPr lang="en-US" sz="2600" b="0" i="1" smtClean="0">
+                                  <a:latin typeface="Cambria Math" panose="02040503050406030204" pitchFamily="18" charset="0"/>
+                                </a:rPr>
+                                <m:t>1−</m:t>
+                              </m:r>
+                              <m:r>
+                                <a:rPr lang="en-US" sz="2600" b="0" i="1" smtClean="0">
+                                  <a:latin typeface="Cambria Math" panose="02040503050406030204" pitchFamily="18" charset="0"/>
+                                </a:rPr>
+                                <m:t>𝑓</m:t>
+                              </m:r>
+                              <m:d>
+                                <m:dPr>
+                                  <m:ctrlPr>
+                                    <a:rPr lang="en-US" sz="2600" b="0" i="1" smtClean="0">
+                                      <a:latin typeface="Cambria Math" panose="02040503050406030204" pitchFamily="18" charset="0"/>
+                                    </a:rPr>
+                                  </m:ctrlPr>
+                                </m:dPr>
+                                <m:e>
+                                  <m:r>
+                                    <a:rPr lang="en-US" sz="2600" b="0" i="1" smtClean="0">
+                                      <a:latin typeface="Cambria Math" panose="02040503050406030204" pitchFamily="18" charset="0"/>
+                                    </a:rPr>
+                                    <m:t>𝑖</m:t>
+                                  </m:r>
+                                  <m:r>
+                                    <a:rPr lang="en-US" sz="2600" b="0" i="1" smtClean="0">
+                                      <a:latin typeface="Cambria Math" panose="02040503050406030204" pitchFamily="18" charset="0"/>
+                                    </a:rPr>
+                                    <m:t>+</m:t>
+                                  </m:r>
+                                  <m:r>
+                                    <a:rPr lang="en-US" sz="2600" b="0" i="1" smtClean="0">
+                                      <a:latin typeface="Cambria Math" panose="02040503050406030204" pitchFamily="18" charset="0"/>
+                                    </a:rPr>
+                                    <m:t>𝑚</m:t>
+                                  </m:r>
+                                  <m:r>
+                                    <a:rPr lang="en-US" sz="2600" b="0" i="1" smtClean="0">
+                                      <a:latin typeface="Cambria Math" panose="02040503050406030204" pitchFamily="18" charset="0"/>
+                                    </a:rPr>
+                                    <m:t>, </m:t>
+                                  </m:r>
+                                  <m:r>
+                                    <a:rPr lang="en-US" sz="2600" b="0" i="1" smtClean="0">
+                                      <a:latin typeface="Cambria Math" panose="02040503050406030204" pitchFamily="18" charset="0"/>
+                                    </a:rPr>
+                                    <m:t>𝑗</m:t>
+                                  </m:r>
+                                  <m:r>
+                                    <a:rPr lang="en-US" sz="2600" b="0" i="1" smtClean="0">
+                                      <a:latin typeface="Cambria Math" panose="02040503050406030204" pitchFamily="18" charset="0"/>
+                                    </a:rPr>
+                                    <m:t>+</m:t>
+                                  </m:r>
+                                  <m:r>
+                                    <a:rPr lang="en-US" sz="2600" b="0" i="1" smtClean="0">
+                                      <a:latin typeface="Cambria Math" panose="02040503050406030204" pitchFamily="18" charset="0"/>
+                                    </a:rPr>
+                                    <m:t>𝑛</m:t>
+                                  </m:r>
+                                </m:e>
+                              </m:d>
+                            </m:e>
+                          </m:d>
+                        </m:e>
+                        <m:e>
+                          <m:r>
+                            <a:rPr lang="en-US" sz="2600" b="0" i="1" smtClean="0">
+                              <a:latin typeface="Cambria Math" panose="02040503050406030204" pitchFamily="18" charset="0"/>
+                            </a:rPr>
+                            <m:t>&amp;</m:t>
+                          </m:r>
+                          <m:sSup>
+                            <m:sSupPr>
+                              <m:ctrlPr>
+                                <a:rPr lang="en-US" sz="2600" b="0" i="1" smtClean="0">
+                                  <a:latin typeface="Cambria Math" panose="02040503050406030204" pitchFamily="18" charset="0"/>
+                                </a:rPr>
+                              </m:ctrlPr>
+                            </m:sSupPr>
+                            <m:e>
+                              <m:d>
+                                <m:dPr>
+                                  <m:begChr m:val="["/>
+                                  <m:endChr m:val="]"/>
+                                  <m:ctrlPr>
+                                    <a:rPr lang="en-US" sz="2600" b="0" i="1" smtClean="0">
+                                      <a:latin typeface="Cambria Math" panose="02040503050406030204" pitchFamily="18" charset="0"/>
+                                    </a:rPr>
+                                  </m:ctrlPr>
+                                </m:dPr>
+                                <m:e>
+                                  <m:r>
+                                    <a:rPr lang="en-US" sz="2600" b="0" i="1" smtClean="0">
+                                      <a:latin typeface="Cambria Math" panose="02040503050406030204" pitchFamily="18" charset="0"/>
+                                    </a:rPr>
+                                    <m:t>𝐼</m:t>
+                                  </m:r>
+                                  <m:d>
+                                    <m:dPr>
+                                      <m:ctrlPr>
+                                        <a:rPr lang="en-US" sz="2600" b="0" i="1" smtClean="0">
+                                          <a:latin typeface="Cambria Math" panose="02040503050406030204" pitchFamily="18" charset="0"/>
+                                        </a:rPr>
+                                      </m:ctrlPr>
+                                    </m:dPr>
+                                    <m:e>
+                                      <m:r>
+                                        <a:rPr lang="en-US" sz="2600" b="0" i="1" smtClean="0">
+                                          <a:latin typeface="Cambria Math" panose="02040503050406030204" pitchFamily="18" charset="0"/>
+                                        </a:rPr>
+                                        <m:t>𝑢</m:t>
+                                      </m:r>
+                                      <m:r>
+                                        <a:rPr lang="en-US" sz="2600" b="0" i="1" smtClean="0">
+                                          <a:latin typeface="Cambria Math" panose="02040503050406030204" pitchFamily="18" charset="0"/>
+                                        </a:rPr>
+                                        <m:t>+</m:t>
+                                      </m:r>
+                                      <m:r>
+                                        <a:rPr lang="en-US" sz="2600" b="0" i="1" smtClean="0">
+                                          <a:latin typeface="Cambria Math" panose="02040503050406030204" pitchFamily="18" charset="0"/>
+                                        </a:rPr>
+                                        <m:t>𝑚</m:t>
+                                      </m:r>
+                                      <m:r>
+                                        <a:rPr lang="en-US" sz="2600" b="0" i="1" smtClean="0">
+                                          <a:latin typeface="Cambria Math" panose="02040503050406030204" pitchFamily="18" charset="0"/>
+                                        </a:rPr>
+                                        <m:t>, </m:t>
+                                      </m:r>
+                                      <m:r>
+                                        <a:rPr lang="en-US" sz="2600" b="0" i="1" smtClean="0">
+                                          <a:latin typeface="Cambria Math" panose="02040503050406030204" pitchFamily="18" charset="0"/>
+                                        </a:rPr>
+                                        <m:t>𝑣</m:t>
+                                      </m:r>
+                                      <m:r>
+                                        <a:rPr lang="en-US" sz="2600" b="0" i="1" smtClean="0">
+                                          <a:latin typeface="Cambria Math" panose="02040503050406030204" pitchFamily="18" charset="0"/>
+                                        </a:rPr>
+                                        <m:t>+</m:t>
+                                      </m:r>
+                                      <m:r>
+                                        <a:rPr lang="en-US" sz="2600" b="0" i="1" smtClean="0">
+                                          <a:latin typeface="Cambria Math" panose="02040503050406030204" pitchFamily="18" charset="0"/>
+                                        </a:rPr>
+                                        <m:t>𝑛</m:t>
+                                      </m:r>
+                                    </m:e>
+                                  </m:d>
+                                  <m:r>
+                                    <a:rPr lang="en-US" sz="2600" b="0" i="1" smtClean="0">
+                                      <a:latin typeface="Cambria Math" panose="02040503050406030204" pitchFamily="18" charset="0"/>
+                                    </a:rPr>
+                                    <m:t>−</m:t>
+                                  </m:r>
+                                  <m:r>
+                                    <a:rPr lang="en-US" sz="2600" b="0" i="1" smtClean="0">
+                                      <a:latin typeface="Cambria Math" panose="02040503050406030204" pitchFamily="18" charset="0"/>
+                                    </a:rPr>
+                                    <m:t>𝐼</m:t>
+                                  </m:r>
+                                  <m:d>
+                                    <m:dPr>
+                                      <m:ctrlPr>
+                                        <a:rPr lang="en-US" sz="2600" b="0" i="1" smtClean="0">
+                                          <a:latin typeface="Cambria Math" panose="02040503050406030204" pitchFamily="18" charset="0"/>
+                                        </a:rPr>
+                                      </m:ctrlPr>
+                                    </m:dPr>
+                                    <m:e>
+                                      <m:r>
+                                        <a:rPr lang="en-US" sz="2600" b="0" i="1" smtClean="0">
+                                          <a:latin typeface="Cambria Math" panose="02040503050406030204" pitchFamily="18" charset="0"/>
+                                        </a:rPr>
+                                        <m:t>𝑖</m:t>
+                                      </m:r>
+                                      <m:r>
+                                        <a:rPr lang="en-US" sz="2600" b="0" i="1" smtClean="0">
+                                          <a:latin typeface="Cambria Math" panose="02040503050406030204" pitchFamily="18" charset="0"/>
+                                        </a:rPr>
+                                        <m:t>+</m:t>
+                                      </m:r>
+                                      <m:r>
+                                        <a:rPr lang="en-US" sz="2600" b="0" i="1" smtClean="0">
+                                          <a:latin typeface="Cambria Math" panose="02040503050406030204" pitchFamily="18" charset="0"/>
+                                        </a:rPr>
+                                        <m:t>𝑚</m:t>
+                                      </m:r>
+                                      <m:r>
+                                        <a:rPr lang="en-US" sz="2600" b="0" i="1" smtClean="0">
+                                          <a:latin typeface="Cambria Math" panose="02040503050406030204" pitchFamily="18" charset="0"/>
+                                        </a:rPr>
+                                        <m:t>, </m:t>
+                                      </m:r>
+                                      <m:r>
+                                        <a:rPr lang="en-US" sz="2600" b="0" i="1" smtClean="0">
+                                          <a:latin typeface="Cambria Math" panose="02040503050406030204" pitchFamily="18" charset="0"/>
+                                        </a:rPr>
+                                        <m:t>𝑗</m:t>
+                                      </m:r>
+                                      <m:r>
+                                        <a:rPr lang="en-US" sz="2600" b="0" i="1" smtClean="0">
+                                          <a:latin typeface="Cambria Math" panose="02040503050406030204" pitchFamily="18" charset="0"/>
+                                        </a:rPr>
+                                        <m:t>+</m:t>
+                                      </m:r>
+                                      <m:r>
+                                        <a:rPr lang="en-US" sz="2600" b="0" i="1" smtClean="0">
+                                          <a:latin typeface="Cambria Math" panose="02040503050406030204" pitchFamily="18" charset="0"/>
+                                        </a:rPr>
+                                        <m:t>𝑛</m:t>
+                                      </m:r>
+                                    </m:e>
+                                  </m:d>
+                                </m:e>
+                              </m:d>
+                            </m:e>
+                            <m:sup>
+                              <m:r>
+                                <a:rPr lang="en-US" sz="2600" b="0" i="1" smtClean="0">
+                                  <a:latin typeface="Cambria Math" panose="02040503050406030204" pitchFamily="18" charset="0"/>
+                                </a:rPr>
+                                <m:t>2</m:t>
+                              </m:r>
+                            </m:sup>
+                          </m:sSup>
+                        </m:e>
+                      </m:eqArr>
+                    </m:oMath>
+                  </m:oMathPara>
+                </a14:m>
+                <a:endParaRPr lang="en-US" sz="2600" dirty="0" smtClean="0"/>
+              </a:p>
+            </p:txBody>
+          </p:sp>
+        </mc:Choice>
+        <mc:Fallback>
+          <p:sp>
+            <p:nvSpPr>
+              <p:cNvPr id="3" name="Content Placeholder 2"/>
+              <p:cNvSpPr>
+                <a:spLocks noGrp="1" noRot="1" noChangeAspect="1" noMove="1" noResize="1" noEditPoints="1" noAdjustHandles="1" noChangeArrowheads="1" noChangeShapeType="1" noTextEdit="1"/>
+              </p:cNvSpPr>
+              <p:nvPr>
+                <p:ph idx="1"/>
+              </p:nvPr>
+            </p:nvSpPr>
+            <p:spPr>
+              <a:blipFill rotWithShape="0">
+                <a:blip r:embed="rId2"/>
+                <a:stretch>
+                  <a:fillRect t="-785"/>
+                </a:stretch>
+              </a:blipFill>
+            </p:spPr>
+            <p:txBody>
+              <a:bodyPr/>
+              <a:lstStyle/>
+              <a:p>
+                <a:r>
+                  <a:rPr lang="en-US">
+                    <a:noFill/>
+                  </a:rPr>
+                  <a:t> </a:t>
+                </a:r>
+              </a:p>
+            </p:txBody>
+          </p:sp>
+        </mc:Fallback>
+      </mc:AlternateContent>
+    </p:spTree>
+    <p:extLst>
+      <p:ext uri="{BB962C8B-B14F-4D97-AF65-F5344CB8AC3E}">
+        <p14:creationId xmlns:p14="http://schemas.microsoft.com/office/powerpoint/2010/main" val="169307299"/>
+      </p:ext>
+    </p:extLst>
+  </p:cSld>
+  <p:clrMapOvr>
+    <a:masterClrMapping/>
+  </p:clrMapOvr>
+</p:sld>
+</file>
+
+<file path=ppt/slides/slide8.xml><?xml version="1.0" encoding="utf-8"?>
+<p:sld xmlns:a="http://schemas.openxmlformats.org/drawingml/2006/main" xmlns:r="http://schemas.openxmlformats.org/officeDocument/2006/relationships" xmlns:p="http://schemas.openxmlformats.org/presentationml/2006/main">
+  <p:cSld>
+    <p:spTree>
+      <p:nvGrpSpPr>
+        <p:cNvPr id="1" name=""/>
+        <p:cNvGrpSpPr/>
+        <p:nvPr/>
+      </p:nvGrpSpPr>
+      <p:grpSpPr>
+        <a:xfrm>
+          <a:off x="0" y="0"/>
+          <a:ext cx="0" cy="0"/>
+          <a:chOff x="0" y="0"/>
+          <a:chExt cx="0" cy="0"/>
+        </a:xfrm>
+      </p:grpSpPr>
+      <p:sp>
+        <p:nvSpPr>
+          <p:cNvPr id="2" name="Title 1"/>
+          <p:cNvSpPr>
+            <a:spLocks noGrp="1"/>
+          </p:cNvSpPr>
+          <p:nvPr>
+            <p:ph type="title"/>
+          </p:nvPr>
+        </p:nvSpPr>
+        <p:spPr/>
+        <p:txBody>
+          <a:bodyPr/>
+          <a:lstStyle/>
+          <a:p>
+            <a:r>
               <a:rPr lang="en-US" dirty="0" smtClean="0"/>
               <a:t>retargeting</a:t>
             </a:r>
@@ -7724,7 +8450,7 @@
   <p:timing>
     <p:tnLst>
       <p:par>
-        <p:cTn xmlns:p14="http://schemas.microsoft.com/office/powerpoint/2010/main" id="1" dur="indefinite" restart="never" nodeType="tmRoot">
+        <p:cTn id="1" dur="indefinite" restart="never" nodeType="tmRoot">
           <p:childTnLst>
             <p:seq concurrent="1" nextAc="seek">
               <p:cTn id="2" dur="indefinite" nodeType="mainSeq">
@@ -7995,7 +8721,7 @@
 </p:sld>
 </file>
 
-<file path=ppt/slides/slide8.xml><?xml version="1.0" encoding="utf-8"?>
+<file path=ppt/slides/slide9.xml><?xml version="1.0" encoding="utf-8"?>
 <p:sld xmlns:a="http://schemas.openxmlformats.org/drawingml/2006/main" xmlns:r="http://schemas.openxmlformats.org/officeDocument/2006/relationships" xmlns:p="http://schemas.openxmlformats.org/presentationml/2006/main">
   <p:cSld>
     <p:spTree>
@@ -8101,107 +8827,10 @@
   <p:timing>
     <p:tnLst>
       <p:par>
-        <p:cTn xmlns:p14="http://schemas.microsoft.com/office/powerpoint/2010/main" id="1" dur="indefinite" restart="never" nodeType="tmRoot"/>
+        <p:cTn id="1" dur="indefinite" restart="never" nodeType="tmRoot"/>
       </p:par>
     </p:tnLst>
   </p:timing>
-</p:sld>
-</file>
-
-<file path=ppt/slides/slide9.xml><?xml version="1.0" encoding="utf-8"?>
-<p:sld xmlns:a="http://schemas.openxmlformats.org/drawingml/2006/main" xmlns:r="http://schemas.openxmlformats.org/officeDocument/2006/relationships" xmlns:p="http://schemas.openxmlformats.org/presentationml/2006/main">
-  <p:cSld>
-    <p:spTree>
-      <p:nvGrpSpPr>
-        <p:cNvPr id="1" name=""/>
-        <p:cNvGrpSpPr/>
-        <p:nvPr/>
-      </p:nvGrpSpPr>
-      <p:grpSpPr>
-        <a:xfrm>
-          <a:off x="0" y="0"/>
-          <a:ext cx="0" cy="0"/>
-          <a:chOff x="0" y="0"/>
-          <a:chExt cx="0" cy="0"/>
-        </a:xfrm>
-      </p:grpSpPr>
-      <p:sp>
-        <p:nvSpPr>
-          <p:cNvPr id="2" name="Title 1"/>
-          <p:cNvSpPr>
-            <a:spLocks noGrp="1"/>
-          </p:cNvSpPr>
-          <p:nvPr>
-            <p:ph type="title"/>
-          </p:nvPr>
-        </p:nvSpPr>
-        <p:spPr/>
-        <p:txBody>
-          <a:bodyPr/>
-          <a:lstStyle/>
-          <a:p>
-            <a:endParaRPr lang="en-US"/>
-          </a:p>
-        </p:txBody>
-      </p:sp>
-      <p:pic>
-        <p:nvPicPr>
-          <p:cNvPr id="5" name="Picture 4"/>
-          <p:cNvPicPr>
-            <a:picLocks noChangeAspect="1"/>
-          </p:cNvPicPr>
-          <p:nvPr/>
-        </p:nvPicPr>
-        <p:blipFill>
-          <a:blip r:embed="rId2"/>
-          <a:stretch>
-            <a:fillRect/>
-          </a:stretch>
-        </p:blipFill>
-        <p:spPr>
-          <a:xfrm>
-            <a:off x="2169808" y="1986194"/>
-            <a:ext cx="6184900" cy="4737100"/>
-          </a:xfrm>
-          <a:prstGeom prst="rect">
-            <a:avLst/>
-          </a:prstGeom>
-        </p:spPr>
-      </p:pic>
-      <p:sp>
-        <p:nvSpPr>
-          <p:cNvPr id="6" name="Content Placeholder 5"/>
-          <p:cNvSpPr>
-            <a:spLocks noGrp="1"/>
-          </p:cNvSpPr>
-          <p:nvPr>
-            <p:ph idx="1"/>
-          </p:nvPr>
-        </p:nvSpPr>
-        <p:spPr>
-          <a:xfrm>
-            <a:off x="735059" y="4142698"/>
-            <a:ext cx="8596668" cy="3880773"/>
-          </a:xfrm>
-        </p:spPr>
-        <p:txBody>
-          <a:bodyPr/>
-          <a:lstStyle/>
-          <a:p>
-            <a:endParaRPr lang="en-US" dirty="0"/>
-          </a:p>
-        </p:txBody>
-      </p:sp>
-    </p:spTree>
-    <p:extLst>
-      <p:ext uri="{BB962C8B-B14F-4D97-AF65-F5344CB8AC3E}">
-        <p14:creationId xmlns:p14="http://schemas.microsoft.com/office/powerpoint/2010/main" val="1609509183"/>
-      </p:ext>
-    </p:extLst>
-  </p:cSld>
-  <p:clrMapOvr>
-    <a:masterClrMapping/>
-  </p:clrMapOvr>
 </p:sld>
 </file>
 
@@ -8456,7 +9085,7 @@
   <a:extraClrSchemeLst/>
   <a:extLst>
     <a:ext uri="{05A4C25C-085E-4340-85A3-A5531E510DB2}">
-      <thm15:themeFamily xmlns:thm15="http://schemas.microsoft.com/office/thememl/2012/main" xmlns="" name="Facet" id="{C0C680CD-088A-49FC-A102-D699147F32B2}" vid="{CFBC31BA-B70F-4F30-BCAA-4F3011E16C4D}"/>
+      <thm15:themeFamily xmlns:thm15="http://schemas.microsoft.com/office/thememl/2012/main" name="Facet" id="{C0C680CD-088A-49FC-A102-D699147F32B2}" vid="{CFBC31BA-B70F-4F30-BCAA-4F3011E16C4D}"/>
     </a:ext>
   </a:extLst>
 </a:theme>

--- a/PatchMatch.pptx
+++ b/PatchMatch.pptx
@@ -15,6 +15,10 @@
     <p:sldId id="263" r:id="rId9"/>
     <p:sldId id="264" r:id="rId10"/>
     <p:sldId id="265" r:id="rId11"/>
+    <p:sldId id="270" r:id="rId12"/>
+    <p:sldId id="267" r:id="rId13"/>
+    <p:sldId id="268" r:id="rId14"/>
+    <p:sldId id="269" r:id="rId15"/>
   </p:sldIdLst>
   <p:sldSz cx="12192000" cy="6858000"/>
   <p:notesSz cx="6858000" cy="9144000"/>
@@ -6001,6 +6005,700 @@
 </p:sld>
 </file>
 
+<file path=ppt/slides/slide11.xml><?xml version="1.0" encoding="utf-8"?>
+<p:sld xmlns:a="http://schemas.openxmlformats.org/drawingml/2006/main" xmlns:r="http://schemas.openxmlformats.org/officeDocument/2006/relationships" xmlns:p="http://schemas.openxmlformats.org/presentationml/2006/main">
+  <p:cSld>
+    <p:spTree>
+      <p:nvGrpSpPr>
+        <p:cNvPr id="1" name=""/>
+        <p:cNvGrpSpPr/>
+        <p:nvPr/>
+      </p:nvGrpSpPr>
+      <p:grpSpPr>
+        <a:xfrm>
+          <a:off x="0" y="0"/>
+          <a:ext cx="0" cy="0"/>
+          <a:chOff x="0" y="0"/>
+          <a:chExt cx="0" cy="0"/>
+        </a:xfrm>
+      </p:grpSpPr>
+      <p:sp>
+        <p:nvSpPr>
+          <p:cNvPr id="2" name="Title 1"/>
+          <p:cNvSpPr>
+            <a:spLocks noGrp="1"/>
+          </p:cNvSpPr>
+          <p:nvPr>
+            <p:ph type="title"/>
+          </p:nvPr>
+        </p:nvSpPr>
+        <p:spPr/>
+        <p:txBody>
+          <a:bodyPr/>
+          <a:lstStyle/>
+          <a:p>
+            <a:r>
+              <a:rPr lang="en-US" altLang="zh-TW" dirty="0" smtClean="0"/>
+              <a:t>Result NNF</a:t>
+            </a:r>
+            <a:endParaRPr lang="en-US" dirty="0"/>
+          </a:p>
+        </p:txBody>
+      </p:sp>
+      <p:pic>
+        <p:nvPicPr>
+          <p:cNvPr id="5" name="Picture 4"/>
+          <p:cNvPicPr>
+            <a:picLocks noChangeAspect="1"/>
+          </p:cNvPicPr>
+          <p:nvPr/>
+        </p:nvPicPr>
+        <p:blipFill rotWithShape="1">
+          <a:blip r:embed="rId2">
+            <a:extLst>
+              <a:ext uri="{28A0092B-C50C-407E-A947-70E740481C1C}">
+                <a14:useLocalDpi xmlns:a14="http://schemas.microsoft.com/office/drawing/2010/main" val="0"/>
+              </a:ext>
+            </a:extLst>
+          </a:blip>
+          <a:srcRect l="29872" r="27472"/>
+          <a:stretch/>
+        </p:blipFill>
+        <p:spPr>
+          <a:xfrm>
+            <a:off x="3551161" y="1403100"/>
+            <a:ext cx="2617409" cy="4630305"/>
+          </a:xfrm>
+          <a:prstGeom prst="rect">
+            <a:avLst/>
+          </a:prstGeom>
+        </p:spPr>
+      </p:pic>
+      <p:pic>
+        <p:nvPicPr>
+          <p:cNvPr id="6" name="Picture 5"/>
+          <p:cNvPicPr>
+            <a:picLocks noChangeAspect="1"/>
+          </p:cNvPicPr>
+          <p:nvPr/>
+        </p:nvPicPr>
+        <p:blipFill rotWithShape="1">
+          <a:blip r:embed="rId3">
+            <a:extLst>
+              <a:ext uri="{28A0092B-C50C-407E-A947-70E740481C1C}">
+                <a14:useLocalDpi xmlns:a14="http://schemas.microsoft.com/office/drawing/2010/main" val="0"/>
+              </a:ext>
+            </a:extLst>
+          </a:blip>
+          <a:srcRect l="26659" r="24796"/>
+          <a:stretch/>
+        </p:blipFill>
+        <p:spPr>
+          <a:xfrm>
+            <a:off x="391886" y="1566207"/>
+            <a:ext cx="2873828" cy="4467198"/>
+          </a:xfrm>
+          <a:prstGeom prst="rect">
+            <a:avLst/>
+          </a:prstGeom>
+        </p:spPr>
+      </p:pic>
+      <p:sp>
+        <p:nvSpPr>
+          <p:cNvPr id="8" name="TextBox 7"/>
+          <p:cNvSpPr txBox="1"/>
+          <p:nvPr/>
+        </p:nvSpPr>
+        <p:spPr>
+          <a:xfrm>
+            <a:off x="6454017" y="2133601"/>
+            <a:ext cx="2965754" cy="830997"/>
+          </a:xfrm>
+          <a:prstGeom prst="rect">
+            <a:avLst/>
+          </a:prstGeom>
+          <a:noFill/>
+        </p:spPr>
+        <p:txBody>
+          <a:bodyPr wrap="square" rtlCol="0">
+            <a:spAutoFit/>
+          </a:bodyPr>
+          <a:lstStyle/>
+          <a:p>
+            <a:r>
+              <a:rPr lang="en-US" sz="2400" dirty="0" smtClean="0"/>
+              <a:t>Almost match!!!</a:t>
+            </a:r>
+          </a:p>
+          <a:p>
+            <a:r>
+              <a:rPr lang="en-US" sz="2400" dirty="0" smtClean="0"/>
+              <a:t>In 0.006 s</a:t>
+            </a:r>
+            <a:endParaRPr lang="en-US" sz="2400" dirty="0"/>
+          </a:p>
+        </p:txBody>
+      </p:sp>
+    </p:spTree>
+    <p:extLst>
+      <p:ext uri="{BB962C8B-B14F-4D97-AF65-F5344CB8AC3E}">
+        <p14:creationId xmlns:p14="http://schemas.microsoft.com/office/powerpoint/2010/main" val="3054703036"/>
+      </p:ext>
+    </p:extLst>
+  </p:cSld>
+  <p:clrMapOvr>
+    <a:masterClrMapping/>
+  </p:clrMapOvr>
+</p:sld>
+</file>
+
+<file path=ppt/slides/slide12.xml><?xml version="1.0" encoding="utf-8"?>
+<p:sld xmlns:a="http://schemas.openxmlformats.org/drawingml/2006/main" xmlns:r="http://schemas.openxmlformats.org/officeDocument/2006/relationships" xmlns:p="http://schemas.openxmlformats.org/presentationml/2006/main">
+  <p:cSld>
+    <p:spTree>
+      <p:nvGrpSpPr>
+        <p:cNvPr id="1" name=""/>
+        <p:cNvGrpSpPr/>
+        <p:nvPr/>
+      </p:nvGrpSpPr>
+      <p:grpSpPr>
+        <a:xfrm>
+          <a:off x="0" y="0"/>
+          <a:ext cx="0" cy="0"/>
+          <a:chOff x="0" y="0"/>
+          <a:chExt cx="0" cy="0"/>
+        </a:xfrm>
+      </p:grpSpPr>
+      <p:sp>
+        <p:nvSpPr>
+          <p:cNvPr id="2" name="Title 1"/>
+          <p:cNvSpPr>
+            <a:spLocks noGrp="1"/>
+          </p:cNvSpPr>
+          <p:nvPr>
+            <p:ph type="title"/>
+          </p:nvPr>
+        </p:nvSpPr>
+        <p:spPr/>
+        <p:txBody>
+          <a:bodyPr/>
+          <a:lstStyle/>
+          <a:p>
+            <a:r>
+              <a:rPr lang="en-US" altLang="zh-TW" dirty="0" smtClean="0"/>
+              <a:t>Result - </a:t>
+            </a:r>
+            <a:r>
+              <a:rPr lang="en-US" altLang="zh-TW" dirty="0" err="1" smtClean="0"/>
+              <a:t>inpaint</a:t>
+            </a:r>
+            <a:endParaRPr lang="en-US" dirty="0"/>
+          </a:p>
+        </p:txBody>
+      </p:sp>
+      <p:pic>
+        <p:nvPicPr>
+          <p:cNvPr id="4" name="Content Placeholder 3"/>
+          <p:cNvPicPr>
+            <a:picLocks noGrp="1" noChangeAspect="1"/>
+          </p:cNvPicPr>
+          <p:nvPr>
+            <p:ph idx="1"/>
+          </p:nvPr>
+        </p:nvPicPr>
+        <p:blipFill rotWithShape="1">
+          <a:blip r:embed="rId2">
+            <a:extLst>
+              <a:ext uri="{28A0092B-C50C-407E-A947-70E740481C1C}">
+                <a14:useLocalDpi xmlns:a14="http://schemas.microsoft.com/office/drawing/2010/main" val="0"/>
+              </a:ext>
+            </a:extLst>
+          </a:blip>
+          <a:srcRect l="30208" r="28927"/>
+          <a:stretch/>
+        </p:blipFill>
+        <p:spPr>
+          <a:xfrm>
+            <a:off x="525780" y="1193501"/>
+            <a:ext cx="2974764" cy="5493050"/>
+          </a:xfrm>
+        </p:spPr>
+      </p:pic>
+      <p:pic>
+        <p:nvPicPr>
+          <p:cNvPr id="7" name="Picture 6"/>
+          <p:cNvPicPr>
+            <a:picLocks noChangeAspect="1"/>
+          </p:cNvPicPr>
+          <p:nvPr/>
+        </p:nvPicPr>
+        <p:blipFill rotWithShape="1">
+          <a:blip r:embed="rId3">
+            <a:extLst>
+              <a:ext uri="{28A0092B-C50C-407E-A947-70E740481C1C}">
+                <a14:useLocalDpi xmlns:a14="http://schemas.microsoft.com/office/drawing/2010/main" val="0"/>
+              </a:ext>
+            </a:extLst>
+          </a:blip>
+          <a:srcRect l="31698" t="5691" r="32413" b="4674"/>
+          <a:stretch/>
+        </p:blipFill>
+        <p:spPr>
+          <a:xfrm>
+            <a:off x="3866304" y="1645921"/>
+            <a:ext cx="2674620" cy="5040630"/>
+          </a:xfrm>
+          <a:prstGeom prst="rect">
+            <a:avLst/>
+          </a:prstGeom>
+        </p:spPr>
+      </p:pic>
+      <p:pic>
+        <p:nvPicPr>
+          <p:cNvPr id="8" name="Picture 7"/>
+          <p:cNvPicPr>
+            <a:picLocks noChangeAspect="1"/>
+          </p:cNvPicPr>
+          <p:nvPr/>
+        </p:nvPicPr>
+        <p:blipFill rotWithShape="1">
+          <a:blip r:embed="rId4">
+            <a:extLst>
+              <a:ext uri="{28A0092B-C50C-407E-A947-70E740481C1C}">
+                <a14:useLocalDpi xmlns:a14="http://schemas.microsoft.com/office/drawing/2010/main" val="0"/>
+              </a:ext>
+            </a:extLst>
+          </a:blip>
+          <a:srcRect l="30777" r="32260"/>
+          <a:stretch/>
+        </p:blipFill>
+        <p:spPr>
+          <a:xfrm>
+            <a:off x="7326629" y="1559637"/>
+            <a:ext cx="2427373" cy="4955474"/>
+          </a:xfrm>
+          <a:prstGeom prst="rect">
+            <a:avLst/>
+          </a:prstGeom>
+        </p:spPr>
+      </p:pic>
+    </p:spTree>
+    <p:extLst>
+      <p:ext uri="{BB962C8B-B14F-4D97-AF65-F5344CB8AC3E}">
+        <p14:creationId xmlns:p14="http://schemas.microsoft.com/office/powerpoint/2010/main" val="2506464437"/>
+      </p:ext>
+    </p:extLst>
+  </p:cSld>
+  <p:clrMapOvr>
+    <a:masterClrMapping/>
+  </p:clrMapOvr>
+</p:sld>
+</file>
+
+<file path=ppt/slides/slide13.xml><?xml version="1.0" encoding="utf-8"?>
+<p:sld xmlns:a="http://schemas.openxmlformats.org/drawingml/2006/main" xmlns:r="http://schemas.openxmlformats.org/officeDocument/2006/relationships" xmlns:p="http://schemas.openxmlformats.org/presentationml/2006/main">
+  <p:cSld>
+    <p:spTree>
+      <p:nvGrpSpPr>
+        <p:cNvPr id="1" name=""/>
+        <p:cNvGrpSpPr/>
+        <p:nvPr/>
+      </p:nvGrpSpPr>
+      <p:grpSpPr>
+        <a:xfrm>
+          <a:off x="0" y="0"/>
+          <a:ext cx="0" cy="0"/>
+          <a:chOff x="0" y="0"/>
+          <a:chExt cx="0" cy="0"/>
+        </a:xfrm>
+      </p:grpSpPr>
+      <p:sp>
+        <p:nvSpPr>
+          <p:cNvPr id="2" name="Title 1"/>
+          <p:cNvSpPr>
+            <a:spLocks noGrp="1"/>
+          </p:cNvSpPr>
+          <p:nvPr>
+            <p:ph type="title"/>
+          </p:nvPr>
+        </p:nvSpPr>
+        <p:spPr/>
+        <p:txBody>
+          <a:bodyPr/>
+          <a:lstStyle/>
+          <a:p>
+            <a:r>
+              <a:rPr lang="en-US" altLang="zh-TW" dirty="0" smtClean="0"/>
+              <a:t>Result - </a:t>
+            </a:r>
+            <a:r>
+              <a:rPr lang="en-US" altLang="zh-TW" dirty="0" err="1" smtClean="0"/>
+              <a:t>inpaint</a:t>
+            </a:r>
+            <a:endParaRPr lang="en-US" dirty="0"/>
+          </a:p>
+        </p:txBody>
+      </p:sp>
+      <p:pic>
+        <p:nvPicPr>
+          <p:cNvPr id="5" name="Content Placeholder 4"/>
+          <p:cNvPicPr>
+            <a:picLocks noGrp="1" noChangeAspect="1"/>
+          </p:cNvPicPr>
+          <p:nvPr>
+            <p:ph idx="1"/>
+          </p:nvPr>
+        </p:nvPicPr>
+        <p:blipFill>
+          <a:blip r:embed="rId2">
+            <a:extLst>
+              <a:ext uri="{28A0092B-C50C-407E-A947-70E740481C1C}">
+                <a14:useLocalDpi xmlns:a14="http://schemas.microsoft.com/office/drawing/2010/main" val="0"/>
+              </a:ext>
+            </a:extLst>
+          </a:blip>
+          <a:stretch>
+            <a:fillRect/>
+          </a:stretch>
+        </p:blipFill>
+        <p:spPr>
+          <a:xfrm>
+            <a:off x="677334" y="2205831"/>
+            <a:ext cx="4352925" cy="3333750"/>
+          </a:xfrm>
+        </p:spPr>
+      </p:pic>
+      <p:pic>
+        <p:nvPicPr>
+          <p:cNvPr id="6" name="Picture 5"/>
+          <p:cNvPicPr>
+            <a:picLocks noChangeAspect="1"/>
+          </p:cNvPicPr>
+          <p:nvPr/>
+        </p:nvPicPr>
+        <p:blipFill>
+          <a:blip r:embed="rId3">
+            <a:clrChange>
+              <a:clrFrom>
+                <a:srgbClr val="000000"/>
+              </a:clrFrom>
+              <a:clrTo>
+                <a:srgbClr val="000000">
+                  <a:alpha val="0"/>
+                </a:srgbClr>
+              </a:clrTo>
+            </a:clrChange>
+            <a:duotone>
+              <a:prstClr val="black"/>
+              <a:schemeClr val="tx2">
+                <a:tint val="45000"/>
+                <a:satMod val="400000"/>
+              </a:schemeClr>
+            </a:duotone>
+            <a:extLst>
+              <a:ext uri="{28A0092B-C50C-407E-A947-70E740481C1C}">
+                <a14:useLocalDpi xmlns:a14="http://schemas.microsoft.com/office/drawing/2010/main" val="0"/>
+              </a:ext>
+            </a:extLst>
+          </a:blip>
+          <a:stretch>
+            <a:fillRect/>
+          </a:stretch>
+        </p:blipFill>
+        <p:spPr>
+          <a:xfrm>
+            <a:off x="677334" y="2205831"/>
+            <a:ext cx="4352925" cy="3333750"/>
+          </a:xfrm>
+          <a:prstGeom prst="rect">
+            <a:avLst/>
+          </a:prstGeom>
+        </p:spPr>
+      </p:pic>
+      <p:pic>
+        <p:nvPicPr>
+          <p:cNvPr id="9" name="Picture 8"/>
+          <p:cNvPicPr>
+            <a:picLocks noChangeAspect="1"/>
+          </p:cNvPicPr>
+          <p:nvPr/>
+        </p:nvPicPr>
+        <p:blipFill>
+          <a:blip r:embed="rId4">
+            <a:extLst>
+              <a:ext uri="{28A0092B-C50C-407E-A947-70E740481C1C}">
+                <a14:useLocalDpi xmlns:a14="http://schemas.microsoft.com/office/drawing/2010/main" val="0"/>
+              </a:ext>
+            </a:extLst>
+          </a:blip>
+          <a:stretch>
+            <a:fillRect/>
+          </a:stretch>
+        </p:blipFill>
+        <p:spPr>
+          <a:xfrm>
+            <a:off x="5897880" y="1930400"/>
+            <a:ext cx="4941577" cy="3728920"/>
+          </a:xfrm>
+          <a:prstGeom prst="rect">
+            <a:avLst/>
+          </a:prstGeom>
+        </p:spPr>
+      </p:pic>
+    </p:spTree>
+    <p:extLst>
+      <p:ext uri="{BB962C8B-B14F-4D97-AF65-F5344CB8AC3E}">
+        <p14:creationId xmlns:p14="http://schemas.microsoft.com/office/powerpoint/2010/main" val="4066175703"/>
+      </p:ext>
+    </p:extLst>
+  </p:cSld>
+  <p:clrMapOvr>
+    <a:masterClrMapping/>
+  </p:clrMapOvr>
+</p:sld>
+</file>
+
+<file path=ppt/slides/slide14.xml><?xml version="1.0" encoding="utf-8"?>
+<p:sld xmlns:a="http://schemas.openxmlformats.org/drawingml/2006/main" xmlns:r="http://schemas.openxmlformats.org/officeDocument/2006/relationships" xmlns:p="http://schemas.openxmlformats.org/presentationml/2006/main">
+  <p:cSld>
+    <p:spTree>
+      <p:nvGrpSpPr>
+        <p:cNvPr id="1" name=""/>
+        <p:cNvGrpSpPr/>
+        <p:nvPr/>
+      </p:nvGrpSpPr>
+      <p:grpSpPr>
+        <a:xfrm>
+          <a:off x="0" y="0"/>
+          <a:ext cx="0" cy="0"/>
+          <a:chOff x="0" y="0"/>
+          <a:chExt cx="0" cy="0"/>
+        </a:xfrm>
+      </p:grpSpPr>
+      <p:sp>
+        <p:nvSpPr>
+          <p:cNvPr id="2" name="Title 1"/>
+          <p:cNvSpPr>
+            <a:spLocks noGrp="1"/>
+          </p:cNvSpPr>
+          <p:nvPr>
+            <p:ph type="title"/>
+          </p:nvPr>
+        </p:nvSpPr>
+        <p:spPr/>
+        <p:txBody>
+          <a:bodyPr/>
+          <a:lstStyle/>
+          <a:p>
+            <a:r>
+              <a:rPr lang="en-US" altLang="zh-TW" dirty="0" smtClean="0"/>
+              <a:t>Result - </a:t>
+            </a:r>
+            <a:r>
+              <a:rPr lang="en-US" altLang="zh-TW" dirty="0" err="1" smtClean="0"/>
+              <a:t>inpaint</a:t>
+            </a:r>
+            <a:endParaRPr lang="en-US" dirty="0"/>
+          </a:p>
+        </p:txBody>
+      </p:sp>
+      <p:pic>
+        <p:nvPicPr>
+          <p:cNvPr id="4" name="Content Placeholder 3"/>
+          <p:cNvPicPr>
+            <a:picLocks noGrp="1" noChangeAspect="1"/>
+          </p:cNvPicPr>
+          <p:nvPr>
+            <p:ph idx="1"/>
+          </p:nvPr>
+        </p:nvPicPr>
+        <p:blipFill>
+          <a:blip r:embed="rId2" cstate="print">
+            <a:extLst>
+              <a:ext uri="{28A0092B-C50C-407E-A947-70E740481C1C}">
+                <a14:useLocalDpi xmlns:a14="http://schemas.microsoft.com/office/drawing/2010/main" val="0"/>
+              </a:ext>
+            </a:extLst>
+          </a:blip>
+          <a:stretch>
+            <a:fillRect/>
+          </a:stretch>
+        </p:blipFill>
+        <p:spPr>
+          <a:xfrm>
+            <a:off x="506888" y="2240280"/>
+            <a:ext cx="4914925" cy="3331686"/>
+          </a:xfrm>
+        </p:spPr>
+      </p:pic>
+      <p:pic>
+        <p:nvPicPr>
+          <p:cNvPr id="7" name="Picture 6"/>
+          <p:cNvPicPr>
+            <a:picLocks noChangeAspect="1"/>
+          </p:cNvPicPr>
+          <p:nvPr/>
+        </p:nvPicPr>
+        <p:blipFill>
+          <a:blip r:embed="rId3" cstate="print">
+            <a:clrChange>
+              <a:clrFrom>
+                <a:srgbClr val="000000"/>
+              </a:clrFrom>
+              <a:clrTo>
+                <a:srgbClr val="000000">
+                  <a:alpha val="0"/>
+                </a:srgbClr>
+              </a:clrTo>
+            </a:clrChange>
+            <a:extLst>
+              <a:ext uri="{BEBA8EAE-BF5A-486C-A8C5-ECC9F3942E4B}">
+                <a14:imgProps xmlns:a14="http://schemas.microsoft.com/office/drawing/2010/main">
+                  <a14:imgLayer r:embed="rId4">
+                    <a14:imgEffect>
+                      <a14:brightnessContrast bright="-40000" contrast="-20000"/>
+                    </a14:imgEffect>
+                  </a14:imgLayer>
+                </a14:imgProps>
+              </a:ext>
+              <a:ext uri="{28A0092B-C50C-407E-A947-70E740481C1C}">
+                <a14:useLocalDpi xmlns:a14="http://schemas.microsoft.com/office/drawing/2010/main" val="0"/>
+              </a:ext>
+            </a:extLst>
+          </a:blip>
+          <a:stretch>
+            <a:fillRect/>
+          </a:stretch>
+        </p:blipFill>
+        <p:spPr>
+          <a:xfrm>
+            <a:off x="506888" y="2240280"/>
+            <a:ext cx="4916351" cy="3332653"/>
+          </a:xfrm>
+          <a:prstGeom prst="rect">
+            <a:avLst/>
+          </a:prstGeom>
+        </p:spPr>
+      </p:pic>
+      <p:pic>
+        <p:nvPicPr>
+          <p:cNvPr id="8" name="Picture 7"/>
+          <p:cNvPicPr>
+            <a:picLocks noChangeAspect="1"/>
+          </p:cNvPicPr>
+          <p:nvPr/>
+        </p:nvPicPr>
+        <p:blipFill>
+          <a:blip r:embed="rId5">
+            <a:extLst>
+              <a:ext uri="{28A0092B-C50C-407E-A947-70E740481C1C}">
+                <a14:useLocalDpi xmlns:a14="http://schemas.microsoft.com/office/drawing/2010/main" val="0"/>
+              </a:ext>
+            </a:extLst>
+          </a:blip>
+          <a:stretch>
+            <a:fillRect/>
+          </a:stretch>
+        </p:blipFill>
+        <p:spPr>
+          <a:xfrm>
+            <a:off x="5773884" y="1869693"/>
+            <a:ext cx="5561773" cy="4196921"/>
+          </a:xfrm>
+          <a:prstGeom prst="rect">
+            <a:avLst/>
+          </a:prstGeom>
+        </p:spPr>
+      </p:pic>
+      <p:sp>
+        <p:nvSpPr>
+          <p:cNvPr id="10" name="TextBox 9"/>
+          <p:cNvSpPr txBox="1"/>
+          <p:nvPr/>
+        </p:nvSpPr>
+        <p:spPr>
+          <a:xfrm>
+            <a:off x="6347114" y="5881948"/>
+            <a:ext cx="2207656" cy="369332"/>
+          </a:xfrm>
+          <a:prstGeom prst="rect">
+            <a:avLst/>
+          </a:prstGeom>
+          <a:noFill/>
+        </p:spPr>
+        <p:txBody>
+          <a:bodyPr wrap="none" rtlCol="0">
+            <a:spAutoFit/>
+          </a:bodyPr>
+          <a:lstStyle/>
+          <a:p>
+            <a:r>
+              <a:rPr lang="en-US" dirty="0" smtClean="0"/>
+              <a:t>Grass </a:t>
+            </a:r>
+            <a:r>
+              <a:rPr lang="zh-TW" altLang="en-US" dirty="0" smtClean="0"/>
+              <a:t>長上去了</a:t>
+            </a:r>
+            <a:r>
+              <a:rPr lang="en-US" altLang="zh-TW" dirty="0" smtClean="0"/>
+              <a:t>@_@</a:t>
+            </a:r>
+            <a:endParaRPr lang="en-US" dirty="0"/>
+          </a:p>
+        </p:txBody>
+      </p:sp>
+      <p:cxnSp>
+        <p:nvCxnSpPr>
+          <p:cNvPr id="14" name="Straight Arrow Connector 13"/>
+          <p:cNvCxnSpPr>
+            <a:stCxn id="10" idx="0"/>
+          </p:cNvCxnSpPr>
+          <p:nvPr/>
+        </p:nvCxnSpPr>
+        <p:spPr>
+          <a:xfrm flipH="1" flipV="1">
+            <a:off x="6850743" y="5007429"/>
+            <a:ext cx="600199" cy="874519"/>
+          </a:xfrm>
+          <a:prstGeom prst="straightConnector1">
+            <a:avLst/>
+          </a:prstGeom>
+          <a:ln w="28575">
+            <a:solidFill>
+              <a:schemeClr val="tx1"/>
+            </a:solidFill>
+            <a:tailEnd type="triangle"/>
+          </a:ln>
+        </p:spPr>
+        <p:style>
+          <a:lnRef idx="1">
+            <a:schemeClr val="accent1"/>
+          </a:lnRef>
+          <a:fillRef idx="0">
+            <a:schemeClr val="accent1"/>
+          </a:fillRef>
+          <a:effectRef idx="0">
+            <a:schemeClr val="accent1"/>
+          </a:effectRef>
+          <a:fontRef idx="minor">
+            <a:schemeClr val="tx1"/>
+          </a:fontRef>
+        </p:style>
+      </p:cxnSp>
+    </p:spTree>
+    <p:extLst>
+      <p:ext uri="{BB962C8B-B14F-4D97-AF65-F5344CB8AC3E}">
+        <p14:creationId xmlns:p14="http://schemas.microsoft.com/office/powerpoint/2010/main" val="1735053307"/>
+      </p:ext>
+    </p:extLst>
+  </p:cSld>
+  <p:clrMapOvr>
+    <a:masterClrMapping/>
+  </p:clrMapOvr>
+</p:sld>
+</file>
+
 <file path=ppt/slides/slide2.xml><?xml version="1.0" encoding="utf-8"?>
 <p:sld xmlns:a="http://schemas.openxmlformats.org/drawingml/2006/main" xmlns:r="http://schemas.openxmlformats.org/officeDocument/2006/relationships" xmlns:p="http://schemas.openxmlformats.org/presentationml/2006/main">
   <p:cSld>
@@ -7362,8 +8060,8 @@
           </a:p>
         </p:txBody>
       </p:sp>
-      <mc:AlternateContent xmlns:mc="http://schemas.openxmlformats.org/markup-compatibility/2006">
-        <mc:Choice xmlns:a14="http://schemas.microsoft.com/office/drawing/2010/main" Requires="a14">
+      <mc:AlternateContent xmlns:mc="http://schemas.openxmlformats.org/markup-compatibility/2006" xmlns:a14="http://schemas.microsoft.com/office/drawing/2010/main">
+        <mc:Choice Requires="a14">
           <p:sp>
             <p:nvSpPr>
               <p:cNvPr id="3" name="Content Placeholder 2"/>
@@ -7887,7 +8585,7 @@
             </p:txBody>
           </p:sp>
         </mc:Choice>
-        <mc:Fallback>
+        <mc:Fallback xmlns="">
           <p:sp>
             <p:nvSpPr>
               <p:cNvPr id="3" name="Content Placeholder 2"/>

--- a/PatchMatch.pptx
+++ b/PatchMatch.pptx
@@ -18,7 +18,8 @@
     <p:sldId id="270" r:id="rId12"/>
     <p:sldId id="267" r:id="rId13"/>
     <p:sldId id="268" r:id="rId14"/>
-    <p:sldId id="269" r:id="rId15"/>
+    <p:sldId id="271" r:id="rId15"/>
+    <p:sldId id="269" r:id="rId16"/>
   </p:sldIdLst>
   <p:sldSz cx="12192000" cy="6858000"/>
   <p:notesSz cx="6858000" cy="9144000"/>
@@ -5925,25 +5926,6 @@
           <a:chExt cx="0" cy="0"/>
         </a:xfrm>
       </p:grpSpPr>
-      <p:sp>
-        <p:nvSpPr>
-          <p:cNvPr id="2" name="Title 1"/>
-          <p:cNvSpPr>
-            <a:spLocks noGrp="1"/>
-          </p:cNvSpPr>
-          <p:nvPr>
-            <p:ph type="title"/>
-          </p:nvPr>
-        </p:nvSpPr>
-        <p:spPr/>
-        <p:txBody>
-          <a:bodyPr/>
-          <a:lstStyle/>
-          <a:p>
-            <a:endParaRPr lang="en-US"/>
-          </a:p>
-        </p:txBody>
-      </p:sp>
       <p:pic>
         <p:nvPicPr>
           <p:cNvPr id="5" name="Picture 4"/>
@@ -5960,7 +5942,7 @@
         </p:blipFill>
         <p:spPr>
           <a:xfrm>
-            <a:off x="2169808" y="1986194"/>
+            <a:off x="1815478" y="934634"/>
             <a:ext cx="6184900" cy="4737100"/>
           </a:xfrm>
           <a:prstGeom prst="rect">
@@ -5968,30 +5950,6 @@
           </a:prstGeom>
         </p:spPr>
       </p:pic>
-      <p:sp>
-        <p:nvSpPr>
-          <p:cNvPr id="6" name="Content Placeholder 5"/>
-          <p:cNvSpPr>
-            <a:spLocks noGrp="1"/>
-          </p:cNvSpPr>
-          <p:nvPr>
-            <p:ph idx="1"/>
-          </p:nvPr>
-        </p:nvSpPr>
-        <p:spPr>
-          <a:xfrm>
-            <a:off x="735059" y="4142698"/>
-            <a:ext cx="8596668" cy="3880773"/>
-          </a:xfrm>
-        </p:spPr>
-        <p:txBody>
-          <a:bodyPr/>
-          <a:lstStyle/>
-          <a:p>
-            <a:endParaRPr lang="en-US" dirty="0"/>
-          </a:p>
-        </p:txBody>
-      </p:sp>
     </p:spTree>
     <p:extLst>
       <p:ext uri="{BB962C8B-B14F-4D97-AF65-F5344CB8AC3E}">
@@ -6066,7 +6024,7 @@
         </p:blipFill>
         <p:spPr>
           <a:xfrm>
-            <a:off x="3551161" y="1403100"/>
+            <a:off x="3551161" y="1484653"/>
             <a:ext cx="2617409" cy="4630305"/>
           </a:xfrm>
           <a:prstGeom prst="rect">
@@ -6491,6 +6449,162 @@
           <a:lstStyle/>
           <a:p>
             <a:r>
+              <a:rPr lang="en-US" altLang="zh-TW" dirty="0"/>
+              <a:t>Result - </a:t>
+            </a:r>
+            <a:r>
+              <a:rPr lang="en-US" altLang="zh-TW" dirty="0" err="1"/>
+              <a:t>inpaint</a:t>
+            </a:r>
+            <a:endParaRPr lang="en-US" dirty="0"/>
+          </a:p>
+        </p:txBody>
+      </p:sp>
+      <p:pic>
+        <p:nvPicPr>
+          <p:cNvPr id="5" name="Content Placeholder 4"/>
+          <p:cNvPicPr>
+            <a:picLocks noGrp="1" noChangeAspect="1"/>
+          </p:cNvPicPr>
+          <p:nvPr>
+            <p:ph idx="1"/>
+          </p:nvPr>
+        </p:nvPicPr>
+        <p:blipFill>
+          <a:blip r:embed="rId2">
+            <a:extLst>
+              <a:ext uri="{28A0092B-C50C-407E-A947-70E740481C1C}">
+                <a14:useLocalDpi xmlns:a14="http://schemas.microsoft.com/office/drawing/2010/main" val="0"/>
+              </a:ext>
+            </a:extLst>
+          </a:blip>
+          <a:stretch>
+            <a:fillRect/>
+          </a:stretch>
+        </p:blipFill>
+        <p:spPr>
+          <a:xfrm>
+            <a:off x="6564692" y="2404101"/>
+            <a:ext cx="4276091" cy="3226743"/>
+          </a:xfrm>
+        </p:spPr>
+      </p:pic>
+      <p:pic>
+        <p:nvPicPr>
+          <p:cNvPr id="6" name="Picture 5"/>
+          <p:cNvPicPr>
+            <a:picLocks noChangeAspect="1"/>
+          </p:cNvPicPr>
+          <p:nvPr/>
+        </p:nvPicPr>
+        <p:blipFill>
+          <a:blip r:embed="rId3">
+            <a:extLst>
+              <a:ext uri="{28A0092B-C50C-407E-A947-70E740481C1C}">
+                <a14:useLocalDpi xmlns:a14="http://schemas.microsoft.com/office/drawing/2010/main" val="0"/>
+              </a:ext>
+            </a:extLst>
+          </a:blip>
+          <a:stretch>
+            <a:fillRect/>
+          </a:stretch>
+        </p:blipFill>
+        <p:spPr>
+          <a:xfrm>
+            <a:off x="677334" y="2289801"/>
+            <a:ext cx="4572000" cy="3429000"/>
+          </a:xfrm>
+          <a:prstGeom prst="rect">
+            <a:avLst/>
+          </a:prstGeom>
+        </p:spPr>
+      </p:pic>
+      <p:pic>
+        <p:nvPicPr>
+          <p:cNvPr id="7" name="Picture 6"/>
+          <p:cNvPicPr>
+            <a:picLocks noChangeAspect="1"/>
+          </p:cNvPicPr>
+          <p:nvPr/>
+        </p:nvPicPr>
+        <p:blipFill>
+          <a:blip r:embed="rId4">
+            <a:clrChange>
+              <a:clrFrom>
+                <a:srgbClr val="000000"/>
+              </a:clrFrom>
+              <a:clrTo>
+                <a:srgbClr val="000000">
+                  <a:alpha val="0"/>
+                </a:srgbClr>
+              </a:clrTo>
+            </a:clrChange>
+            <a:extLst>
+              <a:ext uri="{28A0092B-C50C-407E-A947-70E740481C1C}">
+                <a14:useLocalDpi xmlns:a14="http://schemas.microsoft.com/office/drawing/2010/main" val="0"/>
+              </a:ext>
+            </a:extLst>
+          </a:blip>
+          <a:stretch>
+            <a:fillRect/>
+          </a:stretch>
+        </p:blipFill>
+        <p:spPr>
+          <a:xfrm>
+            <a:off x="677334" y="2289801"/>
+            <a:ext cx="4572000" cy="3429000"/>
+          </a:xfrm>
+          <a:prstGeom prst="rect">
+            <a:avLst/>
+          </a:prstGeom>
+        </p:spPr>
+      </p:pic>
+    </p:spTree>
+    <p:extLst>
+      <p:ext uri="{BB962C8B-B14F-4D97-AF65-F5344CB8AC3E}">
+        <p14:creationId xmlns:p14="http://schemas.microsoft.com/office/powerpoint/2010/main" val="2961748678"/>
+      </p:ext>
+    </p:extLst>
+  </p:cSld>
+  <p:clrMapOvr>
+    <a:masterClrMapping/>
+  </p:clrMapOvr>
+</p:sld>
+</file>
+
+<file path=ppt/slides/slide15.xml><?xml version="1.0" encoding="utf-8"?>
+<p:sld xmlns:a="http://schemas.openxmlformats.org/drawingml/2006/main" xmlns:r="http://schemas.openxmlformats.org/officeDocument/2006/relationships" xmlns:p="http://schemas.openxmlformats.org/presentationml/2006/main">
+  <p:cSld>
+    <p:spTree>
+      <p:nvGrpSpPr>
+        <p:cNvPr id="1" name=""/>
+        <p:cNvGrpSpPr/>
+        <p:nvPr/>
+      </p:nvGrpSpPr>
+      <p:grpSpPr>
+        <a:xfrm>
+          <a:off x="0" y="0"/>
+          <a:ext cx="0" cy="0"/>
+          <a:chOff x="0" y="0"/>
+          <a:chExt cx="0" cy="0"/>
+        </a:xfrm>
+      </p:grpSpPr>
+      <p:sp>
+        <p:nvSpPr>
+          <p:cNvPr id="2" name="Title 1"/>
+          <p:cNvSpPr>
+            <a:spLocks noGrp="1"/>
+          </p:cNvSpPr>
+          <p:nvPr>
+            <p:ph type="title"/>
+          </p:nvPr>
+        </p:nvSpPr>
+        <p:spPr/>
+        <p:txBody>
+          <a:bodyPr/>
+          <a:lstStyle/>
+          <a:p>
+            <a:r>
               <a:rPr lang="en-US" altLang="zh-TW" dirty="0" smtClean="0"/>
               <a:t>Result - </a:t>
             </a:r>
@@ -6812,7 +6926,11 @@
             <a:pPr lvl="1"/>
             <a:r>
               <a:rPr lang="en-US" altLang="zh-TW" sz="2800" dirty="0" smtClean="0"/>
-              <a:t>0.98s by </a:t>
+              <a:t>0.031s </a:t>
+            </a:r>
+            <a:r>
+              <a:rPr lang="en-US" altLang="zh-TW" sz="2800" dirty="0" smtClean="0"/>
+              <a:t>by </a:t>
             </a:r>
             <a:r>
               <a:rPr lang="en-US" altLang="zh-TW" sz="2800" dirty="0" err="1" smtClean="0"/>
@@ -6866,7 +6984,7 @@
       </p:pic>
       <p:pic>
         <p:nvPicPr>
-          <p:cNvPr id="5" name="Picture 4"/>
+          <p:cNvPr id="6" name="Picture 5"/>
           <p:cNvPicPr>
             <a:picLocks noChangeAspect="1"/>
           </p:cNvPicPr>
@@ -6880,8 +6998,8 @@
         </p:blipFill>
         <p:spPr>
           <a:xfrm>
-            <a:off x="1325927" y="5981182"/>
-            <a:ext cx="5766042" cy="759866"/>
+            <a:off x="1223962" y="5746087"/>
+            <a:ext cx="6419773" cy="780443"/>
           </a:xfrm>
           <a:prstGeom prst="rect">
             <a:avLst/>
@@ -8720,30 +8838,6 @@
           </a:prstGeom>
         </p:spPr>
       </p:pic>
-      <p:sp>
-        <p:nvSpPr>
-          <p:cNvPr id="19" name="Content Placeholder 18"/>
-          <p:cNvSpPr>
-            <a:spLocks noGrp="1"/>
-          </p:cNvSpPr>
-          <p:nvPr>
-            <p:ph idx="1"/>
-          </p:nvPr>
-        </p:nvSpPr>
-        <p:spPr>
-          <a:xfrm>
-            <a:off x="653369" y="5969923"/>
-            <a:ext cx="8596668" cy="3880773"/>
-          </a:xfrm>
-        </p:spPr>
-        <p:txBody>
-          <a:bodyPr/>
-          <a:lstStyle/>
-          <a:p>
-            <a:endParaRPr lang="en-US" dirty="0"/>
-          </a:p>
-        </p:txBody>
-      </p:sp>
       <p:cxnSp>
         <p:nvCxnSpPr>
           <p:cNvPr id="21" name="Straight Arrow Connector 20"/>

--- a/PatchMatch.pptx
+++ b/PatchMatch.pptx
@@ -10,16 +10,17 @@
     <p:sldId id="258" r:id="rId4"/>
     <p:sldId id="260" r:id="rId5"/>
     <p:sldId id="262" r:id="rId6"/>
-    <p:sldId id="261" r:id="rId7"/>
-    <p:sldId id="266" r:id="rId8"/>
-    <p:sldId id="263" r:id="rId9"/>
-    <p:sldId id="264" r:id="rId10"/>
-    <p:sldId id="265" r:id="rId11"/>
-    <p:sldId id="270" r:id="rId12"/>
-    <p:sldId id="267" r:id="rId13"/>
-    <p:sldId id="268" r:id="rId14"/>
-    <p:sldId id="271" r:id="rId15"/>
-    <p:sldId id="269" r:id="rId16"/>
+    <p:sldId id="270" r:id="rId7"/>
+    <p:sldId id="261" r:id="rId8"/>
+    <p:sldId id="269" r:id="rId9"/>
+    <p:sldId id="266" r:id="rId10"/>
+    <p:sldId id="267" r:id="rId11"/>
+    <p:sldId id="268" r:id="rId12"/>
+    <p:sldId id="271" r:id="rId13"/>
+    <p:sldId id="263" r:id="rId14"/>
+    <p:sldId id="264" r:id="rId15"/>
+    <p:sldId id="265" r:id="rId16"/>
+    <p:sldId id="272" r:id="rId17"/>
   </p:sldIdLst>
   <p:sldSz cx="12192000" cy="6858000"/>
   <p:notesSz cx="6858000" cy="9144000"/>
@@ -5926,207 +5927,6 @@
           <a:chExt cx="0" cy="0"/>
         </a:xfrm>
       </p:grpSpPr>
-      <p:pic>
-        <p:nvPicPr>
-          <p:cNvPr id="5" name="Picture 4"/>
-          <p:cNvPicPr>
-            <a:picLocks noChangeAspect="1"/>
-          </p:cNvPicPr>
-          <p:nvPr/>
-        </p:nvPicPr>
-        <p:blipFill>
-          <a:blip r:embed="rId2"/>
-          <a:stretch>
-            <a:fillRect/>
-          </a:stretch>
-        </p:blipFill>
-        <p:spPr>
-          <a:xfrm>
-            <a:off x="1815478" y="934634"/>
-            <a:ext cx="6184900" cy="4737100"/>
-          </a:xfrm>
-          <a:prstGeom prst="rect">
-            <a:avLst/>
-          </a:prstGeom>
-        </p:spPr>
-      </p:pic>
-    </p:spTree>
-    <p:extLst>
-      <p:ext uri="{BB962C8B-B14F-4D97-AF65-F5344CB8AC3E}">
-        <p14:creationId xmlns:p14="http://schemas.microsoft.com/office/powerpoint/2010/main" val="1609509183"/>
-      </p:ext>
-    </p:extLst>
-  </p:cSld>
-  <p:clrMapOvr>
-    <a:masterClrMapping/>
-  </p:clrMapOvr>
-</p:sld>
-</file>
-
-<file path=ppt/slides/slide11.xml><?xml version="1.0" encoding="utf-8"?>
-<p:sld xmlns:a="http://schemas.openxmlformats.org/drawingml/2006/main" xmlns:r="http://schemas.openxmlformats.org/officeDocument/2006/relationships" xmlns:p="http://schemas.openxmlformats.org/presentationml/2006/main">
-  <p:cSld>
-    <p:spTree>
-      <p:nvGrpSpPr>
-        <p:cNvPr id="1" name=""/>
-        <p:cNvGrpSpPr/>
-        <p:nvPr/>
-      </p:nvGrpSpPr>
-      <p:grpSpPr>
-        <a:xfrm>
-          <a:off x="0" y="0"/>
-          <a:ext cx="0" cy="0"/>
-          <a:chOff x="0" y="0"/>
-          <a:chExt cx="0" cy="0"/>
-        </a:xfrm>
-      </p:grpSpPr>
-      <p:sp>
-        <p:nvSpPr>
-          <p:cNvPr id="2" name="Title 1"/>
-          <p:cNvSpPr>
-            <a:spLocks noGrp="1"/>
-          </p:cNvSpPr>
-          <p:nvPr>
-            <p:ph type="title"/>
-          </p:nvPr>
-        </p:nvSpPr>
-        <p:spPr/>
-        <p:txBody>
-          <a:bodyPr/>
-          <a:lstStyle/>
-          <a:p>
-            <a:r>
-              <a:rPr lang="en-US" altLang="zh-TW" dirty="0" smtClean="0"/>
-              <a:t>Result NNF</a:t>
-            </a:r>
-            <a:endParaRPr lang="en-US" dirty="0"/>
-          </a:p>
-        </p:txBody>
-      </p:sp>
-      <p:pic>
-        <p:nvPicPr>
-          <p:cNvPr id="5" name="Picture 4"/>
-          <p:cNvPicPr>
-            <a:picLocks noChangeAspect="1"/>
-          </p:cNvPicPr>
-          <p:nvPr/>
-        </p:nvPicPr>
-        <p:blipFill rotWithShape="1">
-          <a:blip r:embed="rId2">
-            <a:extLst>
-              <a:ext uri="{28A0092B-C50C-407E-A947-70E740481C1C}">
-                <a14:useLocalDpi xmlns:a14="http://schemas.microsoft.com/office/drawing/2010/main" val="0"/>
-              </a:ext>
-            </a:extLst>
-          </a:blip>
-          <a:srcRect l="29872" r="27472"/>
-          <a:stretch/>
-        </p:blipFill>
-        <p:spPr>
-          <a:xfrm>
-            <a:off x="3551161" y="1484653"/>
-            <a:ext cx="2617409" cy="4630305"/>
-          </a:xfrm>
-          <a:prstGeom prst="rect">
-            <a:avLst/>
-          </a:prstGeom>
-        </p:spPr>
-      </p:pic>
-      <p:pic>
-        <p:nvPicPr>
-          <p:cNvPr id="6" name="Picture 5"/>
-          <p:cNvPicPr>
-            <a:picLocks noChangeAspect="1"/>
-          </p:cNvPicPr>
-          <p:nvPr/>
-        </p:nvPicPr>
-        <p:blipFill rotWithShape="1">
-          <a:blip r:embed="rId3">
-            <a:extLst>
-              <a:ext uri="{28A0092B-C50C-407E-A947-70E740481C1C}">
-                <a14:useLocalDpi xmlns:a14="http://schemas.microsoft.com/office/drawing/2010/main" val="0"/>
-              </a:ext>
-            </a:extLst>
-          </a:blip>
-          <a:srcRect l="26659" r="24796"/>
-          <a:stretch/>
-        </p:blipFill>
-        <p:spPr>
-          <a:xfrm>
-            <a:off x="391886" y="1566207"/>
-            <a:ext cx="2873828" cy="4467198"/>
-          </a:xfrm>
-          <a:prstGeom prst="rect">
-            <a:avLst/>
-          </a:prstGeom>
-        </p:spPr>
-      </p:pic>
-      <p:sp>
-        <p:nvSpPr>
-          <p:cNvPr id="8" name="TextBox 7"/>
-          <p:cNvSpPr txBox="1"/>
-          <p:nvPr/>
-        </p:nvSpPr>
-        <p:spPr>
-          <a:xfrm>
-            <a:off x="6454017" y="2133601"/>
-            <a:ext cx="2965754" cy="830997"/>
-          </a:xfrm>
-          <a:prstGeom prst="rect">
-            <a:avLst/>
-          </a:prstGeom>
-          <a:noFill/>
-        </p:spPr>
-        <p:txBody>
-          <a:bodyPr wrap="square" rtlCol="0">
-            <a:spAutoFit/>
-          </a:bodyPr>
-          <a:lstStyle/>
-          <a:p>
-            <a:r>
-              <a:rPr lang="en-US" sz="2400" dirty="0" smtClean="0"/>
-              <a:t>Almost match!!!</a:t>
-            </a:r>
-          </a:p>
-          <a:p>
-            <a:r>
-              <a:rPr lang="en-US" sz="2400" dirty="0" smtClean="0"/>
-              <a:t>In 0.006 s</a:t>
-            </a:r>
-            <a:endParaRPr lang="en-US" sz="2400" dirty="0"/>
-          </a:p>
-        </p:txBody>
-      </p:sp>
-    </p:spTree>
-    <p:extLst>
-      <p:ext uri="{BB962C8B-B14F-4D97-AF65-F5344CB8AC3E}">
-        <p14:creationId xmlns:p14="http://schemas.microsoft.com/office/powerpoint/2010/main" val="3054703036"/>
-      </p:ext>
-    </p:extLst>
-  </p:cSld>
-  <p:clrMapOvr>
-    <a:masterClrMapping/>
-  </p:clrMapOvr>
-</p:sld>
-</file>
-
-<file path=ppt/slides/slide12.xml><?xml version="1.0" encoding="utf-8"?>
-<p:sld xmlns:a="http://schemas.openxmlformats.org/drawingml/2006/main" xmlns:r="http://schemas.openxmlformats.org/officeDocument/2006/relationships" xmlns:p="http://schemas.openxmlformats.org/presentationml/2006/main">
-  <p:cSld>
-    <p:spTree>
-      <p:nvGrpSpPr>
-        <p:cNvPr id="1" name=""/>
-        <p:cNvGrpSpPr/>
-        <p:nvPr/>
-      </p:nvGrpSpPr>
-      <p:grpSpPr>
-        <a:xfrm>
-          <a:off x="0" y="0"/>
-          <a:ext cx="0" cy="0"/>
-          <a:chOff x="0" y="0"/>
-          <a:chExt cx="0" cy="0"/>
-        </a:xfrm>
-      </p:grpSpPr>
       <p:sp>
         <p:nvSpPr>
           <p:cNvPr id="2" name="Title 1"/>
@@ -6253,7 +6053,7 @@
 </p:sld>
 </file>
 
-<file path=ppt/slides/slide13.xml><?xml version="1.0" encoding="utf-8"?>
+<file path=ppt/slides/slide11.xml><?xml version="1.0" encoding="utf-8"?>
 <p:sld xmlns:a="http://schemas.openxmlformats.org/drawingml/2006/main" xmlns:r="http://schemas.openxmlformats.org/officeDocument/2006/relationships" xmlns:p="http://schemas.openxmlformats.org/presentationml/2006/main">
   <p:cSld>
     <p:spTree>
@@ -6416,7 +6216,7 @@
 </p:sld>
 </file>
 
-<file path=ppt/slides/slide14.xml><?xml version="1.0" encoding="utf-8"?>
+<file path=ppt/slides/slide12.xml><?xml version="1.0" encoding="utf-8"?>
 <p:sld xmlns:a="http://schemas.openxmlformats.org/drawingml/2006/main" xmlns:r="http://schemas.openxmlformats.org/officeDocument/2006/relationships" xmlns:p="http://schemas.openxmlformats.org/presentationml/2006/main">
   <p:cSld>
     <p:spTree>
@@ -6572,6 +6372,882 @@
 </p:sld>
 </file>
 
+<file path=ppt/slides/slide13.xml><?xml version="1.0" encoding="utf-8"?>
+<p:sld xmlns:a="http://schemas.openxmlformats.org/drawingml/2006/main" xmlns:r="http://schemas.openxmlformats.org/officeDocument/2006/relationships" xmlns:p="http://schemas.openxmlformats.org/presentationml/2006/main">
+  <p:cSld>
+    <p:spTree>
+      <p:nvGrpSpPr>
+        <p:cNvPr id="1" name=""/>
+        <p:cNvGrpSpPr/>
+        <p:nvPr/>
+      </p:nvGrpSpPr>
+      <p:grpSpPr>
+        <a:xfrm>
+          <a:off x="0" y="0"/>
+          <a:ext cx="0" cy="0"/>
+          <a:chOff x="0" y="0"/>
+          <a:chExt cx="0" cy="0"/>
+        </a:xfrm>
+      </p:grpSpPr>
+      <p:sp>
+        <p:nvSpPr>
+          <p:cNvPr id="2" name="Title 1"/>
+          <p:cNvSpPr>
+            <a:spLocks noGrp="1"/>
+          </p:cNvSpPr>
+          <p:nvPr>
+            <p:ph type="title"/>
+          </p:nvPr>
+        </p:nvSpPr>
+        <p:spPr/>
+        <p:txBody>
+          <a:bodyPr/>
+          <a:lstStyle/>
+          <a:p>
+            <a:r>
+              <a:rPr lang="en-US" dirty="0" smtClean="0"/>
+              <a:t>retargeting</a:t>
+            </a:r>
+            <a:endParaRPr lang="en-US" dirty="0"/>
+          </a:p>
+        </p:txBody>
+      </p:sp>
+      <p:pic>
+        <p:nvPicPr>
+          <p:cNvPr id="15" name="Picture 14"/>
+          <p:cNvPicPr>
+            <a:picLocks noChangeAspect="1"/>
+          </p:cNvPicPr>
+          <p:nvPr/>
+        </p:nvPicPr>
+        <p:blipFill>
+          <a:blip r:embed="rId2"/>
+          <a:stretch>
+            <a:fillRect/>
+          </a:stretch>
+        </p:blipFill>
+        <p:spPr>
+          <a:xfrm>
+            <a:off x="956649" y="2402018"/>
+            <a:ext cx="3884204" cy="2913153"/>
+          </a:xfrm>
+          <a:prstGeom prst="rect">
+            <a:avLst/>
+          </a:prstGeom>
+        </p:spPr>
+      </p:pic>
+      <p:pic>
+        <p:nvPicPr>
+          <p:cNvPr id="18" name="Picture 17"/>
+          <p:cNvPicPr>
+            <a:picLocks noChangeAspect="1"/>
+          </p:cNvPicPr>
+          <p:nvPr/>
+        </p:nvPicPr>
+        <p:blipFill>
+          <a:blip r:embed="rId3"/>
+          <a:stretch>
+            <a:fillRect/>
+          </a:stretch>
+        </p:blipFill>
+        <p:spPr>
+          <a:xfrm>
+            <a:off x="7032836" y="3248038"/>
+            <a:ext cx="2226312" cy="1657892"/>
+          </a:xfrm>
+          <a:prstGeom prst="rect">
+            <a:avLst/>
+          </a:prstGeom>
+        </p:spPr>
+      </p:pic>
+      <p:cxnSp>
+        <p:nvCxnSpPr>
+          <p:cNvPr id="21" name="Straight Arrow Connector 20"/>
+          <p:cNvCxnSpPr/>
+          <p:nvPr/>
+        </p:nvCxnSpPr>
+        <p:spPr>
+          <a:xfrm>
+            <a:off x="5329941" y="4079680"/>
+            <a:ext cx="1173742" cy="0"/>
+          </a:xfrm>
+          <a:prstGeom prst="straightConnector1">
+            <a:avLst/>
+          </a:prstGeom>
+          <a:ln>
+            <a:tailEnd type="arrow"/>
+          </a:ln>
+        </p:spPr>
+        <p:style>
+          <a:lnRef idx="2">
+            <a:schemeClr val="accent1"/>
+          </a:lnRef>
+          <a:fillRef idx="0">
+            <a:schemeClr val="accent1"/>
+          </a:fillRef>
+          <a:effectRef idx="1">
+            <a:schemeClr val="accent1"/>
+          </a:effectRef>
+          <a:fontRef idx="minor">
+            <a:schemeClr val="tx1"/>
+          </a:fontRef>
+        </p:style>
+      </p:cxnSp>
+      <p:sp>
+        <p:nvSpPr>
+          <p:cNvPr id="22" name="Frame 21"/>
+          <p:cNvSpPr/>
+          <p:nvPr/>
+        </p:nvSpPr>
+        <p:spPr>
+          <a:xfrm>
+            <a:off x="4213925" y="3098247"/>
+            <a:ext cx="461799" cy="519582"/>
+          </a:xfrm>
+          <a:prstGeom prst="frame">
+            <a:avLst/>
+          </a:prstGeom>
+          <a:solidFill>
+            <a:srgbClr val="3366FF"/>
+          </a:solidFill>
+          <a:ln>
+            <a:solidFill>
+              <a:srgbClr val="3366FF"/>
+            </a:solidFill>
+          </a:ln>
+        </p:spPr>
+        <p:style>
+          <a:lnRef idx="1">
+            <a:schemeClr val="accent1"/>
+          </a:lnRef>
+          <a:fillRef idx="3">
+            <a:schemeClr val="accent1"/>
+          </a:fillRef>
+          <a:effectRef idx="2">
+            <a:schemeClr val="accent1"/>
+          </a:effectRef>
+          <a:fontRef idx="minor">
+            <a:schemeClr val="lt1"/>
+          </a:fontRef>
+        </p:style>
+        <p:txBody>
+          <a:bodyPr rtlCol="0" anchor="ctr"/>
+          <a:lstStyle/>
+          <a:p>
+            <a:pPr algn="ctr"/>
+            <a:endParaRPr lang="en-US">
+              <a:solidFill>
+                <a:schemeClr val="tx1"/>
+              </a:solidFill>
+            </a:endParaRPr>
+          </a:p>
+        </p:txBody>
+      </p:sp>
+      <p:sp>
+        <p:nvSpPr>
+          <p:cNvPr id="24" name="Frame 23"/>
+          <p:cNvSpPr/>
+          <p:nvPr/>
+        </p:nvSpPr>
+        <p:spPr>
+          <a:xfrm>
+            <a:off x="8637974" y="3462328"/>
+            <a:ext cx="461799" cy="519582"/>
+          </a:xfrm>
+          <a:prstGeom prst="frame">
+            <a:avLst/>
+          </a:prstGeom>
+          <a:solidFill>
+            <a:srgbClr val="3366FF"/>
+          </a:solidFill>
+          <a:ln>
+            <a:solidFill>
+              <a:srgbClr val="3366FF"/>
+            </a:solidFill>
+          </a:ln>
+        </p:spPr>
+        <p:style>
+          <a:lnRef idx="1">
+            <a:schemeClr val="accent1"/>
+          </a:lnRef>
+          <a:fillRef idx="3">
+            <a:schemeClr val="accent1"/>
+          </a:fillRef>
+          <a:effectRef idx="2">
+            <a:schemeClr val="accent1"/>
+          </a:effectRef>
+          <a:fontRef idx="minor">
+            <a:schemeClr val="lt1"/>
+          </a:fontRef>
+        </p:style>
+        <p:txBody>
+          <a:bodyPr rtlCol="0" anchor="ctr"/>
+          <a:lstStyle/>
+          <a:p>
+            <a:pPr algn="ctr"/>
+            <a:endParaRPr lang="en-US">
+              <a:solidFill>
+                <a:schemeClr val="tx1"/>
+              </a:solidFill>
+            </a:endParaRPr>
+          </a:p>
+        </p:txBody>
+      </p:sp>
+      <p:sp>
+        <p:nvSpPr>
+          <p:cNvPr id="25" name="Frame 24"/>
+          <p:cNvSpPr/>
+          <p:nvPr/>
+        </p:nvSpPr>
+        <p:spPr>
+          <a:xfrm>
+            <a:off x="2307466" y="4655442"/>
+            <a:ext cx="461799" cy="519582"/>
+          </a:xfrm>
+          <a:prstGeom prst="frame">
+            <a:avLst/>
+          </a:prstGeom>
+          <a:solidFill>
+            <a:srgbClr val="FFFF00"/>
+          </a:solidFill>
+          <a:ln>
+            <a:solidFill>
+              <a:srgbClr val="FFFF00"/>
+            </a:solidFill>
+          </a:ln>
+        </p:spPr>
+        <p:style>
+          <a:lnRef idx="1">
+            <a:schemeClr val="accent1"/>
+          </a:lnRef>
+          <a:fillRef idx="3">
+            <a:schemeClr val="accent1"/>
+          </a:fillRef>
+          <a:effectRef idx="2">
+            <a:schemeClr val="accent1"/>
+          </a:effectRef>
+          <a:fontRef idx="minor">
+            <a:schemeClr val="lt1"/>
+          </a:fontRef>
+        </p:style>
+        <p:txBody>
+          <a:bodyPr rtlCol="0" anchor="ctr"/>
+          <a:lstStyle/>
+          <a:p>
+            <a:pPr algn="ctr"/>
+            <a:endParaRPr lang="en-US">
+              <a:solidFill>
+                <a:schemeClr val="tx1"/>
+              </a:solidFill>
+            </a:endParaRPr>
+          </a:p>
+        </p:txBody>
+      </p:sp>
+      <p:sp>
+        <p:nvSpPr>
+          <p:cNvPr id="26" name="Frame 25"/>
+          <p:cNvSpPr/>
+          <p:nvPr/>
+        </p:nvSpPr>
+        <p:spPr>
+          <a:xfrm>
+            <a:off x="3171808" y="4269016"/>
+            <a:ext cx="461799" cy="519582"/>
+          </a:xfrm>
+          <a:prstGeom prst="frame">
+            <a:avLst/>
+          </a:prstGeom>
+          <a:solidFill>
+            <a:srgbClr val="FFFF00"/>
+          </a:solidFill>
+          <a:ln>
+            <a:solidFill>
+              <a:srgbClr val="FFFF00"/>
+            </a:solidFill>
+          </a:ln>
+        </p:spPr>
+        <p:style>
+          <a:lnRef idx="1">
+            <a:schemeClr val="accent1"/>
+          </a:lnRef>
+          <a:fillRef idx="3">
+            <a:schemeClr val="accent1"/>
+          </a:fillRef>
+          <a:effectRef idx="2">
+            <a:schemeClr val="accent1"/>
+          </a:effectRef>
+          <a:fontRef idx="minor">
+            <a:schemeClr val="lt1"/>
+          </a:fontRef>
+        </p:style>
+        <p:txBody>
+          <a:bodyPr rtlCol="0" anchor="ctr"/>
+          <a:lstStyle/>
+          <a:p>
+            <a:pPr algn="ctr"/>
+            <a:endParaRPr lang="en-US">
+              <a:solidFill>
+                <a:schemeClr val="tx1"/>
+              </a:solidFill>
+            </a:endParaRPr>
+          </a:p>
+        </p:txBody>
+      </p:sp>
+      <p:sp>
+        <p:nvSpPr>
+          <p:cNvPr id="27" name="Frame 26"/>
+          <p:cNvSpPr/>
+          <p:nvPr/>
+        </p:nvSpPr>
+        <p:spPr>
+          <a:xfrm>
+            <a:off x="7809049" y="4345992"/>
+            <a:ext cx="461799" cy="519582"/>
+          </a:xfrm>
+          <a:prstGeom prst="frame">
+            <a:avLst/>
+          </a:prstGeom>
+          <a:solidFill>
+            <a:srgbClr val="FFFF00"/>
+          </a:solidFill>
+          <a:ln>
+            <a:solidFill>
+              <a:srgbClr val="FFFF00"/>
+            </a:solidFill>
+          </a:ln>
+        </p:spPr>
+        <p:style>
+          <a:lnRef idx="1">
+            <a:schemeClr val="accent1"/>
+          </a:lnRef>
+          <a:fillRef idx="3">
+            <a:schemeClr val="accent1"/>
+          </a:fillRef>
+          <a:effectRef idx="2">
+            <a:schemeClr val="accent1"/>
+          </a:effectRef>
+          <a:fontRef idx="minor">
+            <a:schemeClr val="lt1"/>
+          </a:fontRef>
+        </p:style>
+        <p:txBody>
+          <a:bodyPr rtlCol="0" anchor="ctr"/>
+          <a:lstStyle/>
+          <a:p>
+            <a:pPr algn="ctr"/>
+            <a:endParaRPr lang="en-US">
+              <a:solidFill>
+                <a:schemeClr val="tx1"/>
+              </a:solidFill>
+            </a:endParaRPr>
+          </a:p>
+        </p:txBody>
+      </p:sp>
+      <p:cxnSp>
+        <p:nvCxnSpPr>
+          <p:cNvPr id="29" name="Straight Arrow Connector 28"/>
+          <p:cNvCxnSpPr/>
+          <p:nvPr/>
+        </p:nvCxnSpPr>
+        <p:spPr>
+          <a:xfrm flipV="1">
+            <a:off x="2847766" y="4714726"/>
+            <a:ext cx="4714208" cy="269411"/>
+          </a:xfrm>
+          <a:prstGeom prst="straightConnector1">
+            <a:avLst/>
+          </a:prstGeom>
+          <a:ln>
+            <a:solidFill>
+              <a:srgbClr val="FFFF00"/>
+            </a:solidFill>
+            <a:tailEnd type="arrow"/>
+          </a:ln>
+        </p:spPr>
+        <p:style>
+          <a:lnRef idx="2">
+            <a:schemeClr val="accent1"/>
+          </a:lnRef>
+          <a:fillRef idx="0">
+            <a:schemeClr val="accent1"/>
+          </a:fillRef>
+          <a:effectRef idx="1">
+            <a:schemeClr val="accent1"/>
+          </a:effectRef>
+          <a:fontRef idx="minor">
+            <a:schemeClr val="tx1"/>
+          </a:fontRef>
+        </p:style>
+      </p:cxnSp>
+      <p:cxnSp>
+        <p:nvCxnSpPr>
+          <p:cNvPr id="31" name="Straight Arrow Connector 30"/>
+          <p:cNvCxnSpPr/>
+          <p:nvPr/>
+        </p:nvCxnSpPr>
+        <p:spPr>
+          <a:xfrm flipV="1">
+            <a:off x="3654383" y="4503043"/>
+            <a:ext cx="3946075" cy="36937"/>
+          </a:xfrm>
+          <a:prstGeom prst="straightConnector1">
+            <a:avLst/>
+          </a:prstGeom>
+          <a:ln>
+            <a:solidFill>
+              <a:srgbClr val="FFFF00"/>
+            </a:solidFill>
+            <a:tailEnd type="arrow"/>
+          </a:ln>
+        </p:spPr>
+        <p:style>
+          <a:lnRef idx="2">
+            <a:schemeClr val="accent1"/>
+          </a:lnRef>
+          <a:fillRef idx="0">
+            <a:schemeClr val="accent1"/>
+          </a:fillRef>
+          <a:effectRef idx="1">
+            <a:schemeClr val="accent1"/>
+          </a:effectRef>
+          <a:fontRef idx="minor">
+            <a:schemeClr val="tx1"/>
+          </a:fontRef>
+        </p:style>
+      </p:cxnSp>
+      <p:cxnSp>
+        <p:nvCxnSpPr>
+          <p:cNvPr id="35" name="Straight Arrow Connector 34"/>
+          <p:cNvCxnSpPr/>
+          <p:nvPr/>
+        </p:nvCxnSpPr>
+        <p:spPr>
+          <a:xfrm>
+            <a:off x="4714208" y="3386904"/>
+            <a:ext cx="3771366" cy="269413"/>
+          </a:xfrm>
+          <a:prstGeom prst="straightConnector1">
+            <a:avLst/>
+          </a:prstGeom>
+          <a:ln>
+            <a:solidFill>
+              <a:srgbClr val="3366FF"/>
+            </a:solidFill>
+            <a:tailEnd type="arrow"/>
+          </a:ln>
+        </p:spPr>
+        <p:style>
+          <a:lnRef idx="2">
+            <a:schemeClr val="accent1"/>
+          </a:lnRef>
+          <a:fillRef idx="0">
+            <a:schemeClr val="accent1"/>
+          </a:fillRef>
+          <a:effectRef idx="1">
+            <a:schemeClr val="accent1"/>
+          </a:effectRef>
+          <a:fontRef idx="minor">
+            <a:schemeClr val="tx1"/>
+          </a:fontRef>
+        </p:style>
+      </p:cxnSp>
+    </p:spTree>
+    <p:extLst>
+      <p:ext uri="{BB962C8B-B14F-4D97-AF65-F5344CB8AC3E}">
+        <p14:creationId xmlns:p14="http://schemas.microsoft.com/office/powerpoint/2010/main" val="314311795"/>
+      </p:ext>
+    </p:extLst>
+  </p:cSld>
+  <p:clrMapOvr>
+    <a:masterClrMapping/>
+  </p:clrMapOvr>
+  <p:timing>
+    <p:tnLst>
+      <p:par>
+        <p:cTn id="1" dur="indefinite" restart="never" nodeType="tmRoot">
+          <p:childTnLst>
+            <p:seq concurrent="1" nextAc="seek">
+              <p:cTn id="2" dur="indefinite" nodeType="mainSeq">
+                <p:childTnLst>
+                  <p:par>
+                    <p:cTn id="3" fill="hold">
+                      <p:stCondLst>
+                        <p:cond delay="indefinite"/>
+                      </p:stCondLst>
+                      <p:childTnLst>
+                        <p:par>
+                          <p:cTn id="4" fill="hold">
+                            <p:stCondLst>
+                              <p:cond delay="0"/>
+                            </p:stCondLst>
+                            <p:childTnLst>
+                              <p:par>
+                                <p:cTn id="5" presetID="1" presetClass="entr" presetSubtype="0" fill="hold" grpId="0" nodeType="clickEffect">
+                                  <p:stCondLst>
+                                    <p:cond delay="0"/>
+                                  </p:stCondLst>
+                                  <p:childTnLst>
+                                    <p:set>
+                                      <p:cBhvr>
+                                        <p:cTn id="6" dur="1" fill="hold">
+                                          <p:stCondLst>
+                                            <p:cond delay="0"/>
+                                          </p:stCondLst>
+                                        </p:cTn>
+                                        <p:tgtEl>
+                                          <p:spTgt spid="24"/>
+                                        </p:tgtEl>
+                                        <p:attrNameLst>
+                                          <p:attrName>style.visibility</p:attrName>
+                                        </p:attrNameLst>
+                                      </p:cBhvr>
+                                      <p:to>
+                                        <p:strVal val="visible"/>
+                                      </p:to>
+                                    </p:set>
+                                  </p:childTnLst>
+                                </p:cTn>
+                              </p:par>
+                              <p:par>
+                                <p:cTn id="7" presetID="1" presetClass="entr" presetSubtype="0" fill="hold" nodeType="withEffect">
+                                  <p:stCondLst>
+                                    <p:cond delay="0"/>
+                                  </p:stCondLst>
+                                  <p:childTnLst>
+                                    <p:set>
+                                      <p:cBhvr>
+                                        <p:cTn id="8" dur="1" fill="hold">
+                                          <p:stCondLst>
+                                            <p:cond delay="0"/>
+                                          </p:stCondLst>
+                                        </p:cTn>
+                                        <p:tgtEl>
+                                          <p:spTgt spid="35"/>
+                                        </p:tgtEl>
+                                        <p:attrNameLst>
+                                          <p:attrName>style.visibility</p:attrName>
+                                        </p:attrNameLst>
+                                      </p:cBhvr>
+                                      <p:to>
+                                        <p:strVal val="visible"/>
+                                      </p:to>
+                                    </p:set>
+                                  </p:childTnLst>
+                                </p:cTn>
+                              </p:par>
+                              <p:par>
+                                <p:cTn id="9" presetID="1" presetClass="entr" presetSubtype="0" fill="hold" grpId="0" nodeType="withEffect">
+                                  <p:stCondLst>
+                                    <p:cond delay="0"/>
+                                  </p:stCondLst>
+                                  <p:childTnLst>
+                                    <p:set>
+                                      <p:cBhvr>
+                                        <p:cTn id="10" dur="1" fill="hold">
+                                          <p:stCondLst>
+                                            <p:cond delay="0"/>
+                                          </p:stCondLst>
+                                        </p:cTn>
+                                        <p:tgtEl>
+                                          <p:spTgt spid="22"/>
+                                        </p:tgtEl>
+                                        <p:attrNameLst>
+                                          <p:attrName>style.visibility</p:attrName>
+                                        </p:attrNameLst>
+                                      </p:cBhvr>
+                                      <p:to>
+                                        <p:strVal val="visible"/>
+                                      </p:to>
+                                    </p:set>
+                                  </p:childTnLst>
+                                </p:cTn>
+                              </p:par>
+                              <p:par>
+                                <p:cTn id="11" presetID="1" presetClass="entr" presetSubtype="0" fill="hold" nodeType="withEffect">
+                                  <p:stCondLst>
+                                    <p:cond delay="0"/>
+                                  </p:stCondLst>
+                                  <p:childTnLst>
+                                    <p:set>
+                                      <p:cBhvr>
+                                        <p:cTn id="12" dur="1" fill="hold">
+                                          <p:stCondLst>
+                                            <p:cond delay="0"/>
+                                          </p:stCondLst>
+                                        </p:cTn>
+                                        <p:tgtEl>
+                                          <p:spTgt spid="31"/>
+                                        </p:tgtEl>
+                                        <p:attrNameLst>
+                                          <p:attrName>style.visibility</p:attrName>
+                                        </p:attrNameLst>
+                                      </p:cBhvr>
+                                      <p:to>
+                                        <p:strVal val="visible"/>
+                                      </p:to>
+                                    </p:set>
+                                  </p:childTnLst>
+                                </p:cTn>
+                              </p:par>
+                              <p:par>
+                                <p:cTn id="13" presetID="1" presetClass="entr" presetSubtype="0" fill="hold" grpId="0" nodeType="withEffect">
+                                  <p:stCondLst>
+                                    <p:cond delay="0"/>
+                                  </p:stCondLst>
+                                  <p:childTnLst>
+                                    <p:set>
+                                      <p:cBhvr>
+                                        <p:cTn id="14" dur="1" fill="hold">
+                                          <p:stCondLst>
+                                            <p:cond delay="0"/>
+                                          </p:stCondLst>
+                                        </p:cTn>
+                                        <p:tgtEl>
+                                          <p:spTgt spid="26"/>
+                                        </p:tgtEl>
+                                        <p:attrNameLst>
+                                          <p:attrName>style.visibility</p:attrName>
+                                        </p:attrNameLst>
+                                      </p:cBhvr>
+                                      <p:to>
+                                        <p:strVal val="visible"/>
+                                      </p:to>
+                                    </p:set>
+                                  </p:childTnLst>
+                                </p:cTn>
+                              </p:par>
+                              <p:par>
+                                <p:cTn id="15" presetID="1" presetClass="entr" presetSubtype="0" fill="hold" nodeType="withEffect">
+                                  <p:stCondLst>
+                                    <p:cond delay="0"/>
+                                  </p:stCondLst>
+                                  <p:childTnLst>
+                                    <p:set>
+                                      <p:cBhvr>
+                                        <p:cTn id="16" dur="1" fill="hold">
+                                          <p:stCondLst>
+                                            <p:cond delay="0"/>
+                                          </p:stCondLst>
+                                        </p:cTn>
+                                        <p:tgtEl>
+                                          <p:spTgt spid="29"/>
+                                        </p:tgtEl>
+                                        <p:attrNameLst>
+                                          <p:attrName>style.visibility</p:attrName>
+                                        </p:attrNameLst>
+                                      </p:cBhvr>
+                                      <p:to>
+                                        <p:strVal val="visible"/>
+                                      </p:to>
+                                    </p:set>
+                                  </p:childTnLst>
+                                </p:cTn>
+                              </p:par>
+                              <p:par>
+                                <p:cTn id="17" presetID="1" presetClass="entr" presetSubtype="0" fill="hold" grpId="0" nodeType="withEffect">
+                                  <p:stCondLst>
+                                    <p:cond delay="0"/>
+                                  </p:stCondLst>
+                                  <p:childTnLst>
+                                    <p:set>
+                                      <p:cBhvr>
+                                        <p:cTn id="18" dur="1" fill="hold">
+                                          <p:stCondLst>
+                                            <p:cond delay="0"/>
+                                          </p:stCondLst>
+                                        </p:cTn>
+                                        <p:tgtEl>
+                                          <p:spTgt spid="25"/>
+                                        </p:tgtEl>
+                                        <p:attrNameLst>
+                                          <p:attrName>style.visibility</p:attrName>
+                                        </p:attrNameLst>
+                                      </p:cBhvr>
+                                      <p:to>
+                                        <p:strVal val="visible"/>
+                                      </p:to>
+                                    </p:set>
+                                  </p:childTnLst>
+                                </p:cTn>
+                              </p:par>
+                              <p:par>
+                                <p:cTn id="19" presetID="1" presetClass="entr" presetSubtype="0" fill="hold" grpId="0" nodeType="withEffect">
+                                  <p:stCondLst>
+                                    <p:cond delay="0"/>
+                                  </p:stCondLst>
+                                  <p:childTnLst>
+                                    <p:set>
+                                      <p:cBhvr>
+                                        <p:cTn id="20" dur="1" fill="hold">
+                                          <p:stCondLst>
+                                            <p:cond delay="0"/>
+                                          </p:stCondLst>
+                                        </p:cTn>
+                                        <p:tgtEl>
+                                          <p:spTgt spid="27"/>
+                                        </p:tgtEl>
+                                        <p:attrNameLst>
+                                          <p:attrName>style.visibility</p:attrName>
+                                        </p:attrNameLst>
+                                      </p:cBhvr>
+                                      <p:to>
+                                        <p:strVal val="visible"/>
+                                      </p:to>
+                                    </p:set>
+                                  </p:childTnLst>
+                                </p:cTn>
+                              </p:par>
+                            </p:childTnLst>
+                          </p:cTn>
+                        </p:par>
+                      </p:childTnLst>
+                    </p:cTn>
+                  </p:par>
+                </p:childTnLst>
+              </p:cTn>
+              <p:prevCondLst>
+                <p:cond evt="onPrev" delay="0">
+                  <p:tgtEl>
+                    <p:sldTgt/>
+                  </p:tgtEl>
+                </p:cond>
+              </p:prevCondLst>
+              <p:nextCondLst>
+                <p:cond evt="onNext" delay="0">
+                  <p:tgtEl>
+                    <p:sldTgt/>
+                  </p:tgtEl>
+                </p:cond>
+              </p:nextCondLst>
+            </p:seq>
+          </p:childTnLst>
+        </p:cTn>
+      </p:par>
+    </p:tnLst>
+    <p:bldLst>
+      <p:bldP spid="22" grpId="0" animBg="1"/>
+      <p:bldP spid="24" grpId="0" animBg="1"/>
+      <p:bldP spid="25" grpId="0" animBg="1"/>
+      <p:bldP spid="26" grpId="0" animBg="1"/>
+      <p:bldP spid="27" grpId="0" animBg="1"/>
+    </p:bldLst>
+  </p:timing>
+</p:sld>
+</file>
+
+<file path=ppt/slides/slide14.xml><?xml version="1.0" encoding="utf-8"?>
+<p:sld xmlns:a="http://schemas.openxmlformats.org/drawingml/2006/main" xmlns:r="http://schemas.openxmlformats.org/officeDocument/2006/relationships" xmlns:p="http://schemas.openxmlformats.org/presentationml/2006/main">
+  <p:cSld>
+    <p:spTree>
+      <p:nvGrpSpPr>
+        <p:cNvPr id="1" name=""/>
+        <p:cNvGrpSpPr/>
+        <p:nvPr/>
+      </p:nvGrpSpPr>
+      <p:grpSpPr>
+        <a:xfrm>
+          <a:off x="0" y="0"/>
+          <a:ext cx="0" cy="0"/>
+          <a:chOff x="0" y="0"/>
+          <a:chExt cx="0" cy="0"/>
+        </a:xfrm>
+      </p:grpSpPr>
+      <p:sp>
+        <p:nvSpPr>
+          <p:cNvPr id="2" name="Title 1"/>
+          <p:cNvSpPr>
+            <a:spLocks noGrp="1"/>
+          </p:cNvSpPr>
+          <p:nvPr>
+            <p:ph type="title"/>
+          </p:nvPr>
+        </p:nvSpPr>
+        <p:spPr/>
+        <p:txBody>
+          <a:bodyPr/>
+          <a:lstStyle/>
+          <a:p>
+            <a:r>
+              <a:rPr lang="en-US" dirty="0" smtClean="0"/>
+              <a:t>Bidirectional similarity</a:t>
+            </a:r>
+            <a:endParaRPr lang="en-US" dirty="0"/>
+          </a:p>
+        </p:txBody>
+      </p:sp>
+      <p:sp>
+        <p:nvSpPr>
+          <p:cNvPr id="3" name="Content Placeholder 2"/>
+          <p:cNvSpPr>
+            <a:spLocks noGrp="1"/>
+          </p:cNvSpPr>
+          <p:nvPr>
+            <p:ph idx="1"/>
+          </p:nvPr>
+        </p:nvSpPr>
+        <p:spPr/>
+        <p:txBody>
+          <a:bodyPr/>
+          <a:lstStyle/>
+          <a:p>
+            <a:r>
+              <a:rPr lang="en-US" dirty="0" smtClean="0"/>
+              <a:t>Use bidirectional similarity to find matching patch</a:t>
+            </a:r>
+          </a:p>
+          <a:p>
+            <a:r>
+              <a:rPr lang="en-US" dirty="0" smtClean="0"/>
+              <a:t>Use NNF to find maximal similarity (minimal distance)</a:t>
+            </a:r>
+            <a:endParaRPr lang="en-US" dirty="0"/>
+          </a:p>
+        </p:txBody>
+      </p:sp>
+      <p:pic>
+        <p:nvPicPr>
+          <p:cNvPr id="4" name="Picture 3"/>
+          <p:cNvPicPr>
+            <a:picLocks noChangeAspect="1"/>
+          </p:cNvPicPr>
+          <p:nvPr/>
+        </p:nvPicPr>
+        <p:blipFill>
+          <a:blip r:embed="rId2"/>
+          <a:stretch>
+            <a:fillRect/>
+          </a:stretch>
+        </p:blipFill>
+        <p:spPr>
+          <a:xfrm>
+            <a:off x="1479103" y="3575291"/>
+            <a:ext cx="6223000" cy="1231900"/>
+          </a:xfrm>
+          <a:prstGeom prst="rect">
+            <a:avLst/>
+          </a:prstGeom>
+        </p:spPr>
+      </p:pic>
+    </p:spTree>
+    <p:extLst>
+      <p:ext uri="{BB962C8B-B14F-4D97-AF65-F5344CB8AC3E}">
+        <p14:creationId xmlns:p14="http://schemas.microsoft.com/office/powerpoint/2010/main" val="4016517156"/>
+      </p:ext>
+    </p:extLst>
+  </p:cSld>
+  <p:clrMapOvr>
+    <a:masterClrMapping/>
+  </p:clrMapOvr>
+  <p:timing>
+    <p:tnLst>
+      <p:par>
+        <p:cTn id="1" dur="indefinite" restart="never" nodeType="tmRoot"/>
+      </p:par>
+    </p:tnLst>
+  </p:timing>
+</p:sld>
+</file>
+
 <file path=ppt/slides/slide15.xml><?xml version="1.0" encoding="utf-8"?>
 <p:sld xmlns:a="http://schemas.openxmlformats.org/drawingml/2006/main" xmlns:r="http://schemas.openxmlformats.org/officeDocument/2006/relationships" xmlns:p="http://schemas.openxmlformats.org/presentationml/2006/main">
   <p:cSld>
@@ -6589,6 +7265,60 @@
           <a:chExt cx="0" cy="0"/>
         </a:xfrm>
       </p:grpSpPr>
+      <p:pic>
+        <p:nvPicPr>
+          <p:cNvPr id="5" name="Picture 4"/>
+          <p:cNvPicPr>
+            <a:picLocks noChangeAspect="1"/>
+          </p:cNvPicPr>
+          <p:nvPr/>
+        </p:nvPicPr>
+        <p:blipFill>
+          <a:blip r:embed="rId2"/>
+          <a:stretch>
+            <a:fillRect/>
+          </a:stretch>
+        </p:blipFill>
+        <p:spPr>
+          <a:xfrm>
+            <a:off x="1815478" y="934634"/>
+            <a:ext cx="6184900" cy="4737100"/>
+          </a:xfrm>
+          <a:prstGeom prst="rect">
+            <a:avLst/>
+          </a:prstGeom>
+        </p:spPr>
+      </p:pic>
+    </p:spTree>
+    <p:extLst>
+      <p:ext uri="{BB962C8B-B14F-4D97-AF65-F5344CB8AC3E}">
+        <p14:creationId xmlns:p14="http://schemas.microsoft.com/office/powerpoint/2010/main" val="1609509183"/>
+      </p:ext>
+    </p:extLst>
+  </p:cSld>
+  <p:clrMapOvr>
+    <a:masterClrMapping/>
+  </p:clrMapOvr>
+</p:sld>
+</file>
+
+<file path=ppt/slides/slide16.xml><?xml version="1.0" encoding="utf-8"?>
+<p:sld xmlns:a="http://schemas.openxmlformats.org/drawingml/2006/main" xmlns:r="http://schemas.openxmlformats.org/officeDocument/2006/relationships" xmlns:p="http://schemas.openxmlformats.org/presentationml/2006/main">
+  <p:cSld>
+    <p:spTree>
+      <p:nvGrpSpPr>
+        <p:cNvPr id="1" name=""/>
+        <p:cNvGrpSpPr/>
+        <p:nvPr/>
+      </p:nvGrpSpPr>
+      <p:grpSpPr>
+        <a:xfrm>
+          <a:off x="0" y="0"/>
+          <a:ext cx="0" cy="0"/>
+          <a:chOff x="0" y="0"/>
+          <a:chExt cx="0" cy="0"/>
+        </a:xfrm>
+      </p:grpSpPr>
       <p:sp>
         <p:nvSpPr>
           <p:cNvPr id="2" name="Title 1"/>
@@ -6605,12 +7335,20 @@
           <a:lstStyle/>
           <a:p>
             <a:r>
+              <a:rPr lang="en-US" altLang="zh-TW" dirty="0"/>
+              <a:t>Result </a:t>
+            </a:r>
+            <a:r>
               <a:rPr lang="en-US" altLang="zh-TW" dirty="0" smtClean="0"/>
-              <a:t>Result - </a:t>
-            </a:r>
-            <a:r>
-              <a:rPr lang="en-US" altLang="zh-TW" dirty="0" err="1" smtClean="0"/>
-              <a:t>inpaint</a:t>
+              <a:t>-</a:t>
+            </a:r>
+            <a:r>
+              <a:rPr lang="zh-TW" altLang="en-US" dirty="0"/>
+              <a:t> </a:t>
+            </a:r>
+            <a:r>
+              <a:rPr lang="en-US" altLang="zh-TW" dirty="0" smtClean="0"/>
+              <a:t>Retarget</a:t>
             </a:r>
             <a:endParaRPr lang="en-US" dirty="0"/>
           </a:p>
@@ -6626,68 +7364,47 @@
             <p:ph idx="1"/>
           </p:nvPr>
         </p:nvPicPr>
-        <p:blipFill>
-          <a:blip r:embed="rId2" cstate="print">
+        <p:blipFill rotWithShape="1">
+          <a:blip r:embed="rId2">
             <a:extLst>
               <a:ext uri="{28A0092B-C50C-407E-A947-70E740481C1C}">
                 <a14:useLocalDpi xmlns:a14="http://schemas.microsoft.com/office/drawing/2010/main" val="0"/>
               </a:ext>
             </a:extLst>
           </a:blip>
-          <a:stretch>
-            <a:fillRect/>
-          </a:stretch>
+          <a:srcRect l="23703" t="6107" r="23844" b="4604"/>
+          <a:stretch/>
         </p:blipFill>
         <p:spPr>
           <a:xfrm>
-            <a:off x="506888" y="2240280"/>
-            <a:ext cx="4914925" cy="3331686"/>
+            <a:off x="124177" y="1419436"/>
+            <a:ext cx="3849512" cy="4944772"/>
           </a:xfrm>
         </p:spPr>
       </p:pic>
       <p:pic>
         <p:nvPicPr>
-          <p:cNvPr id="7" name="Picture 6"/>
+          <p:cNvPr id="5" name="Picture 4"/>
           <p:cNvPicPr>
             <a:picLocks noChangeAspect="1"/>
           </p:cNvPicPr>
           <p:nvPr/>
         </p:nvPicPr>
-        <p:blipFill>
-          <a:blip r:embed="rId3" cstate="print">
-            <a:clrChange>
-              <a:clrFrom>
-                <a:srgbClr val="000000"/>
-              </a:clrFrom>
-              <a:clrTo>
-                <a:srgbClr val="000000">
-                  <a:alpha val="0"/>
-                </a:srgbClr>
-              </a:clrTo>
-            </a:clrChange>
+        <p:blipFill rotWithShape="1">
+          <a:blip r:embed="rId3">
             <a:extLst>
-              <a:ext uri="{BEBA8EAE-BF5A-486C-A8C5-ECC9F3942E4B}">
-                <a14:imgProps xmlns:a14="http://schemas.microsoft.com/office/drawing/2010/main">
-                  <a14:imgLayer r:embed="rId4">
-                    <a14:imgEffect>
-                      <a14:brightnessContrast bright="-40000" contrast="-20000"/>
-                    </a14:imgEffect>
-                  </a14:imgLayer>
-                </a14:imgProps>
-              </a:ext>
               <a:ext uri="{28A0092B-C50C-407E-A947-70E740481C1C}">
                 <a14:useLocalDpi xmlns:a14="http://schemas.microsoft.com/office/drawing/2010/main" val="0"/>
               </a:ext>
             </a:extLst>
           </a:blip>
-          <a:stretch>
-            <a:fillRect/>
-          </a:stretch>
+          <a:srcRect l="26181" t="6731" r="25915" b="5385"/>
+          <a:stretch/>
         </p:blipFill>
         <p:spPr>
           <a:xfrm>
-            <a:off x="506888" y="2240280"/>
-            <a:ext cx="4916351" cy="3332653"/>
+            <a:off x="3973689" y="1270000"/>
+            <a:ext cx="3700203" cy="5122431"/>
           </a:xfrm>
           <a:prstGeom prst="rect">
             <a:avLst/>
@@ -6696,114 +7413,37 @@
       </p:pic>
       <p:pic>
         <p:nvPicPr>
-          <p:cNvPr id="8" name="Picture 7"/>
+          <p:cNvPr id="6" name="Picture 5"/>
           <p:cNvPicPr>
             <a:picLocks noChangeAspect="1"/>
           </p:cNvPicPr>
           <p:nvPr/>
         </p:nvPicPr>
-        <p:blipFill>
-          <a:blip r:embed="rId5">
+        <p:blipFill rotWithShape="1">
+          <a:blip r:embed="rId4">
             <a:extLst>
               <a:ext uri="{28A0092B-C50C-407E-A947-70E740481C1C}">
                 <a14:useLocalDpi xmlns:a14="http://schemas.microsoft.com/office/drawing/2010/main" val="0"/>
               </a:ext>
             </a:extLst>
           </a:blip>
-          <a:stretch>
-            <a:fillRect/>
-          </a:stretch>
+          <a:srcRect l="25926" t="6703" r="25904" b="401"/>
+          <a:stretch/>
         </p:blipFill>
         <p:spPr>
           <a:xfrm>
-            <a:off x="5773884" y="1869693"/>
-            <a:ext cx="5561773" cy="4196921"/>
+            <a:off x="7823201" y="1279806"/>
+            <a:ext cx="3589867" cy="5224031"/>
           </a:xfrm>
           <a:prstGeom prst="rect">
             <a:avLst/>
           </a:prstGeom>
         </p:spPr>
       </p:pic>
-      <p:sp>
-        <p:nvSpPr>
-          <p:cNvPr id="10" name="TextBox 9"/>
-          <p:cNvSpPr txBox="1"/>
-          <p:nvPr/>
-        </p:nvSpPr>
-        <p:spPr>
-          <a:xfrm>
-            <a:off x="6347114" y="5881948"/>
-            <a:ext cx="2207656" cy="369332"/>
-          </a:xfrm>
-          <a:prstGeom prst="rect">
-            <a:avLst/>
-          </a:prstGeom>
-          <a:noFill/>
-        </p:spPr>
-        <p:txBody>
-          <a:bodyPr wrap="none" rtlCol="0">
-            <a:spAutoFit/>
-          </a:bodyPr>
-          <a:lstStyle/>
-          <a:p>
-            <a:r>
-              <a:rPr lang="en-US" dirty="0" smtClean="0"/>
-              <a:t>Grass </a:t>
-            </a:r>
-            <a:r>
-              <a:rPr lang="zh-TW" altLang="en-US" dirty="0" smtClean="0"/>
-              <a:t>長上去了</a:t>
-            </a:r>
-            <a:r>
-              <a:rPr lang="en-US" altLang="zh-TW" dirty="0" smtClean="0"/>
-              <a:t>@_@</a:t>
-            </a:r>
-            <a:endParaRPr lang="en-US" dirty="0"/>
-          </a:p>
-        </p:txBody>
-      </p:sp>
-      <p:cxnSp>
-        <p:nvCxnSpPr>
-          <p:cNvPr id="14" name="Straight Arrow Connector 13"/>
-          <p:cNvCxnSpPr>
-            <a:stCxn id="10" idx="0"/>
-          </p:cNvCxnSpPr>
-          <p:nvPr/>
-        </p:nvCxnSpPr>
-        <p:spPr>
-          <a:xfrm flipH="1" flipV="1">
-            <a:off x="6850743" y="5007429"/>
-            <a:ext cx="600199" cy="874519"/>
-          </a:xfrm>
-          <a:prstGeom prst="straightConnector1">
-            <a:avLst/>
-          </a:prstGeom>
-          <a:ln w="28575">
-            <a:solidFill>
-              <a:schemeClr val="tx1"/>
-            </a:solidFill>
-            <a:tailEnd type="triangle"/>
-          </a:ln>
-        </p:spPr>
-        <p:style>
-          <a:lnRef idx="1">
-            <a:schemeClr val="accent1"/>
-          </a:lnRef>
-          <a:fillRef idx="0">
-            <a:schemeClr val="accent1"/>
-          </a:fillRef>
-          <a:effectRef idx="0">
-            <a:schemeClr val="accent1"/>
-          </a:effectRef>
-          <a:fontRef idx="minor">
-            <a:schemeClr val="tx1"/>
-          </a:fontRef>
-        </p:style>
-      </p:cxnSp>
     </p:spTree>
     <p:extLst>
       <p:ext uri="{BB962C8B-B14F-4D97-AF65-F5344CB8AC3E}">
-        <p14:creationId xmlns:p14="http://schemas.microsoft.com/office/powerpoint/2010/main" val="1735053307"/>
+        <p14:creationId xmlns:p14="http://schemas.microsoft.com/office/powerpoint/2010/main" val="4282942572"/>
       </p:ext>
     </p:extLst>
   </p:cSld>
@@ -6926,11 +7566,7 @@
             <a:pPr lvl="1"/>
             <a:r>
               <a:rPr lang="en-US" altLang="zh-TW" sz="2800" dirty="0" smtClean="0"/>
-              <a:t>0.031s </a:t>
-            </a:r>
-            <a:r>
-              <a:rPr lang="en-US" altLang="zh-TW" sz="2800" dirty="0" smtClean="0"/>
-              <a:t>by </a:t>
+              <a:t>0.031s by </a:t>
             </a:r>
             <a:r>
               <a:rPr lang="en-US" altLang="zh-TW" sz="2800" dirty="0" err="1" smtClean="0"/>
@@ -7618,6 +8254,153 @@
 </file>
 
 <file path=ppt/slides/slide6.xml><?xml version="1.0" encoding="utf-8"?>
+<p:sld xmlns:a="http://schemas.openxmlformats.org/drawingml/2006/main" xmlns:r="http://schemas.openxmlformats.org/officeDocument/2006/relationships" xmlns:p="http://schemas.openxmlformats.org/presentationml/2006/main">
+  <p:cSld>
+    <p:spTree>
+      <p:nvGrpSpPr>
+        <p:cNvPr id="1" name=""/>
+        <p:cNvGrpSpPr/>
+        <p:nvPr/>
+      </p:nvGrpSpPr>
+      <p:grpSpPr>
+        <a:xfrm>
+          <a:off x="0" y="0"/>
+          <a:ext cx="0" cy="0"/>
+          <a:chOff x="0" y="0"/>
+          <a:chExt cx="0" cy="0"/>
+        </a:xfrm>
+      </p:grpSpPr>
+      <p:sp>
+        <p:nvSpPr>
+          <p:cNvPr id="2" name="Title 1"/>
+          <p:cNvSpPr>
+            <a:spLocks noGrp="1"/>
+          </p:cNvSpPr>
+          <p:nvPr>
+            <p:ph type="title"/>
+          </p:nvPr>
+        </p:nvSpPr>
+        <p:spPr/>
+        <p:txBody>
+          <a:bodyPr/>
+          <a:lstStyle/>
+          <a:p>
+            <a:r>
+              <a:rPr lang="en-US" altLang="zh-TW" dirty="0" smtClean="0"/>
+              <a:t>Result NNF</a:t>
+            </a:r>
+            <a:endParaRPr lang="en-US" dirty="0"/>
+          </a:p>
+        </p:txBody>
+      </p:sp>
+      <p:pic>
+        <p:nvPicPr>
+          <p:cNvPr id="5" name="Picture 4"/>
+          <p:cNvPicPr>
+            <a:picLocks noChangeAspect="1"/>
+          </p:cNvPicPr>
+          <p:nvPr/>
+        </p:nvPicPr>
+        <p:blipFill rotWithShape="1">
+          <a:blip r:embed="rId2">
+            <a:extLst>
+              <a:ext uri="{28A0092B-C50C-407E-A947-70E740481C1C}">
+                <a14:useLocalDpi xmlns:a14="http://schemas.microsoft.com/office/drawing/2010/main" val="0"/>
+              </a:ext>
+            </a:extLst>
+          </a:blip>
+          <a:srcRect l="29872" r="27472"/>
+          <a:stretch/>
+        </p:blipFill>
+        <p:spPr>
+          <a:xfrm>
+            <a:off x="3551161" y="1484653"/>
+            <a:ext cx="2617409" cy="4630305"/>
+          </a:xfrm>
+          <a:prstGeom prst="rect">
+            <a:avLst/>
+          </a:prstGeom>
+        </p:spPr>
+      </p:pic>
+      <p:pic>
+        <p:nvPicPr>
+          <p:cNvPr id="6" name="Picture 5"/>
+          <p:cNvPicPr>
+            <a:picLocks noChangeAspect="1"/>
+          </p:cNvPicPr>
+          <p:nvPr/>
+        </p:nvPicPr>
+        <p:blipFill rotWithShape="1">
+          <a:blip r:embed="rId3">
+            <a:extLst>
+              <a:ext uri="{28A0092B-C50C-407E-A947-70E740481C1C}">
+                <a14:useLocalDpi xmlns:a14="http://schemas.microsoft.com/office/drawing/2010/main" val="0"/>
+              </a:ext>
+            </a:extLst>
+          </a:blip>
+          <a:srcRect l="26659" r="24796"/>
+          <a:stretch/>
+        </p:blipFill>
+        <p:spPr>
+          <a:xfrm>
+            <a:off x="391886" y="1566207"/>
+            <a:ext cx="2873828" cy="4467198"/>
+          </a:xfrm>
+          <a:prstGeom prst="rect">
+            <a:avLst/>
+          </a:prstGeom>
+        </p:spPr>
+      </p:pic>
+      <p:sp>
+        <p:nvSpPr>
+          <p:cNvPr id="8" name="TextBox 7"/>
+          <p:cNvSpPr txBox="1"/>
+          <p:nvPr/>
+        </p:nvSpPr>
+        <p:spPr>
+          <a:xfrm>
+            <a:off x="6454017" y="2133601"/>
+            <a:ext cx="2965754" cy="830997"/>
+          </a:xfrm>
+          <a:prstGeom prst="rect">
+            <a:avLst/>
+          </a:prstGeom>
+          <a:noFill/>
+        </p:spPr>
+        <p:txBody>
+          <a:bodyPr wrap="square" rtlCol="0">
+            <a:spAutoFit/>
+          </a:bodyPr>
+          <a:lstStyle/>
+          <a:p>
+            <a:r>
+              <a:rPr lang="en-US" sz="2400" dirty="0" smtClean="0"/>
+              <a:t>Almost match!!!</a:t>
+            </a:r>
+          </a:p>
+          <a:p>
+            <a:r>
+              <a:rPr lang="en-US" sz="2400" dirty="0" smtClean="0"/>
+              <a:t>In 0.006 s</a:t>
+            </a:r>
+            <a:endParaRPr lang="en-US" sz="2400" dirty="0"/>
+          </a:p>
+        </p:txBody>
+      </p:sp>
+    </p:spTree>
+    <p:extLst>
+      <p:ext uri="{BB962C8B-B14F-4D97-AF65-F5344CB8AC3E}">
+        <p14:creationId xmlns:p14="http://schemas.microsoft.com/office/powerpoint/2010/main" val="3054703036"/>
+      </p:ext>
+    </p:extLst>
+  </p:cSld>
+  <p:clrMapOvr>
+    <a:masterClrMapping/>
+  </p:clrMapOvr>
+</p:sld>
+</file>
+
+<file path=ppt/slides/slide7.xml><?xml version="1.0" encoding="utf-8"?>
 <p:sld xmlns:a="http://schemas.openxmlformats.org/drawingml/2006/main" xmlns:r="http://schemas.openxmlformats.org/officeDocument/2006/relationships" xmlns:p="http://schemas.openxmlformats.org/presentationml/2006/main">
   <p:cSld>
     <p:spTree>
@@ -8138,7 +8921,248 @@
 </p:sld>
 </file>
 
-<file path=ppt/slides/slide7.xml><?xml version="1.0" encoding="utf-8"?>
+<file path=ppt/slides/slide8.xml><?xml version="1.0" encoding="utf-8"?>
+<p:sld xmlns:a="http://schemas.openxmlformats.org/drawingml/2006/main" xmlns:r="http://schemas.openxmlformats.org/officeDocument/2006/relationships" xmlns:p="http://schemas.openxmlformats.org/presentationml/2006/main">
+  <p:cSld>
+    <p:spTree>
+      <p:nvGrpSpPr>
+        <p:cNvPr id="1" name=""/>
+        <p:cNvGrpSpPr/>
+        <p:nvPr/>
+      </p:nvGrpSpPr>
+      <p:grpSpPr>
+        <a:xfrm>
+          <a:off x="0" y="0"/>
+          <a:ext cx="0" cy="0"/>
+          <a:chOff x="0" y="0"/>
+          <a:chExt cx="0" cy="0"/>
+        </a:xfrm>
+      </p:grpSpPr>
+      <p:sp>
+        <p:nvSpPr>
+          <p:cNvPr id="2" name="Title 1"/>
+          <p:cNvSpPr>
+            <a:spLocks noGrp="1"/>
+          </p:cNvSpPr>
+          <p:nvPr>
+            <p:ph type="title"/>
+          </p:nvPr>
+        </p:nvSpPr>
+        <p:spPr/>
+        <p:txBody>
+          <a:bodyPr/>
+          <a:lstStyle/>
+          <a:p>
+            <a:r>
+              <a:rPr lang="en-US" altLang="zh-TW" dirty="0" smtClean="0"/>
+              <a:t>Result - </a:t>
+            </a:r>
+            <a:r>
+              <a:rPr lang="en-US" altLang="zh-TW" dirty="0" err="1" smtClean="0"/>
+              <a:t>inpaint</a:t>
+            </a:r>
+            <a:endParaRPr lang="en-US" dirty="0"/>
+          </a:p>
+        </p:txBody>
+      </p:sp>
+      <p:pic>
+        <p:nvPicPr>
+          <p:cNvPr id="4" name="Content Placeholder 3"/>
+          <p:cNvPicPr>
+            <a:picLocks noGrp="1" noChangeAspect="1"/>
+          </p:cNvPicPr>
+          <p:nvPr>
+            <p:ph idx="1"/>
+          </p:nvPr>
+        </p:nvPicPr>
+        <p:blipFill>
+          <a:blip r:embed="rId2" cstate="print">
+            <a:extLst>
+              <a:ext uri="{28A0092B-C50C-407E-A947-70E740481C1C}">
+                <a14:useLocalDpi xmlns:a14="http://schemas.microsoft.com/office/drawing/2010/main" val="0"/>
+              </a:ext>
+            </a:extLst>
+          </a:blip>
+          <a:stretch>
+            <a:fillRect/>
+          </a:stretch>
+        </p:blipFill>
+        <p:spPr>
+          <a:xfrm>
+            <a:off x="506888" y="2240280"/>
+            <a:ext cx="4914925" cy="3331686"/>
+          </a:xfrm>
+        </p:spPr>
+      </p:pic>
+      <p:pic>
+        <p:nvPicPr>
+          <p:cNvPr id="7" name="Picture 6"/>
+          <p:cNvPicPr>
+            <a:picLocks noChangeAspect="1"/>
+          </p:cNvPicPr>
+          <p:nvPr/>
+        </p:nvPicPr>
+        <p:blipFill>
+          <a:blip r:embed="rId3" cstate="print">
+            <a:clrChange>
+              <a:clrFrom>
+                <a:srgbClr val="000000"/>
+              </a:clrFrom>
+              <a:clrTo>
+                <a:srgbClr val="000000">
+                  <a:alpha val="0"/>
+                </a:srgbClr>
+              </a:clrTo>
+            </a:clrChange>
+            <a:extLst>
+              <a:ext uri="{BEBA8EAE-BF5A-486C-A8C5-ECC9F3942E4B}">
+                <a14:imgProps xmlns:a14="http://schemas.microsoft.com/office/drawing/2010/main">
+                  <a14:imgLayer r:embed="rId4">
+                    <a14:imgEffect>
+                      <a14:brightnessContrast bright="-40000" contrast="-20000"/>
+                    </a14:imgEffect>
+                  </a14:imgLayer>
+                </a14:imgProps>
+              </a:ext>
+              <a:ext uri="{28A0092B-C50C-407E-A947-70E740481C1C}">
+                <a14:useLocalDpi xmlns:a14="http://schemas.microsoft.com/office/drawing/2010/main" val="0"/>
+              </a:ext>
+            </a:extLst>
+          </a:blip>
+          <a:stretch>
+            <a:fillRect/>
+          </a:stretch>
+        </p:blipFill>
+        <p:spPr>
+          <a:xfrm>
+            <a:off x="506888" y="2240280"/>
+            <a:ext cx="4916351" cy="3332653"/>
+          </a:xfrm>
+          <a:prstGeom prst="rect">
+            <a:avLst/>
+          </a:prstGeom>
+        </p:spPr>
+      </p:pic>
+      <p:pic>
+        <p:nvPicPr>
+          <p:cNvPr id="8" name="Picture 7"/>
+          <p:cNvPicPr>
+            <a:picLocks noChangeAspect="1"/>
+          </p:cNvPicPr>
+          <p:nvPr/>
+        </p:nvPicPr>
+        <p:blipFill>
+          <a:blip r:embed="rId5">
+            <a:extLst>
+              <a:ext uri="{28A0092B-C50C-407E-A947-70E740481C1C}">
+                <a14:useLocalDpi xmlns:a14="http://schemas.microsoft.com/office/drawing/2010/main" val="0"/>
+              </a:ext>
+            </a:extLst>
+          </a:blip>
+          <a:stretch>
+            <a:fillRect/>
+          </a:stretch>
+        </p:blipFill>
+        <p:spPr>
+          <a:xfrm>
+            <a:off x="5773884" y="1869693"/>
+            <a:ext cx="5561773" cy="4196921"/>
+          </a:xfrm>
+          <a:prstGeom prst="rect">
+            <a:avLst/>
+          </a:prstGeom>
+        </p:spPr>
+      </p:pic>
+      <p:sp>
+        <p:nvSpPr>
+          <p:cNvPr id="10" name="TextBox 9"/>
+          <p:cNvSpPr txBox="1"/>
+          <p:nvPr/>
+        </p:nvSpPr>
+        <p:spPr>
+          <a:xfrm>
+            <a:off x="6347114" y="5881948"/>
+            <a:ext cx="2207656" cy="369332"/>
+          </a:xfrm>
+          <a:prstGeom prst="rect">
+            <a:avLst/>
+          </a:prstGeom>
+          <a:noFill/>
+        </p:spPr>
+        <p:txBody>
+          <a:bodyPr wrap="none" rtlCol="0">
+            <a:spAutoFit/>
+          </a:bodyPr>
+          <a:lstStyle/>
+          <a:p>
+            <a:r>
+              <a:rPr lang="en-US" dirty="0" smtClean="0"/>
+              <a:t>Grass </a:t>
+            </a:r>
+            <a:r>
+              <a:rPr lang="zh-TW" altLang="en-US" dirty="0" smtClean="0"/>
+              <a:t>長上去了</a:t>
+            </a:r>
+            <a:r>
+              <a:rPr lang="en-US" altLang="zh-TW" dirty="0" smtClean="0"/>
+              <a:t>@_@</a:t>
+            </a:r>
+            <a:endParaRPr lang="en-US" dirty="0"/>
+          </a:p>
+        </p:txBody>
+      </p:sp>
+      <p:cxnSp>
+        <p:nvCxnSpPr>
+          <p:cNvPr id="14" name="Straight Arrow Connector 13"/>
+          <p:cNvCxnSpPr>
+            <a:stCxn id="10" idx="0"/>
+          </p:cNvCxnSpPr>
+          <p:nvPr/>
+        </p:nvCxnSpPr>
+        <p:spPr>
+          <a:xfrm flipH="1" flipV="1">
+            <a:off x="6850743" y="5007429"/>
+            <a:ext cx="600199" cy="874519"/>
+          </a:xfrm>
+          <a:prstGeom prst="straightConnector1">
+            <a:avLst/>
+          </a:prstGeom>
+          <a:ln w="28575">
+            <a:solidFill>
+              <a:schemeClr val="tx1"/>
+            </a:solidFill>
+            <a:tailEnd type="triangle"/>
+          </a:ln>
+        </p:spPr>
+        <p:style>
+          <a:lnRef idx="1">
+            <a:schemeClr val="accent1"/>
+          </a:lnRef>
+          <a:fillRef idx="0">
+            <a:schemeClr val="accent1"/>
+          </a:fillRef>
+          <a:effectRef idx="0">
+            <a:schemeClr val="accent1"/>
+          </a:effectRef>
+          <a:fontRef idx="minor">
+            <a:schemeClr val="tx1"/>
+          </a:fontRef>
+        </p:style>
+      </p:cxnSp>
+    </p:spTree>
+    <p:extLst>
+      <p:ext uri="{BB962C8B-B14F-4D97-AF65-F5344CB8AC3E}">
+        <p14:creationId xmlns:p14="http://schemas.microsoft.com/office/powerpoint/2010/main" val="1735053307"/>
+      </p:ext>
+    </p:extLst>
+  </p:cSld>
+  <p:clrMapOvr>
+    <a:masterClrMapping/>
+  </p:clrMapOvr>
+</p:sld>
+</file>
+
+<file path=ppt/slides/slide9.xml><?xml version="1.0" encoding="utf-8"?>
 <p:sld xmlns:a="http://schemas.openxmlformats.org/drawingml/2006/main" xmlns:r="http://schemas.openxmlformats.org/officeDocument/2006/relationships" xmlns:p="http://schemas.openxmlformats.org/presentationml/2006/main">
   <p:cSld>
     <p:spTree>
@@ -8750,882 +9774,6 @@
 </p:sld>
 </file>
 
-<file path=ppt/slides/slide8.xml><?xml version="1.0" encoding="utf-8"?>
-<p:sld xmlns:a="http://schemas.openxmlformats.org/drawingml/2006/main" xmlns:r="http://schemas.openxmlformats.org/officeDocument/2006/relationships" xmlns:p="http://schemas.openxmlformats.org/presentationml/2006/main">
-  <p:cSld>
-    <p:spTree>
-      <p:nvGrpSpPr>
-        <p:cNvPr id="1" name=""/>
-        <p:cNvGrpSpPr/>
-        <p:nvPr/>
-      </p:nvGrpSpPr>
-      <p:grpSpPr>
-        <a:xfrm>
-          <a:off x="0" y="0"/>
-          <a:ext cx="0" cy="0"/>
-          <a:chOff x="0" y="0"/>
-          <a:chExt cx="0" cy="0"/>
-        </a:xfrm>
-      </p:grpSpPr>
-      <p:sp>
-        <p:nvSpPr>
-          <p:cNvPr id="2" name="Title 1"/>
-          <p:cNvSpPr>
-            <a:spLocks noGrp="1"/>
-          </p:cNvSpPr>
-          <p:nvPr>
-            <p:ph type="title"/>
-          </p:nvPr>
-        </p:nvSpPr>
-        <p:spPr/>
-        <p:txBody>
-          <a:bodyPr/>
-          <a:lstStyle/>
-          <a:p>
-            <a:r>
-              <a:rPr lang="en-US" dirty="0" smtClean="0"/>
-              <a:t>retargeting</a:t>
-            </a:r>
-            <a:endParaRPr lang="en-US" dirty="0"/>
-          </a:p>
-        </p:txBody>
-      </p:sp>
-      <p:pic>
-        <p:nvPicPr>
-          <p:cNvPr id="15" name="Picture 14"/>
-          <p:cNvPicPr>
-            <a:picLocks noChangeAspect="1"/>
-          </p:cNvPicPr>
-          <p:nvPr/>
-        </p:nvPicPr>
-        <p:blipFill>
-          <a:blip r:embed="rId2"/>
-          <a:stretch>
-            <a:fillRect/>
-          </a:stretch>
-        </p:blipFill>
-        <p:spPr>
-          <a:xfrm>
-            <a:off x="956649" y="2402018"/>
-            <a:ext cx="3884204" cy="2913153"/>
-          </a:xfrm>
-          <a:prstGeom prst="rect">
-            <a:avLst/>
-          </a:prstGeom>
-        </p:spPr>
-      </p:pic>
-      <p:pic>
-        <p:nvPicPr>
-          <p:cNvPr id="18" name="Picture 17"/>
-          <p:cNvPicPr>
-            <a:picLocks noChangeAspect="1"/>
-          </p:cNvPicPr>
-          <p:nvPr/>
-        </p:nvPicPr>
-        <p:blipFill>
-          <a:blip r:embed="rId3"/>
-          <a:stretch>
-            <a:fillRect/>
-          </a:stretch>
-        </p:blipFill>
-        <p:spPr>
-          <a:xfrm>
-            <a:off x="7032836" y="3248038"/>
-            <a:ext cx="2226312" cy="1657892"/>
-          </a:xfrm>
-          <a:prstGeom prst="rect">
-            <a:avLst/>
-          </a:prstGeom>
-        </p:spPr>
-      </p:pic>
-      <p:cxnSp>
-        <p:nvCxnSpPr>
-          <p:cNvPr id="21" name="Straight Arrow Connector 20"/>
-          <p:cNvCxnSpPr/>
-          <p:nvPr/>
-        </p:nvCxnSpPr>
-        <p:spPr>
-          <a:xfrm>
-            <a:off x="5329941" y="4079680"/>
-            <a:ext cx="1173742" cy="0"/>
-          </a:xfrm>
-          <a:prstGeom prst="straightConnector1">
-            <a:avLst/>
-          </a:prstGeom>
-          <a:ln>
-            <a:tailEnd type="arrow"/>
-          </a:ln>
-        </p:spPr>
-        <p:style>
-          <a:lnRef idx="2">
-            <a:schemeClr val="accent1"/>
-          </a:lnRef>
-          <a:fillRef idx="0">
-            <a:schemeClr val="accent1"/>
-          </a:fillRef>
-          <a:effectRef idx="1">
-            <a:schemeClr val="accent1"/>
-          </a:effectRef>
-          <a:fontRef idx="minor">
-            <a:schemeClr val="tx1"/>
-          </a:fontRef>
-        </p:style>
-      </p:cxnSp>
-      <p:sp>
-        <p:nvSpPr>
-          <p:cNvPr id="22" name="Frame 21"/>
-          <p:cNvSpPr/>
-          <p:nvPr/>
-        </p:nvSpPr>
-        <p:spPr>
-          <a:xfrm>
-            <a:off x="4213925" y="3098247"/>
-            <a:ext cx="461799" cy="519582"/>
-          </a:xfrm>
-          <a:prstGeom prst="frame">
-            <a:avLst/>
-          </a:prstGeom>
-          <a:solidFill>
-            <a:srgbClr val="3366FF"/>
-          </a:solidFill>
-          <a:ln>
-            <a:solidFill>
-              <a:srgbClr val="3366FF"/>
-            </a:solidFill>
-          </a:ln>
-        </p:spPr>
-        <p:style>
-          <a:lnRef idx="1">
-            <a:schemeClr val="accent1"/>
-          </a:lnRef>
-          <a:fillRef idx="3">
-            <a:schemeClr val="accent1"/>
-          </a:fillRef>
-          <a:effectRef idx="2">
-            <a:schemeClr val="accent1"/>
-          </a:effectRef>
-          <a:fontRef idx="minor">
-            <a:schemeClr val="lt1"/>
-          </a:fontRef>
-        </p:style>
-        <p:txBody>
-          <a:bodyPr rtlCol="0" anchor="ctr"/>
-          <a:lstStyle/>
-          <a:p>
-            <a:pPr algn="ctr"/>
-            <a:endParaRPr lang="en-US">
-              <a:solidFill>
-                <a:schemeClr val="tx1"/>
-              </a:solidFill>
-            </a:endParaRPr>
-          </a:p>
-        </p:txBody>
-      </p:sp>
-      <p:sp>
-        <p:nvSpPr>
-          <p:cNvPr id="24" name="Frame 23"/>
-          <p:cNvSpPr/>
-          <p:nvPr/>
-        </p:nvSpPr>
-        <p:spPr>
-          <a:xfrm>
-            <a:off x="8637974" y="3462328"/>
-            <a:ext cx="461799" cy="519582"/>
-          </a:xfrm>
-          <a:prstGeom prst="frame">
-            <a:avLst/>
-          </a:prstGeom>
-          <a:solidFill>
-            <a:srgbClr val="3366FF"/>
-          </a:solidFill>
-          <a:ln>
-            <a:solidFill>
-              <a:srgbClr val="3366FF"/>
-            </a:solidFill>
-          </a:ln>
-        </p:spPr>
-        <p:style>
-          <a:lnRef idx="1">
-            <a:schemeClr val="accent1"/>
-          </a:lnRef>
-          <a:fillRef idx="3">
-            <a:schemeClr val="accent1"/>
-          </a:fillRef>
-          <a:effectRef idx="2">
-            <a:schemeClr val="accent1"/>
-          </a:effectRef>
-          <a:fontRef idx="minor">
-            <a:schemeClr val="lt1"/>
-          </a:fontRef>
-        </p:style>
-        <p:txBody>
-          <a:bodyPr rtlCol="0" anchor="ctr"/>
-          <a:lstStyle/>
-          <a:p>
-            <a:pPr algn="ctr"/>
-            <a:endParaRPr lang="en-US">
-              <a:solidFill>
-                <a:schemeClr val="tx1"/>
-              </a:solidFill>
-            </a:endParaRPr>
-          </a:p>
-        </p:txBody>
-      </p:sp>
-      <p:sp>
-        <p:nvSpPr>
-          <p:cNvPr id="25" name="Frame 24"/>
-          <p:cNvSpPr/>
-          <p:nvPr/>
-        </p:nvSpPr>
-        <p:spPr>
-          <a:xfrm>
-            <a:off x="2307466" y="4655442"/>
-            <a:ext cx="461799" cy="519582"/>
-          </a:xfrm>
-          <a:prstGeom prst="frame">
-            <a:avLst/>
-          </a:prstGeom>
-          <a:solidFill>
-            <a:srgbClr val="FFFF00"/>
-          </a:solidFill>
-          <a:ln>
-            <a:solidFill>
-              <a:srgbClr val="FFFF00"/>
-            </a:solidFill>
-          </a:ln>
-        </p:spPr>
-        <p:style>
-          <a:lnRef idx="1">
-            <a:schemeClr val="accent1"/>
-          </a:lnRef>
-          <a:fillRef idx="3">
-            <a:schemeClr val="accent1"/>
-          </a:fillRef>
-          <a:effectRef idx="2">
-            <a:schemeClr val="accent1"/>
-          </a:effectRef>
-          <a:fontRef idx="minor">
-            <a:schemeClr val="lt1"/>
-          </a:fontRef>
-        </p:style>
-        <p:txBody>
-          <a:bodyPr rtlCol="0" anchor="ctr"/>
-          <a:lstStyle/>
-          <a:p>
-            <a:pPr algn="ctr"/>
-            <a:endParaRPr lang="en-US">
-              <a:solidFill>
-                <a:schemeClr val="tx1"/>
-              </a:solidFill>
-            </a:endParaRPr>
-          </a:p>
-        </p:txBody>
-      </p:sp>
-      <p:sp>
-        <p:nvSpPr>
-          <p:cNvPr id="26" name="Frame 25"/>
-          <p:cNvSpPr/>
-          <p:nvPr/>
-        </p:nvSpPr>
-        <p:spPr>
-          <a:xfrm>
-            <a:off x="3171808" y="4269016"/>
-            <a:ext cx="461799" cy="519582"/>
-          </a:xfrm>
-          <a:prstGeom prst="frame">
-            <a:avLst/>
-          </a:prstGeom>
-          <a:solidFill>
-            <a:srgbClr val="FFFF00"/>
-          </a:solidFill>
-          <a:ln>
-            <a:solidFill>
-              <a:srgbClr val="FFFF00"/>
-            </a:solidFill>
-          </a:ln>
-        </p:spPr>
-        <p:style>
-          <a:lnRef idx="1">
-            <a:schemeClr val="accent1"/>
-          </a:lnRef>
-          <a:fillRef idx="3">
-            <a:schemeClr val="accent1"/>
-          </a:fillRef>
-          <a:effectRef idx="2">
-            <a:schemeClr val="accent1"/>
-          </a:effectRef>
-          <a:fontRef idx="minor">
-            <a:schemeClr val="lt1"/>
-          </a:fontRef>
-        </p:style>
-        <p:txBody>
-          <a:bodyPr rtlCol="0" anchor="ctr"/>
-          <a:lstStyle/>
-          <a:p>
-            <a:pPr algn="ctr"/>
-            <a:endParaRPr lang="en-US">
-              <a:solidFill>
-                <a:schemeClr val="tx1"/>
-              </a:solidFill>
-            </a:endParaRPr>
-          </a:p>
-        </p:txBody>
-      </p:sp>
-      <p:sp>
-        <p:nvSpPr>
-          <p:cNvPr id="27" name="Frame 26"/>
-          <p:cNvSpPr/>
-          <p:nvPr/>
-        </p:nvSpPr>
-        <p:spPr>
-          <a:xfrm>
-            <a:off x="7809049" y="4345992"/>
-            <a:ext cx="461799" cy="519582"/>
-          </a:xfrm>
-          <a:prstGeom prst="frame">
-            <a:avLst/>
-          </a:prstGeom>
-          <a:solidFill>
-            <a:srgbClr val="FFFF00"/>
-          </a:solidFill>
-          <a:ln>
-            <a:solidFill>
-              <a:srgbClr val="FFFF00"/>
-            </a:solidFill>
-          </a:ln>
-        </p:spPr>
-        <p:style>
-          <a:lnRef idx="1">
-            <a:schemeClr val="accent1"/>
-          </a:lnRef>
-          <a:fillRef idx="3">
-            <a:schemeClr val="accent1"/>
-          </a:fillRef>
-          <a:effectRef idx="2">
-            <a:schemeClr val="accent1"/>
-          </a:effectRef>
-          <a:fontRef idx="minor">
-            <a:schemeClr val="lt1"/>
-          </a:fontRef>
-        </p:style>
-        <p:txBody>
-          <a:bodyPr rtlCol="0" anchor="ctr"/>
-          <a:lstStyle/>
-          <a:p>
-            <a:pPr algn="ctr"/>
-            <a:endParaRPr lang="en-US">
-              <a:solidFill>
-                <a:schemeClr val="tx1"/>
-              </a:solidFill>
-            </a:endParaRPr>
-          </a:p>
-        </p:txBody>
-      </p:sp>
-      <p:cxnSp>
-        <p:nvCxnSpPr>
-          <p:cNvPr id="29" name="Straight Arrow Connector 28"/>
-          <p:cNvCxnSpPr/>
-          <p:nvPr/>
-        </p:nvCxnSpPr>
-        <p:spPr>
-          <a:xfrm flipV="1">
-            <a:off x="2847766" y="4714726"/>
-            <a:ext cx="4714208" cy="269411"/>
-          </a:xfrm>
-          <a:prstGeom prst="straightConnector1">
-            <a:avLst/>
-          </a:prstGeom>
-          <a:ln>
-            <a:solidFill>
-              <a:srgbClr val="FFFF00"/>
-            </a:solidFill>
-            <a:tailEnd type="arrow"/>
-          </a:ln>
-        </p:spPr>
-        <p:style>
-          <a:lnRef idx="2">
-            <a:schemeClr val="accent1"/>
-          </a:lnRef>
-          <a:fillRef idx="0">
-            <a:schemeClr val="accent1"/>
-          </a:fillRef>
-          <a:effectRef idx="1">
-            <a:schemeClr val="accent1"/>
-          </a:effectRef>
-          <a:fontRef idx="minor">
-            <a:schemeClr val="tx1"/>
-          </a:fontRef>
-        </p:style>
-      </p:cxnSp>
-      <p:cxnSp>
-        <p:nvCxnSpPr>
-          <p:cNvPr id="31" name="Straight Arrow Connector 30"/>
-          <p:cNvCxnSpPr/>
-          <p:nvPr/>
-        </p:nvCxnSpPr>
-        <p:spPr>
-          <a:xfrm flipV="1">
-            <a:off x="3654383" y="4503043"/>
-            <a:ext cx="3946075" cy="36937"/>
-          </a:xfrm>
-          <a:prstGeom prst="straightConnector1">
-            <a:avLst/>
-          </a:prstGeom>
-          <a:ln>
-            <a:solidFill>
-              <a:srgbClr val="FFFF00"/>
-            </a:solidFill>
-            <a:tailEnd type="arrow"/>
-          </a:ln>
-        </p:spPr>
-        <p:style>
-          <a:lnRef idx="2">
-            <a:schemeClr val="accent1"/>
-          </a:lnRef>
-          <a:fillRef idx="0">
-            <a:schemeClr val="accent1"/>
-          </a:fillRef>
-          <a:effectRef idx="1">
-            <a:schemeClr val="accent1"/>
-          </a:effectRef>
-          <a:fontRef idx="minor">
-            <a:schemeClr val="tx1"/>
-          </a:fontRef>
-        </p:style>
-      </p:cxnSp>
-      <p:cxnSp>
-        <p:nvCxnSpPr>
-          <p:cNvPr id="35" name="Straight Arrow Connector 34"/>
-          <p:cNvCxnSpPr/>
-          <p:nvPr/>
-        </p:nvCxnSpPr>
-        <p:spPr>
-          <a:xfrm>
-            <a:off x="4714208" y="3386904"/>
-            <a:ext cx="3771366" cy="269413"/>
-          </a:xfrm>
-          <a:prstGeom prst="straightConnector1">
-            <a:avLst/>
-          </a:prstGeom>
-          <a:ln>
-            <a:solidFill>
-              <a:srgbClr val="3366FF"/>
-            </a:solidFill>
-            <a:tailEnd type="arrow"/>
-          </a:ln>
-        </p:spPr>
-        <p:style>
-          <a:lnRef idx="2">
-            <a:schemeClr val="accent1"/>
-          </a:lnRef>
-          <a:fillRef idx="0">
-            <a:schemeClr val="accent1"/>
-          </a:fillRef>
-          <a:effectRef idx="1">
-            <a:schemeClr val="accent1"/>
-          </a:effectRef>
-          <a:fontRef idx="minor">
-            <a:schemeClr val="tx1"/>
-          </a:fontRef>
-        </p:style>
-      </p:cxnSp>
-    </p:spTree>
-    <p:extLst>
-      <p:ext uri="{BB962C8B-B14F-4D97-AF65-F5344CB8AC3E}">
-        <p14:creationId xmlns:p14="http://schemas.microsoft.com/office/powerpoint/2010/main" val="314311795"/>
-      </p:ext>
-    </p:extLst>
-  </p:cSld>
-  <p:clrMapOvr>
-    <a:masterClrMapping/>
-  </p:clrMapOvr>
-  <p:timing>
-    <p:tnLst>
-      <p:par>
-        <p:cTn id="1" dur="indefinite" restart="never" nodeType="tmRoot">
-          <p:childTnLst>
-            <p:seq concurrent="1" nextAc="seek">
-              <p:cTn id="2" dur="indefinite" nodeType="mainSeq">
-                <p:childTnLst>
-                  <p:par>
-                    <p:cTn id="3" fill="hold">
-                      <p:stCondLst>
-                        <p:cond delay="indefinite"/>
-                      </p:stCondLst>
-                      <p:childTnLst>
-                        <p:par>
-                          <p:cTn id="4" fill="hold">
-                            <p:stCondLst>
-                              <p:cond delay="0"/>
-                            </p:stCondLst>
-                            <p:childTnLst>
-                              <p:par>
-                                <p:cTn id="5" presetID="1" presetClass="entr" presetSubtype="0" fill="hold" grpId="0" nodeType="clickEffect">
-                                  <p:stCondLst>
-                                    <p:cond delay="0"/>
-                                  </p:stCondLst>
-                                  <p:childTnLst>
-                                    <p:set>
-                                      <p:cBhvr>
-                                        <p:cTn id="6" dur="1" fill="hold">
-                                          <p:stCondLst>
-                                            <p:cond delay="0"/>
-                                          </p:stCondLst>
-                                        </p:cTn>
-                                        <p:tgtEl>
-                                          <p:spTgt spid="24"/>
-                                        </p:tgtEl>
-                                        <p:attrNameLst>
-                                          <p:attrName>style.visibility</p:attrName>
-                                        </p:attrNameLst>
-                                      </p:cBhvr>
-                                      <p:to>
-                                        <p:strVal val="visible"/>
-                                      </p:to>
-                                    </p:set>
-                                  </p:childTnLst>
-                                </p:cTn>
-                              </p:par>
-                              <p:par>
-                                <p:cTn id="7" presetID="1" presetClass="entr" presetSubtype="0" fill="hold" nodeType="withEffect">
-                                  <p:stCondLst>
-                                    <p:cond delay="0"/>
-                                  </p:stCondLst>
-                                  <p:childTnLst>
-                                    <p:set>
-                                      <p:cBhvr>
-                                        <p:cTn id="8" dur="1" fill="hold">
-                                          <p:stCondLst>
-                                            <p:cond delay="0"/>
-                                          </p:stCondLst>
-                                        </p:cTn>
-                                        <p:tgtEl>
-                                          <p:spTgt spid="35"/>
-                                        </p:tgtEl>
-                                        <p:attrNameLst>
-                                          <p:attrName>style.visibility</p:attrName>
-                                        </p:attrNameLst>
-                                      </p:cBhvr>
-                                      <p:to>
-                                        <p:strVal val="visible"/>
-                                      </p:to>
-                                    </p:set>
-                                  </p:childTnLst>
-                                </p:cTn>
-                              </p:par>
-                              <p:par>
-                                <p:cTn id="9" presetID="1" presetClass="entr" presetSubtype="0" fill="hold" grpId="0" nodeType="withEffect">
-                                  <p:stCondLst>
-                                    <p:cond delay="0"/>
-                                  </p:stCondLst>
-                                  <p:childTnLst>
-                                    <p:set>
-                                      <p:cBhvr>
-                                        <p:cTn id="10" dur="1" fill="hold">
-                                          <p:stCondLst>
-                                            <p:cond delay="0"/>
-                                          </p:stCondLst>
-                                        </p:cTn>
-                                        <p:tgtEl>
-                                          <p:spTgt spid="22"/>
-                                        </p:tgtEl>
-                                        <p:attrNameLst>
-                                          <p:attrName>style.visibility</p:attrName>
-                                        </p:attrNameLst>
-                                      </p:cBhvr>
-                                      <p:to>
-                                        <p:strVal val="visible"/>
-                                      </p:to>
-                                    </p:set>
-                                  </p:childTnLst>
-                                </p:cTn>
-                              </p:par>
-                              <p:par>
-                                <p:cTn id="11" presetID="1" presetClass="entr" presetSubtype="0" fill="hold" nodeType="withEffect">
-                                  <p:stCondLst>
-                                    <p:cond delay="0"/>
-                                  </p:stCondLst>
-                                  <p:childTnLst>
-                                    <p:set>
-                                      <p:cBhvr>
-                                        <p:cTn id="12" dur="1" fill="hold">
-                                          <p:stCondLst>
-                                            <p:cond delay="0"/>
-                                          </p:stCondLst>
-                                        </p:cTn>
-                                        <p:tgtEl>
-                                          <p:spTgt spid="31"/>
-                                        </p:tgtEl>
-                                        <p:attrNameLst>
-                                          <p:attrName>style.visibility</p:attrName>
-                                        </p:attrNameLst>
-                                      </p:cBhvr>
-                                      <p:to>
-                                        <p:strVal val="visible"/>
-                                      </p:to>
-                                    </p:set>
-                                  </p:childTnLst>
-                                </p:cTn>
-                              </p:par>
-                              <p:par>
-                                <p:cTn id="13" presetID="1" presetClass="entr" presetSubtype="0" fill="hold" grpId="0" nodeType="withEffect">
-                                  <p:stCondLst>
-                                    <p:cond delay="0"/>
-                                  </p:stCondLst>
-                                  <p:childTnLst>
-                                    <p:set>
-                                      <p:cBhvr>
-                                        <p:cTn id="14" dur="1" fill="hold">
-                                          <p:stCondLst>
-                                            <p:cond delay="0"/>
-                                          </p:stCondLst>
-                                        </p:cTn>
-                                        <p:tgtEl>
-                                          <p:spTgt spid="26"/>
-                                        </p:tgtEl>
-                                        <p:attrNameLst>
-                                          <p:attrName>style.visibility</p:attrName>
-                                        </p:attrNameLst>
-                                      </p:cBhvr>
-                                      <p:to>
-                                        <p:strVal val="visible"/>
-                                      </p:to>
-                                    </p:set>
-                                  </p:childTnLst>
-                                </p:cTn>
-                              </p:par>
-                              <p:par>
-                                <p:cTn id="15" presetID="1" presetClass="entr" presetSubtype="0" fill="hold" nodeType="withEffect">
-                                  <p:stCondLst>
-                                    <p:cond delay="0"/>
-                                  </p:stCondLst>
-                                  <p:childTnLst>
-                                    <p:set>
-                                      <p:cBhvr>
-                                        <p:cTn id="16" dur="1" fill="hold">
-                                          <p:stCondLst>
-                                            <p:cond delay="0"/>
-                                          </p:stCondLst>
-                                        </p:cTn>
-                                        <p:tgtEl>
-                                          <p:spTgt spid="29"/>
-                                        </p:tgtEl>
-                                        <p:attrNameLst>
-                                          <p:attrName>style.visibility</p:attrName>
-                                        </p:attrNameLst>
-                                      </p:cBhvr>
-                                      <p:to>
-                                        <p:strVal val="visible"/>
-                                      </p:to>
-                                    </p:set>
-                                  </p:childTnLst>
-                                </p:cTn>
-                              </p:par>
-                              <p:par>
-                                <p:cTn id="17" presetID="1" presetClass="entr" presetSubtype="0" fill="hold" grpId="0" nodeType="withEffect">
-                                  <p:stCondLst>
-                                    <p:cond delay="0"/>
-                                  </p:stCondLst>
-                                  <p:childTnLst>
-                                    <p:set>
-                                      <p:cBhvr>
-                                        <p:cTn id="18" dur="1" fill="hold">
-                                          <p:stCondLst>
-                                            <p:cond delay="0"/>
-                                          </p:stCondLst>
-                                        </p:cTn>
-                                        <p:tgtEl>
-                                          <p:spTgt spid="25"/>
-                                        </p:tgtEl>
-                                        <p:attrNameLst>
-                                          <p:attrName>style.visibility</p:attrName>
-                                        </p:attrNameLst>
-                                      </p:cBhvr>
-                                      <p:to>
-                                        <p:strVal val="visible"/>
-                                      </p:to>
-                                    </p:set>
-                                  </p:childTnLst>
-                                </p:cTn>
-                              </p:par>
-                              <p:par>
-                                <p:cTn id="19" presetID="1" presetClass="entr" presetSubtype="0" fill="hold" grpId="0" nodeType="withEffect">
-                                  <p:stCondLst>
-                                    <p:cond delay="0"/>
-                                  </p:stCondLst>
-                                  <p:childTnLst>
-                                    <p:set>
-                                      <p:cBhvr>
-                                        <p:cTn id="20" dur="1" fill="hold">
-                                          <p:stCondLst>
-                                            <p:cond delay="0"/>
-                                          </p:stCondLst>
-                                        </p:cTn>
-                                        <p:tgtEl>
-                                          <p:spTgt spid="27"/>
-                                        </p:tgtEl>
-                                        <p:attrNameLst>
-                                          <p:attrName>style.visibility</p:attrName>
-                                        </p:attrNameLst>
-                                      </p:cBhvr>
-                                      <p:to>
-                                        <p:strVal val="visible"/>
-                                      </p:to>
-                                    </p:set>
-                                  </p:childTnLst>
-                                </p:cTn>
-                              </p:par>
-                            </p:childTnLst>
-                          </p:cTn>
-                        </p:par>
-                      </p:childTnLst>
-                    </p:cTn>
-                  </p:par>
-                </p:childTnLst>
-              </p:cTn>
-              <p:prevCondLst>
-                <p:cond evt="onPrev" delay="0">
-                  <p:tgtEl>
-                    <p:sldTgt/>
-                  </p:tgtEl>
-                </p:cond>
-              </p:prevCondLst>
-              <p:nextCondLst>
-                <p:cond evt="onNext" delay="0">
-                  <p:tgtEl>
-                    <p:sldTgt/>
-                  </p:tgtEl>
-                </p:cond>
-              </p:nextCondLst>
-            </p:seq>
-          </p:childTnLst>
-        </p:cTn>
-      </p:par>
-    </p:tnLst>
-    <p:bldLst>
-      <p:bldP spid="22" grpId="0" animBg="1"/>
-      <p:bldP spid="24" grpId="0" animBg="1"/>
-      <p:bldP spid="25" grpId="0" animBg="1"/>
-      <p:bldP spid="26" grpId="0" animBg="1"/>
-      <p:bldP spid="27" grpId="0" animBg="1"/>
-    </p:bldLst>
-  </p:timing>
-</p:sld>
-</file>
-
-<file path=ppt/slides/slide9.xml><?xml version="1.0" encoding="utf-8"?>
-<p:sld xmlns:a="http://schemas.openxmlformats.org/drawingml/2006/main" xmlns:r="http://schemas.openxmlformats.org/officeDocument/2006/relationships" xmlns:p="http://schemas.openxmlformats.org/presentationml/2006/main">
-  <p:cSld>
-    <p:spTree>
-      <p:nvGrpSpPr>
-        <p:cNvPr id="1" name=""/>
-        <p:cNvGrpSpPr/>
-        <p:nvPr/>
-      </p:nvGrpSpPr>
-      <p:grpSpPr>
-        <a:xfrm>
-          <a:off x="0" y="0"/>
-          <a:ext cx="0" cy="0"/>
-          <a:chOff x="0" y="0"/>
-          <a:chExt cx="0" cy="0"/>
-        </a:xfrm>
-      </p:grpSpPr>
-      <p:sp>
-        <p:nvSpPr>
-          <p:cNvPr id="2" name="Title 1"/>
-          <p:cNvSpPr>
-            <a:spLocks noGrp="1"/>
-          </p:cNvSpPr>
-          <p:nvPr>
-            <p:ph type="title"/>
-          </p:nvPr>
-        </p:nvSpPr>
-        <p:spPr/>
-        <p:txBody>
-          <a:bodyPr/>
-          <a:lstStyle/>
-          <a:p>
-            <a:r>
-              <a:rPr lang="en-US" dirty="0" smtClean="0"/>
-              <a:t>Bidirectional similarity</a:t>
-            </a:r>
-            <a:endParaRPr lang="en-US" dirty="0"/>
-          </a:p>
-        </p:txBody>
-      </p:sp>
-      <p:sp>
-        <p:nvSpPr>
-          <p:cNvPr id="3" name="Content Placeholder 2"/>
-          <p:cNvSpPr>
-            <a:spLocks noGrp="1"/>
-          </p:cNvSpPr>
-          <p:nvPr>
-            <p:ph idx="1"/>
-          </p:nvPr>
-        </p:nvSpPr>
-        <p:spPr/>
-        <p:txBody>
-          <a:bodyPr/>
-          <a:lstStyle/>
-          <a:p>
-            <a:r>
-              <a:rPr lang="en-US" dirty="0" smtClean="0"/>
-              <a:t>Use bidirectional similarity to find matching patch</a:t>
-            </a:r>
-          </a:p>
-          <a:p>
-            <a:r>
-              <a:rPr lang="en-US" dirty="0" smtClean="0"/>
-              <a:t>Use NNF to find maximal similarity (minimal distance)</a:t>
-            </a:r>
-            <a:endParaRPr lang="en-US" dirty="0"/>
-          </a:p>
-        </p:txBody>
-      </p:sp>
-      <p:pic>
-        <p:nvPicPr>
-          <p:cNvPr id="4" name="Picture 3"/>
-          <p:cNvPicPr>
-            <a:picLocks noChangeAspect="1"/>
-          </p:cNvPicPr>
-          <p:nvPr/>
-        </p:nvPicPr>
-        <p:blipFill>
-          <a:blip r:embed="rId2"/>
-          <a:stretch>
-            <a:fillRect/>
-          </a:stretch>
-        </p:blipFill>
-        <p:spPr>
-          <a:xfrm>
-            <a:off x="1479103" y="3575291"/>
-            <a:ext cx="6223000" cy="1231900"/>
-          </a:xfrm>
-          <a:prstGeom prst="rect">
-            <a:avLst/>
-          </a:prstGeom>
-        </p:spPr>
-      </p:pic>
-    </p:spTree>
-    <p:extLst>
-      <p:ext uri="{BB962C8B-B14F-4D97-AF65-F5344CB8AC3E}">
-        <p14:creationId xmlns:p14="http://schemas.microsoft.com/office/powerpoint/2010/main" val="4016517156"/>
-      </p:ext>
-    </p:extLst>
-  </p:cSld>
-  <p:clrMapOvr>
-    <a:masterClrMapping/>
-  </p:clrMapOvr>
-  <p:timing>
-    <p:tnLst>
-      <p:par>
-        <p:cTn id="1" dur="indefinite" restart="never" nodeType="tmRoot"/>
-      </p:par>
-    </p:tnLst>
-  </p:timing>
-</p:sld>
-</file>
-
 <file path=ppt/theme/theme1.xml><?xml version="1.0" encoding="utf-8"?>
 <a:theme xmlns:a="http://schemas.openxmlformats.org/drawingml/2006/main" name="Facet">
   <a:themeElements>
